--- a/reports/ppt final.pptx
+++ b/reports/ppt final.pptx
@@ -11,11 +11,12 @@
     <p:sldId id="259" r:id="rId5"/>
     <p:sldId id="260" r:id="rId6"/>
     <p:sldId id="261" r:id="rId7"/>
-    <p:sldId id="262" r:id="rId8"/>
-    <p:sldId id="263" r:id="rId9"/>
-    <p:sldId id="264" r:id="rId10"/>
-    <p:sldId id="265" r:id="rId11"/>
-    <p:sldId id="266" r:id="rId12"/>
+    <p:sldId id="267" r:id="rId8"/>
+    <p:sldId id="262" r:id="rId9"/>
+    <p:sldId id="263" r:id="rId10"/>
+    <p:sldId id="264" r:id="rId11"/>
+    <p:sldId id="265" r:id="rId12"/>
+    <p:sldId id="266" r:id="rId13"/>
   </p:sldIdLst>
   <p:sldSz cx="9144000" cy="6858000" type="screen4x3"/>
   <p:notesSz cx="9144000" cy="6858000"/>
@@ -272,7 +273,7 @@
           <a:p>
             <a:fld id="{1D8BD707-D9CF-40AE-B4C6-C98DA3205C09}" type="datetimeFigureOut">
               <a:rPr lang="en-US"/>
-              <a:t>11/1/2023</a:t>
+              <a:t>11/10/2023</a:t>
             </a:fld>
             <a:endParaRPr lang="en-US"/>
           </a:p>
@@ -453,7 +454,7 @@
           <a:p>
             <a:fld id="{1D8BD707-D9CF-40AE-B4C6-C98DA3205C09}" type="datetimeFigureOut">
               <a:rPr lang="en-US"/>
-              <a:t>11/1/2023</a:t>
+              <a:t>11/10/2023</a:t>
             </a:fld>
             <a:endParaRPr lang="en-US"/>
           </a:p>
@@ -673,7 +674,7 @@
           <a:p>
             <a:fld id="{1D8BD707-D9CF-40AE-B4C6-C98DA3205C09}" type="datetimeFigureOut">
               <a:rPr lang="en-US"/>
-              <a:t>11/1/2023</a:t>
+              <a:t>11/10/2023</a:t>
             </a:fld>
             <a:endParaRPr lang="en-US"/>
           </a:p>
@@ -827,7 +828,7 @@
           <a:p>
             <a:fld id="{1D8BD707-D9CF-40AE-B4C6-C98DA3205C09}" type="datetimeFigureOut">
               <a:rPr lang="en-US"/>
-              <a:t>11/1/2023</a:t>
+              <a:t>11/10/2023</a:t>
             </a:fld>
             <a:endParaRPr lang="en-US"/>
           </a:p>
@@ -952,7 +953,7 @@
           <a:p>
             <a:fld id="{1D8BD707-D9CF-40AE-B4C6-C98DA3205C09}" type="datetimeFigureOut">
               <a:rPr lang="en-US"/>
-              <a:t>11/1/2023</a:t>
+              <a:t>11/10/2023</a:t>
             </a:fld>
             <a:endParaRPr lang="en-US"/>
           </a:p>
@@ -2384,7 +2385,7 @@
           <a:p>
             <a:fld id="{1D8BD707-D9CF-40AE-B4C6-C98DA3205C09}" type="datetimeFigureOut">
               <a:rPr lang="en-US"/>
-              <a:t>11/1/2023</a:t>
+              <a:t>11/10/2023</a:t>
             </a:fld>
             <a:endParaRPr lang="en-US"/>
           </a:p>
@@ -3338,7 +3339,7 @@
         <p:spPr>
           <a:xfrm>
             <a:off x="444500" y="1047750"/>
-            <a:ext cx="2841625" cy="787400"/>
+            <a:ext cx="1870710" cy="787400"/>
           </a:xfrm>
           <a:prstGeom prst="rect">
             <a:avLst/>
@@ -3360,7 +3361,7 @@
             </a:pPr>
             <a:r>
               <a:rPr spc="-5" dirty="0"/>
-              <a:t>Conclusion</a:t>
+              <a:t>Results</a:t>
             </a:r>
           </a:p>
         </p:txBody>
@@ -3408,6 +3409,105 @@
 </file>
 
 <file path=ppt/slides/slide11.xml><?xml version="1.0" encoding="utf-8"?>
+<p:sld xmlns:a="http://schemas.openxmlformats.org/drawingml/2006/main" xmlns:r="http://schemas.openxmlformats.org/officeDocument/2006/relationships" xmlns:p="http://schemas.openxmlformats.org/presentationml/2006/main">
+  <p:cSld>
+    <p:spTree>
+      <p:nvGrpSpPr>
+        <p:cNvPr id="1" name=""/>
+        <p:cNvGrpSpPr/>
+        <p:nvPr/>
+      </p:nvGrpSpPr>
+      <p:grpSpPr>
+        <a:xfrm>
+          <a:off x="0" y="0"/>
+          <a:ext cx="0" cy="0"/>
+          <a:chOff x="0" y="0"/>
+          <a:chExt cx="0" cy="0"/>
+        </a:xfrm>
+      </p:grpSpPr>
+      <p:sp>
+        <p:nvSpPr>
+          <p:cNvPr id="2" name="object 2"/>
+          <p:cNvSpPr txBox="1">
+            <a:spLocks noGrp="1"/>
+          </p:cNvSpPr>
+          <p:nvPr>
+            <p:ph type="title"/>
+          </p:nvPr>
+        </p:nvSpPr>
+        <p:spPr>
+          <a:xfrm>
+            <a:off x="444500" y="1047750"/>
+            <a:ext cx="2841625" cy="787400"/>
+          </a:xfrm>
+          <a:prstGeom prst="rect">
+            <a:avLst/>
+          </a:prstGeom>
+        </p:spPr>
+        <p:txBody>
+          <a:bodyPr vert="horz" wrap="square" lIns="0" tIns="12700" rIns="0" bIns="0" rtlCol="0">
+            <a:spAutoFit/>
+          </a:bodyPr>
+          <a:lstStyle/>
+          <a:p>
+            <a:pPr marL="12700">
+              <a:lnSpc>
+                <a:spcPct val="100000"/>
+              </a:lnSpc>
+              <a:spcBef>
+                <a:spcPts val="100"/>
+              </a:spcBef>
+            </a:pPr>
+            <a:r>
+              <a:rPr spc="-5" dirty="0"/>
+              <a:t>Conclusion</a:t>
+            </a:r>
+          </a:p>
+        </p:txBody>
+      </p:sp>
+      <p:sp>
+        <p:nvSpPr>
+          <p:cNvPr id="3" name="object 3"/>
+          <p:cNvSpPr txBox="1">
+            <a:spLocks noGrp="1"/>
+          </p:cNvSpPr>
+          <p:nvPr>
+            <p:ph type="sldNum" sz="quarter" idx="7"/>
+          </p:nvPr>
+        </p:nvSpPr>
+        <p:spPr>
+          <a:prstGeom prst="rect">
+            <a:avLst/>
+          </a:prstGeom>
+        </p:spPr>
+        <p:txBody>
+          <a:bodyPr vert="horz" wrap="square" lIns="0" tIns="0" rIns="0" bIns="0" rtlCol="0">
+            <a:spAutoFit/>
+          </a:bodyPr>
+          <a:lstStyle/>
+          <a:p>
+            <a:pPr marL="38100">
+              <a:lnSpc>
+                <a:spcPts val="1410"/>
+              </a:lnSpc>
+            </a:pPr>
+            <a:fld id="{81D60167-4931-47E6-BA6A-407CBD079E47}" type="slidenum">
+              <a:rPr dirty="0"/>
+              <a:t>11</a:t>
+            </a:fld>
+            <a:endParaRPr dirty="0"/>
+          </a:p>
+        </p:txBody>
+      </p:sp>
+    </p:spTree>
+  </p:cSld>
+  <p:clrMapOvr>
+    <a:masterClrMapping/>
+  </p:clrMapOvr>
+</p:sld>
+</file>
+
+<file path=ppt/slides/slide12.xml><?xml version="1.0" encoding="utf-8"?>
 <p:sld xmlns:a="http://schemas.openxmlformats.org/drawingml/2006/main" xmlns:r="http://schemas.openxmlformats.org/officeDocument/2006/relationships" xmlns:p="http://schemas.openxmlformats.org/presentationml/2006/main">
   <p:cSld>
     <p:spTree>
@@ -4310,7 +4410,7 @@
         <p:spPr>
           <a:xfrm>
             <a:off x="228600" y="1164277"/>
-            <a:ext cx="8537576" cy="5385064"/>
+            <a:ext cx="8537576" cy="4969566"/>
           </a:xfrm>
           <a:prstGeom prst="rect">
             <a:avLst/>
@@ -4374,24 +4474,21 @@
                 <a:latin typeface="Times New Roman" panose="02020603050405020304" pitchFamily="18" charset="0"/>
                 <a:cs typeface="Times New Roman" panose="02020603050405020304" pitchFamily="18" charset="0"/>
               </a:rPr>
-              <a:t>[1] K E L- </a:t>
-            </a:r>
-            <a:r>
-              <a:rPr lang="en-US" b="0" i="0" dirty="0" err="1">
-                <a:effectLst/>
-                <a:latin typeface="Times New Roman" panose="02020603050405020304" pitchFamily="18" charset="0"/>
-                <a:cs typeface="Times New Roman" panose="02020603050405020304" pitchFamily="18" charset="0"/>
-              </a:rPr>
-              <a:t>Akruthi</a:t>
-            </a:r>
-            <a:r>
-              <a:rPr lang="en-US" b="0" i="0" dirty="0">
-                <a:effectLst/>
-                <a:latin typeface="Times New Roman" panose="02020603050405020304" pitchFamily="18" charset="0"/>
-                <a:cs typeface="Times New Roman" panose="02020603050405020304" pitchFamily="18" charset="0"/>
-              </a:rPr>
-              <a:t> , R Dwight - Journal of Quality in Maintenance Engineering, 2013 - emerald.com</a:t>
-            </a:r>
+              <a:t>[1]</a:t>
+            </a:r>
+            <a:r>
+              <a:rPr lang="en-IN" dirty="0"/>
+              <a:t> Investigation: A Productive Asset Management Web Application </a:t>
+            </a:r>
+            <a:r>
+              <a:rPr lang="en-US" dirty="0"/>
+              <a:t>Computer Systems Science &amp; Engineering DOI:10.32604/csse.2021.015314</a:t>
+            </a:r>
+            <a:endParaRPr lang="en-US" b="0" i="0" dirty="0">
+              <a:effectLst/>
+              <a:latin typeface="Times New Roman" panose="02020603050405020304" pitchFamily="18" charset="0"/>
+              <a:cs typeface="Times New Roman" panose="02020603050405020304" pitchFamily="18" charset="0"/>
+            </a:endParaRPr>
           </a:p>
           <a:p>
             <a:pPr marL="561975" algn="just">
@@ -4441,7 +4538,39 @@
               <a:t>[3] </a:t>
             </a:r>
             <a:r>
-              <a:rPr lang="en-US" b="0" i="0" dirty="0">
+              <a:rPr lang="en-US" dirty="0"/>
+              <a:t>Markus </a:t>
+            </a:r>
+            <a:r>
+              <a:rPr lang="en-US" dirty="0" err="1"/>
+              <a:t>Keinänen</a:t>
+            </a:r>
+            <a:r>
+              <a:rPr lang="en-US" dirty="0"/>
+              <a:t> Creation of a web service using the MERN stack</a:t>
+            </a:r>
+          </a:p>
+          <a:p>
+            <a:pPr marL="561975" algn="just">
+              <a:lnSpc>
+                <a:spcPct val="150000"/>
+              </a:lnSpc>
+              <a:spcBef>
+                <a:spcPts val="520"/>
+              </a:spcBef>
+              <a:tabLst>
+                <a:tab pos="2465070" algn="l"/>
+              </a:tabLst>
+            </a:pPr>
+            <a:r>
+              <a:rPr lang="en-IN" dirty="0">
+                <a:latin typeface="Times New Roman" panose="02020603050405020304" pitchFamily="18" charset="0"/>
+                <a:cs typeface="Times New Roman" panose="02020603050405020304" pitchFamily="18" charset="0"/>
+              </a:rPr>
+              <a:t>[4] </a:t>
+            </a:r>
+            <a:r>
+              <a:rPr lang="en-IN" b="0" i="0" dirty="0">
                 <a:effectLst/>
                 <a:latin typeface="Times New Roman" panose="02020603050405020304" pitchFamily="18" charset="0"/>
                 <a:cs typeface="Times New Roman" panose="02020603050405020304" pitchFamily="18" charset="0"/>
@@ -4453,72 +4582,15 @@
                   </a:extLst>
                 </a:hlinkClick>
               </a:rPr>
-              <a:t>GW </a:t>
-            </a:r>
-            <a:r>
-              <a:rPr lang="en-US" b="0" i="0" dirty="0">
-                <a:solidFill>
-                  <a:srgbClr val="E1D700"/>
-                </a:solidFill>
+              <a:t>D Sarkar</a:t>
+            </a:r>
+            <a:r>
+              <a:rPr lang="en-IN" b="0" i="0" dirty="0">
                 <a:effectLst/>
                 <a:latin typeface="Times New Roman" panose="02020603050405020304" pitchFamily="18" charset="0"/>
                 <a:cs typeface="Times New Roman" panose="02020603050405020304" pitchFamily="18" charset="0"/>
-                <a:hlinkClick r:id="rId2">
-                  <a:extLst>
-                    <a:ext uri="{A12FA001-AC4F-418D-AE19-62706E023703}">
-                      <ahyp:hlinkClr xmlns:ahyp="http://schemas.microsoft.com/office/drawing/2018/hyperlinkcolor" val="tx"/>
-                    </a:ext>
-                  </a:extLst>
-                </a:hlinkClick>
-              </a:rPr>
-              <a:t> </a:t>
-            </a:r>
-            <a:r>
-              <a:rPr lang="en-US" b="0" i="0" dirty="0" err="1">
-                <a:effectLst/>
-                <a:latin typeface="Times New Roman" panose="02020603050405020304" pitchFamily="18" charset="0"/>
-                <a:cs typeface="Times New Roman" panose="02020603050405020304" pitchFamily="18" charset="0"/>
-                <a:hlinkClick r:id="rId2">
-                  <a:extLst>
-                    <a:ext uri="{A12FA001-AC4F-418D-AE19-62706E023703}">
-                      <ahyp:hlinkClr xmlns:ahyp="http://schemas.microsoft.com/office/drawing/2018/hyperlinkcolor" val="tx"/>
-                    </a:ext>
-                  </a:extLst>
-                </a:hlinkClick>
-              </a:rPr>
-              <a:t>Flintsch</a:t>
-            </a:r>
-            <a:r>
-              <a:rPr lang="en-US" b="0" i="0" dirty="0">
-                <a:effectLst/>
-                <a:latin typeface="Times New Roman" panose="02020603050405020304" pitchFamily="18" charset="0"/>
-                <a:cs typeface="Times New Roman" panose="02020603050405020304" pitchFamily="18" charset="0"/>
-              </a:rPr>
-              <a:t> , A Medina - 5th International Conference on Managing …, 2001 - academia.edu</a:t>
-            </a:r>
-            <a:endParaRPr lang="en-IN" dirty="0">
-              <a:latin typeface="Times New Roman" panose="02020603050405020304" pitchFamily="18" charset="0"/>
-              <a:cs typeface="Times New Roman" panose="02020603050405020304" pitchFamily="18" charset="0"/>
-            </a:endParaRPr>
-          </a:p>
-          <a:p>
-            <a:pPr marL="561975" algn="just">
-              <a:lnSpc>
-                <a:spcPct val="150000"/>
-              </a:lnSpc>
-              <a:spcBef>
-                <a:spcPts val="520"/>
-              </a:spcBef>
-              <a:tabLst>
-                <a:tab pos="2465070" algn="l"/>
-              </a:tabLst>
-            </a:pPr>
-            <a:r>
-              <a:rPr lang="en-IN" dirty="0">
-                <a:latin typeface="Times New Roman" panose="02020603050405020304" pitchFamily="18" charset="0"/>
-                <a:cs typeface="Times New Roman" panose="02020603050405020304" pitchFamily="18" charset="0"/>
-              </a:rPr>
-              <a:t>[4] </a:t>
+              </a:rPr>
+              <a:t>, </a:t>
             </a:r>
             <a:r>
               <a:rPr lang="en-IN" b="0" i="0" dirty="0">
@@ -4533,7 +4605,7 @@
                   </a:extLst>
                 </a:hlinkClick>
               </a:rPr>
-              <a:t>D Sarkar</a:t>
+              <a:t>H Patel</a:t>
             </a:r>
             <a:r>
               <a:rPr lang="en-IN" b="0" i="0" dirty="0">
@@ -4556,7 +4628,7 @@
                   </a:extLst>
                 </a:hlinkClick>
               </a:rPr>
-              <a:t>H Patel</a:t>
+              <a:t>B Dave</a:t>
             </a:r>
             <a:r>
               <a:rPr lang="en-IN" b="0" i="0" dirty="0">
@@ -4564,10 +4636,57 @@
                 <a:latin typeface="Times New Roman" panose="02020603050405020304" pitchFamily="18" charset="0"/>
                 <a:cs typeface="Times New Roman" panose="02020603050405020304" pitchFamily="18" charset="0"/>
               </a:rPr>
-              <a:t>, </a:t>
+              <a:t> - … Journal of Construction </a:t>
+            </a:r>
+            <a:r>
+              <a:rPr lang="en-IN" b="1" i="0" dirty="0">
+                <a:effectLst/>
+                <a:latin typeface="Times New Roman" panose="02020603050405020304" pitchFamily="18" charset="0"/>
+                <a:cs typeface="Times New Roman" panose="02020603050405020304" pitchFamily="18" charset="0"/>
+              </a:rPr>
+              <a:t>Management</a:t>
             </a:r>
             <a:r>
               <a:rPr lang="en-IN" b="0" i="0" dirty="0">
+                <a:effectLst/>
+                <a:latin typeface="Times New Roman" panose="02020603050405020304" pitchFamily="18" charset="0"/>
+                <a:cs typeface="Times New Roman" panose="02020603050405020304" pitchFamily="18" charset="0"/>
+              </a:rPr>
+              <a:t>, 2022 - Taylor &amp; Francis</a:t>
+            </a:r>
+          </a:p>
+          <a:p>
+            <a:pPr marL="561975" algn="just">
+              <a:lnSpc>
+                <a:spcPct val="150000"/>
+              </a:lnSpc>
+              <a:spcBef>
+                <a:spcPts val="520"/>
+              </a:spcBef>
+              <a:tabLst>
+                <a:tab pos="2465070" algn="l"/>
+              </a:tabLst>
+            </a:pPr>
+            <a:r>
+              <a:rPr lang="en-IN" dirty="0">
+                <a:latin typeface="Times New Roman" panose="02020603050405020304" pitchFamily="18" charset="0"/>
+                <a:cs typeface="Times New Roman" panose="02020603050405020304" pitchFamily="18" charset="0"/>
+              </a:rPr>
+              <a:t>[5] </a:t>
+            </a:r>
+            <a:r>
+              <a:rPr lang="en-US" b="0" i="0" dirty="0">
+                <a:effectLst/>
+                <a:latin typeface="Times New Roman" panose="02020603050405020304" pitchFamily="18" charset="0"/>
+                <a:cs typeface="Times New Roman" panose="02020603050405020304" pitchFamily="18" charset="0"/>
+              </a:rPr>
+              <a:t>L Turnip, A</a:t>
+            </a:r>
+            <a:r>
+              <a:rPr lang="en-US" b="0" i="0" dirty="0">
+                <a:solidFill>
+                  <a:srgbClr val="E1D700"/>
+                </a:solidFill>
                 <a:effectLst/>
                 <a:latin typeface="Times New Roman" panose="02020603050405020304" pitchFamily="18" charset="0"/>
                 <a:cs typeface="Times New Roman" panose="02020603050405020304" pitchFamily="18" charset="0"/>
@@ -4579,51 +4698,22 @@
                   </a:extLst>
                 </a:hlinkClick>
               </a:rPr>
-              <a:t>B Dave</a:t>
-            </a:r>
-            <a:r>
-              <a:rPr lang="en-IN" b="0" i="0" dirty="0">
+              <a:t> </a:t>
+            </a:r>
+            <a:r>
+              <a:rPr lang="en-US" b="0" i="0" dirty="0" err="1">
                 <a:effectLst/>
                 <a:latin typeface="Times New Roman" panose="02020603050405020304" pitchFamily="18" charset="0"/>
                 <a:cs typeface="Times New Roman" panose="02020603050405020304" pitchFamily="18" charset="0"/>
-              </a:rPr>
-              <a:t> - … Journal of Construction </a:t>
-            </a:r>
-            <a:r>
-              <a:rPr lang="en-IN" b="1" i="0" dirty="0">
-                <a:effectLst/>
-                <a:latin typeface="Times New Roman" panose="02020603050405020304" pitchFamily="18" charset="0"/>
-                <a:cs typeface="Times New Roman" panose="02020603050405020304" pitchFamily="18" charset="0"/>
-              </a:rPr>
-              <a:t>Management</a:t>
-            </a:r>
-            <a:r>
-              <a:rPr lang="en-IN" b="0" i="0" dirty="0">
-                <a:effectLst/>
-                <a:latin typeface="Times New Roman" panose="02020603050405020304" pitchFamily="18" charset="0"/>
-                <a:cs typeface="Times New Roman" panose="02020603050405020304" pitchFamily="18" charset="0"/>
-              </a:rPr>
-              <a:t>, 2022 - Taylor &amp; Francis</a:t>
-            </a:r>
-          </a:p>
-          <a:p>
-            <a:pPr marL="561975" algn="just">
-              <a:lnSpc>
-                <a:spcPct val="150000"/>
-              </a:lnSpc>
-              <a:spcBef>
-                <a:spcPts val="520"/>
-              </a:spcBef>
-              <a:tabLst>
-                <a:tab pos="2465070" algn="l"/>
-              </a:tabLst>
-            </a:pPr>
-            <a:r>
-              <a:rPr lang="en-IN" dirty="0">
-                <a:latin typeface="Times New Roman" panose="02020603050405020304" pitchFamily="18" charset="0"/>
-                <a:cs typeface="Times New Roman" panose="02020603050405020304" pitchFamily="18" charset="0"/>
-              </a:rPr>
-              <a:t>[5] </a:t>
+                <a:hlinkClick r:id="rId5">
+                  <a:extLst>
+                    <a:ext uri="{A12FA001-AC4F-418D-AE19-62706E023703}">
+                      <ahyp:hlinkClr xmlns:ahyp="http://schemas.microsoft.com/office/drawing/2018/hyperlinkcolor" val="tx"/>
+                    </a:ext>
+                  </a:extLst>
+                </a:hlinkClick>
+              </a:rPr>
+              <a:t>Triayudi</a:t>
             </a:r>
             <a:r>
               <a:rPr lang="en-US" b="0" i="0" dirty="0">
@@ -4631,13 +4721,10 @@
                 <a:latin typeface="Times New Roman" panose="02020603050405020304" pitchFamily="18" charset="0"/>
                 <a:cs typeface="Times New Roman" panose="02020603050405020304" pitchFamily="18" charset="0"/>
               </a:rPr>
-              <a:t>L Turnip, A</a:t>
+              <a:t> , </a:t>
             </a:r>
             <a:r>
               <a:rPr lang="en-US" b="0" i="0" dirty="0">
-                <a:solidFill>
-                  <a:srgbClr val="E1D700"/>
-                </a:solidFill>
                 <a:effectLst/>
                 <a:latin typeface="Times New Roman" panose="02020603050405020304" pitchFamily="18" charset="0"/>
                 <a:cs typeface="Times New Roman" panose="02020603050405020304" pitchFamily="18" charset="0"/>
@@ -4649,7 +4736,7 @@
                   </a:extLst>
                 </a:hlinkClick>
               </a:rPr>
-              <a:t> </a:t>
+              <a:t>ID  </a:t>
             </a:r>
             <a:r>
               <a:rPr lang="en-US" b="0" i="0" dirty="0" err="1">
@@ -4657,44 +4744,6 @@
                 <a:latin typeface="Times New Roman" panose="02020603050405020304" pitchFamily="18" charset="0"/>
                 <a:cs typeface="Times New Roman" panose="02020603050405020304" pitchFamily="18" charset="0"/>
                 <a:hlinkClick r:id="rId6">
-                  <a:extLst>
-                    <a:ext uri="{A12FA001-AC4F-418D-AE19-62706E023703}">
-                      <ahyp:hlinkClr xmlns:ahyp="http://schemas.microsoft.com/office/drawing/2018/hyperlinkcolor" val="tx"/>
-                    </a:ext>
-                  </a:extLst>
-                </a:hlinkClick>
-              </a:rPr>
-              <a:t>Triayudi</a:t>
-            </a:r>
-            <a:r>
-              <a:rPr lang="en-US" b="0" i="0" dirty="0">
-                <a:effectLst/>
-                <a:latin typeface="Times New Roman" panose="02020603050405020304" pitchFamily="18" charset="0"/>
-                <a:cs typeface="Times New Roman" panose="02020603050405020304" pitchFamily="18" charset="0"/>
-              </a:rPr>
-              <a:t> , </a:t>
-            </a:r>
-            <a:r>
-              <a:rPr lang="en-US" b="0" i="0" dirty="0">
-                <a:effectLst/>
-                <a:latin typeface="Times New Roman" panose="02020603050405020304" pitchFamily="18" charset="0"/>
-                <a:cs typeface="Times New Roman" panose="02020603050405020304" pitchFamily="18" charset="0"/>
-                <a:hlinkClick r:id="rId7">
-                  <a:extLst>
-                    <a:ext uri="{A12FA001-AC4F-418D-AE19-62706E023703}">
-                      <ahyp:hlinkClr xmlns:ahyp="http://schemas.microsoft.com/office/drawing/2018/hyperlinkcolor" val="tx"/>
-                    </a:ext>
-                  </a:extLst>
-                </a:hlinkClick>
-              </a:rPr>
-              <a:t>ID  </a:t>
-            </a:r>
-            <a:r>
-              <a:rPr lang="en-US" b="0" i="0" dirty="0" err="1">
-                <a:effectLst/>
-                <a:latin typeface="Times New Roman" panose="02020603050405020304" pitchFamily="18" charset="0"/>
-                <a:cs typeface="Times New Roman" panose="02020603050405020304" pitchFamily="18" charset="0"/>
-                <a:hlinkClick r:id="rId7">
                   <a:extLst>
                     <a:ext uri="{A12FA001-AC4F-418D-AE19-62706E023703}">
                       <ahyp:hlinkClr xmlns:ahyp="http://schemas.microsoft.com/office/drawing/2018/hyperlinkcolor" val="tx"/>
@@ -4820,8 +4869,8 @@
         </p:nvSpPr>
         <p:spPr>
           <a:xfrm>
-            <a:off x="3549499" y="778764"/>
-            <a:ext cx="2041525" cy="513080"/>
+            <a:off x="1676401" y="778764"/>
+            <a:ext cx="6172200" cy="505267"/>
           </a:xfrm>
           <a:prstGeom prst="rect">
             <a:avLst/>
@@ -4842,27 +4891,13 @@
               </a:spcBef>
             </a:pPr>
             <a:r>
-              <a:rPr sz="3200" spc="-5" dirty="0">
-                <a:latin typeface="Times New Roman"/>
-                <a:cs typeface="Times New Roman"/>
-              </a:rPr>
-              <a:t>Project</a:t>
-            </a:r>
-            <a:r>
-              <a:rPr sz="3200" spc="-85" dirty="0">
-                <a:latin typeface="Times New Roman"/>
-                <a:cs typeface="Times New Roman"/>
-              </a:rPr>
-              <a:t> </a:t>
-            </a:r>
-            <a:r>
-              <a:rPr sz="3200" spc="-10" dirty="0">
-                <a:latin typeface="Times New Roman"/>
-                <a:cs typeface="Times New Roman"/>
-              </a:rPr>
-              <a:t>Title</a:t>
-            </a:r>
-            <a:endParaRPr sz="3200">
+              <a:rPr lang="en-US" sz="3200" dirty="0">
+                <a:latin typeface="Times New Roman"/>
+                <a:cs typeface="Times New Roman"/>
+              </a:rPr>
+              <a:t>ASSET MANAGEMENT SYSTEM</a:t>
+            </a:r>
+            <a:endParaRPr sz="3200" dirty="0">
               <a:latin typeface="Times New Roman"/>
               <a:cs typeface="Times New Roman"/>
             </a:endParaRPr>
@@ -4911,8 +4946,8 @@
         </p:nvSpPr>
         <p:spPr>
           <a:xfrm>
-            <a:off x="530225" y="1459991"/>
-            <a:ext cx="7613650" cy="1742439"/>
+            <a:off x="228600" y="1459991"/>
+            <a:ext cx="8686800" cy="5008422"/>
           </a:xfrm>
           <a:prstGeom prst="rect">
             <a:avLst/>
@@ -4953,238 +4988,178 @@
               </a:rPr>
               <a:t>Method</a:t>
             </a:r>
-            <a:r>
-              <a:rPr sz="2600" b="1" spc="-20" dirty="0">
-                <a:latin typeface="Times New Roman"/>
-                <a:cs typeface="Times New Roman"/>
-              </a:rPr>
-              <a:t> </a:t>
-            </a:r>
-            <a:r>
-              <a:rPr sz="2600" b="1" dirty="0">
-                <a:latin typeface="Times New Roman"/>
-                <a:cs typeface="Times New Roman"/>
-              </a:rPr>
-              <a:t>/</a:t>
-            </a:r>
-            <a:r>
-              <a:rPr sz="2600" b="1" spc="-20" dirty="0">
-                <a:latin typeface="Times New Roman"/>
-                <a:cs typeface="Times New Roman"/>
-              </a:rPr>
-              <a:t> </a:t>
-            </a:r>
-            <a:r>
-              <a:rPr sz="2600" b="1" spc="-5" dirty="0">
-                <a:latin typeface="Times New Roman"/>
-                <a:cs typeface="Times New Roman"/>
-              </a:rPr>
-              <a:t>Modules</a:t>
-            </a:r>
-            <a:r>
-              <a:rPr sz="2600" b="1" spc="-20" dirty="0">
-                <a:latin typeface="Times New Roman"/>
-                <a:cs typeface="Times New Roman"/>
-              </a:rPr>
-              <a:t> </a:t>
-            </a:r>
-            <a:r>
-              <a:rPr sz="2600" b="1" spc="-5" dirty="0">
-                <a:latin typeface="Times New Roman"/>
-                <a:cs typeface="Times New Roman"/>
-              </a:rPr>
-              <a:t>description/</a:t>
-            </a:r>
-            <a:r>
-              <a:rPr sz="2600" b="1" spc="-20" dirty="0">
-                <a:latin typeface="Times New Roman"/>
-                <a:cs typeface="Times New Roman"/>
-              </a:rPr>
-              <a:t> </a:t>
-            </a:r>
-            <a:r>
-              <a:rPr sz="2600" b="1" spc="-5" dirty="0">
-                <a:latin typeface="Times New Roman"/>
-                <a:cs typeface="Times New Roman"/>
-              </a:rPr>
-              <a:t>Architecture</a:t>
-            </a:r>
-            <a:endParaRPr sz="2600" dirty="0">
+            <a:endParaRPr lang="en-US" sz="2600" b="1" spc="-5" dirty="0">
               <a:latin typeface="Times New Roman"/>
               <a:cs typeface="Times New Roman"/>
             </a:endParaRPr>
           </a:p>
           <a:p>
-            <a:pPr marL="12700">
-              <a:lnSpc>
-                <a:spcPct val="100000"/>
-              </a:lnSpc>
-              <a:tabLst>
-                <a:tab pos="2629535" algn="l"/>
-              </a:tabLst>
-            </a:pPr>
-            <a:r>
-              <a:rPr sz="2600" b="1" spc="-5" dirty="0">
-                <a:latin typeface="Times New Roman"/>
-                <a:cs typeface="Times New Roman"/>
-              </a:rPr>
-              <a:t>/Algorithm used</a:t>
-            </a:r>
-            <a:r>
-              <a:rPr sz="2600" b="1" dirty="0">
-                <a:latin typeface="Times New Roman"/>
-                <a:cs typeface="Times New Roman"/>
-              </a:rPr>
-              <a:t> /	</a:t>
-            </a:r>
-            <a:r>
-              <a:rPr sz="2600" b="1" spc="-5" dirty="0">
-                <a:latin typeface="Times New Roman"/>
-                <a:cs typeface="Times New Roman"/>
-              </a:rPr>
-              <a:t>Methodology</a:t>
-            </a:r>
-            <a:r>
-              <a:rPr sz="2600" b="1" spc="-50" dirty="0">
+            <a:pPr marL="12700" algn="just">
+              <a:lnSpc>
+                <a:spcPct val="150000"/>
+              </a:lnSpc>
+              <a:spcBef>
+                <a:spcPts val="100"/>
+              </a:spcBef>
+            </a:pPr>
+            <a:r>
+              <a:rPr lang="en-IN" sz="1600" spc="-5" dirty="0">
+                <a:latin typeface="Times New Roman"/>
+                <a:cs typeface="Times New Roman"/>
+              </a:rPr>
+              <a:t>In this we proposed </a:t>
+            </a:r>
+            <a:r>
+              <a:rPr lang="en-US" sz="1600" spc="-5" dirty="0">
+                <a:latin typeface="Times New Roman"/>
+                <a:cs typeface="Times New Roman"/>
+              </a:rPr>
+              <a:t>Asset management using the MERN (MYSQL, Express.js, React.js, Node.js) stack for web development involves creating a system to efficiently track and manage assets within an organization</a:t>
+            </a:r>
+          </a:p>
+          <a:p>
+            <a:pPr marL="12700" algn="just">
+              <a:lnSpc>
+                <a:spcPct val="150000"/>
+              </a:lnSpc>
+              <a:spcBef>
+                <a:spcPts val="100"/>
+              </a:spcBef>
+            </a:pPr>
+            <a:r>
+              <a:rPr lang="en-US" sz="1600" dirty="0">
                 <a:latin typeface="Times New Roman"/>
                 <a:cs typeface="Times New Roman"/>
               </a:rPr>
               <a:t> </a:t>
             </a:r>
             <a:r>
-              <a:rPr sz="2600" b="1" dirty="0">
-                <a:latin typeface="Times New Roman"/>
-                <a:cs typeface="Times New Roman"/>
-              </a:rPr>
-              <a:t>,etc.</a:t>
-            </a:r>
-            <a:endParaRPr sz="2600" dirty="0">
-              <a:latin typeface="Times New Roman"/>
-              <a:cs typeface="Times New Roman"/>
-            </a:endParaRPr>
-          </a:p>
-          <a:p>
-            <a:pPr>
-              <a:lnSpc>
-                <a:spcPct val="100000"/>
+              <a:rPr lang="en-US" b="1" dirty="0">
+                <a:latin typeface="Times New Roman"/>
+                <a:cs typeface="Times New Roman"/>
+              </a:rPr>
+              <a:t>1)Database Design (MY SQL):</a:t>
+            </a:r>
+          </a:p>
+          <a:p>
+            <a:pPr marL="469900" lvl="1" algn="just">
+              <a:lnSpc>
+                <a:spcPct val="150000"/>
               </a:lnSpc>
               <a:spcBef>
-                <a:spcPts val="20"/>
+                <a:spcPts val="100"/>
               </a:spcBef>
             </a:pPr>
-            <a:endParaRPr sz="3600" dirty="0">
-              <a:latin typeface="Times New Roman"/>
-              <a:cs typeface="Times New Roman"/>
-            </a:endParaRPr>
-          </a:p>
-          <a:p>
-            <a:pPr marL="469265" algn="ctr">
-              <a:lnSpc>
-                <a:spcPct val="100000"/>
-              </a:lnSpc>
-            </a:pPr>
-            <a:r>
-              <a:rPr sz="2600" spc="-5" dirty="0">
-                <a:latin typeface="Times New Roman"/>
-                <a:cs typeface="Times New Roman"/>
-              </a:rPr>
-              <a:t>&lt;&lt;Explain</a:t>
-            </a:r>
-            <a:r>
-              <a:rPr sz="2600" spc="-15" dirty="0">
-                <a:latin typeface="Times New Roman"/>
-                <a:cs typeface="Times New Roman"/>
-              </a:rPr>
-              <a:t> </a:t>
-            </a:r>
-            <a:r>
-              <a:rPr sz="2600" spc="-5" dirty="0">
-                <a:latin typeface="Times New Roman"/>
-                <a:cs typeface="Times New Roman"/>
-              </a:rPr>
-              <a:t>in</a:t>
-            </a:r>
-            <a:r>
-              <a:rPr sz="2600" spc="-20" dirty="0">
-                <a:latin typeface="Times New Roman"/>
-                <a:cs typeface="Times New Roman"/>
-              </a:rPr>
-              <a:t> </a:t>
-            </a:r>
-            <a:r>
-              <a:rPr sz="2600" dirty="0">
-                <a:latin typeface="Times New Roman"/>
-                <a:cs typeface="Times New Roman"/>
-              </a:rPr>
-              <a:t>full</a:t>
-            </a:r>
-            <a:r>
-              <a:rPr sz="2600" spc="-10" dirty="0">
-                <a:latin typeface="Times New Roman"/>
-                <a:cs typeface="Times New Roman"/>
-              </a:rPr>
-              <a:t> </a:t>
-            </a:r>
-            <a:r>
-              <a:rPr sz="2600" spc="-5" dirty="0">
-                <a:latin typeface="Times New Roman"/>
-                <a:cs typeface="Times New Roman"/>
-              </a:rPr>
-              <a:t>in</a:t>
-            </a:r>
-            <a:r>
-              <a:rPr sz="2600" spc="-15" dirty="0">
-                <a:latin typeface="Times New Roman"/>
-                <a:cs typeface="Times New Roman"/>
-              </a:rPr>
-              <a:t> </a:t>
-            </a:r>
-            <a:r>
-              <a:rPr sz="2600" spc="-5" dirty="0">
-                <a:latin typeface="Times New Roman"/>
-                <a:cs typeface="Times New Roman"/>
-              </a:rPr>
-              <a:t>about</a:t>
-            </a:r>
-            <a:r>
-              <a:rPr sz="2600" spc="-15" dirty="0">
-                <a:latin typeface="Times New Roman"/>
-                <a:cs typeface="Times New Roman"/>
-              </a:rPr>
-              <a:t> </a:t>
-            </a:r>
-            <a:r>
-              <a:rPr sz="2600" dirty="0">
-                <a:latin typeface="Times New Roman"/>
-                <a:cs typeface="Times New Roman"/>
-              </a:rPr>
-              <a:t>4-5</a:t>
-            </a:r>
-            <a:r>
-              <a:rPr sz="2600" spc="65" dirty="0">
-                <a:latin typeface="Times New Roman"/>
-                <a:cs typeface="Times New Roman"/>
-              </a:rPr>
-              <a:t> </a:t>
-            </a:r>
-            <a:r>
-              <a:rPr sz="2600" spc="-5" dirty="0">
-                <a:solidFill>
-                  <a:srgbClr val="FF0000"/>
-                </a:solidFill>
-                <a:latin typeface="Times New Roman"/>
-                <a:cs typeface="Times New Roman"/>
-              </a:rPr>
-              <a:t>slides</a:t>
-            </a:r>
-            <a:r>
-              <a:rPr sz="2600" spc="-5" dirty="0">
-                <a:latin typeface="Times New Roman"/>
-                <a:cs typeface="Times New Roman"/>
-              </a:rPr>
-              <a:t>&gt;&gt;</a:t>
-            </a:r>
-            <a:endParaRPr sz="2600" dirty="0">
+            <a:r>
+              <a:rPr lang="en-US" sz="1600" b="1" dirty="0">
+                <a:latin typeface="Times New Roman"/>
+                <a:cs typeface="Times New Roman"/>
+              </a:rPr>
+              <a:t>Asset Collection:</a:t>
+            </a:r>
+          </a:p>
+          <a:p>
+            <a:pPr marL="469900" lvl="1" algn="just">
+              <a:lnSpc>
+                <a:spcPct val="150000"/>
+              </a:lnSpc>
+              <a:spcBef>
+                <a:spcPts val="100"/>
+              </a:spcBef>
+            </a:pPr>
+            <a:r>
+              <a:rPr lang="en-US" sz="1600" dirty="0">
+                <a:latin typeface="Times New Roman"/>
+                <a:cs typeface="Times New Roman"/>
+              </a:rPr>
+              <a:t>Create a MY SQL collection to store asset information. Each document in this collection represents a unique asset and includes fields such as asset id, name, variants, purchase value data, etc.</a:t>
+            </a:r>
+          </a:p>
+          <a:p>
+            <a:pPr marL="12700" algn="just">
+              <a:lnSpc>
+                <a:spcPct val="150000"/>
+              </a:lnSpc>
+              <a:spcBef>
+                <a:spcPts val="100"/>
+              </a:spcBef>
+            </a:pPr>
+            <a:r>
+              <a:rPr lang="en-US" b="1" dirty="0">
+                <a:latin typeface="Times New Roman"/>
+                <a:cs typeface="Times New Roman"/>
+              </a:rPr>
+              <a:t>2) Backend Development (Node.js and Express.js):</a:t>
+            </a:r>
+          </a:p>
+          <a:p>
+            <a:pPr marL="469900" lvl="1" algn="just">
+              <a:lnSpc>
+                <a:spcPct val="150000"/>
+              </a:lnSpc>
+              <a:spcBef>
+                <a:spcPts val="100"/>
+              </a:spcBef>
+            </a:pPr>
+            <a:r>
+              <a:rPr lang="en-US" sz="1600" b="1" dirty="0">
+                <a:latin typeface="Times New Roman"/>
+                <a:cs typeface="Times New Roman"/>
+              </a:rPr>
+              <a:t>API Endpoints:</a:t>
+            </a:r>
+          </a:p>
+          <a:p>
+            <a:pPr marL="469900" lvl="1" algn="just">
+              <a:lnSpc>
+                <a:spcPct val="150000"/>
+              </a:lnSpc>
+              <a:spcBef>
+                <a:spcPts val="100"/>
+              </a:spcBef>
+            </a:pPr>
+            <a:r>
+              <a:rPr lang="en-US" sz="1600" dirty="0">
+                <a:latin typeface="Times New Roman"/>
+                <a:cs typeface="Times New Roman"/>
+              </a:rPr>
+              <a:t>Implement RESTful API endpoints using Express.js to perform CRUD operations on assets. </a:t>
+            </a:r>
+          </a:p>
+          <a:p>
+            <a:pPr marL="469900" lvl="1" algn="just">
+              <a:lnSpc>
+                <a:spcPct val="150000"/>
+              </a:lnSpc>
+              <a:spcBef>
+                <a:spcPts val="100"/>
+              </a:spcBef>
+            </a:pPr>
+            <a:r>
+              <a:rPr lang="en-US" sz="1600" b="1" dirty="0">
+                <a:latin typeface="Times New Roman"/>
+                <a:cs typeface="Times New Roman"/>
+              </a:rPr>
+              <a:t>Middleware:</a:t>
+            </a:r>
+          </a:p>
+          <a:p>
+            <a:pPr marL="469900" lvl="1" algn="just">
+              <a:lnSpc>
+                <a:spcPct val="150000"/>
+              </a:lnSpc>
+              <a:spcBef>
+                <a:spcPts val="100"/>
+              </a:spcBef>
+            </a:pPr>
+            <a:r>
+              <a:rPr lang="en-US" sz="1600" dirty="0">
+                <a:latin typeface="Times New Roman"/>
+                <a:cs typeface="Times New Roman"/>
+              </a:rPr>
+              <a:t>Implement middleware for user authentication and authorization to ensure that only authorized users can access certain endpoints.</a:t>
+            </a:r>
+            <a:endParaRPr lang="en-IN" sz="1600" dirty="0">
               <a:latin typeface="Times New Roman"/>
               <a:cs typeface="Times New Roman"/>
             </a:endParaRPr>
@@ -5200,6 +5175,316 @@
 </file>
 
 <file path=ppt/slides/slide7.xml><?xml version="1.0" encoding="utf-8"?>
+<p:sld xmlns:a="http://schemas.openxmlformats.org/drawingml/2006/main" xmlns:r="http://schemas.openxmlformats.org/officeDocument/2006/relationships" xmlns:p="http://schemas.openxmlformats.org/presentationml/2006/main">
+  <p:cSld>
+    <p:spTree>
+      <p:nvGrpSpPr>
+        <p:cNvPr id="1" name=""/>
+        <p:cNvGrpSpPr/>
+        <p:nvPr/>
+      </p:nvGrpSpPr>
+      <p:grpSpPr>
+        <a:xfrm>
+          <a:off x="0" y="0"/>
+          <a:ext cx="0" cy="0"/>
+          <a:chOff x="0" y="0"/>
+          <a:chExt cx="0" cy="0"/>
+        </a:xfrm>
+      </p:grpSpPr>
+      <p:sp>
+        <p:nvSpPr>
+          <p:cNvPr id="2" name="object 2"/>
+          <p:cNvSpPr txBox="1">
+            <a:spLocks noGrp="1"/>
+          </p:cNvSpPr>
+          <p:nvPr>
+            <p:ph type="title"/>
+          </p:nvPr>
+        </p:nvSpPr>
+        <p:spPr>
+          <a:xfrm>
+            <a:off x="1676401" y="778764"/>
+            <a:ext cx="6172200" cy="505267"/>
+          </a:xfrm>
+          <a:prstGeom prst="rect">
+            <a:avLst/>
+          </a:prstGeom>
+        </p:spPr>
+        <p:txBody>
+          <a:bodyPr vert="horz" wrap="square" lIns="0" tIns="12700" rIns="0" bIns="0" rtlCol="0">
+            <a:spAutoFit/>
+          </a:bodyPr>
+          <a:lstStyle/>
+          <a:p>
+            <a:pPr marL="12700">
+              <a:lnSpc>
+                <a:spcPct val="100000"/>
+              </a:lnSpc>
+              <a:spcBef>
+                <a:spcPts val="100"/>
+              </a:spcBef>
+            </a:pPr>
+            <a:r>
+              <a:rPr lang="en-US" sz="3200" dirty="0">
+                <a:latin typeface="Times New Roman"/>
+                <a:cs typeface="Times New Roman"/>
+              </a:rPr>
+              <a:t>ASSET MANAGEMENT SYSTEM</a:t>
+            </a:r>
+            <a:endParaRPr sz="3200" dirty="0">
+              <a:latin typeface="Times New Roman"/>
+              <a:cs typeface="Times New Roman"/>
+            </a:endParaRPr>
+          </a:p>
+        </p:txBody>
+      </p:sp>
+      <p:sp>
+        <p:nvSpPr>
+          <p:cNvPr id="4" name="object 4"/>
+          <p:cNvSpPr txBox="1">
+            <a:spLocks noGrp="1"/>
+          </p:cNvSpPr>
+          <p:nvPr>
+            <p:ph type="sldNum" sz="quarter" idx="7"/>
+          </p:nvPr>
+        </p:nvSpPr>
+        <p:spPr>
+          <a:prstGeom prst="rect">
+            <a:avLst/>
+          </a:prstGeom>
+        </p:spPr>
+        <p:txBody>
+          <a:bodyPr vert="horz" wrap="square" lIns="0" tIns="0" rIns="0" bIns="0" rtlCol="0">
+            <a:spAutoFit/>
+          </a:bodyPr>
+          <a:lstStyle/>
+          <a:p>
+            <a:pPr marL="38100">
+              <a:lnSpc>
+                <a:spcPts val="1410"/>
+              </a:lnSpc>
+            </a:pPr>
+            <a:fld id="{81D60167-4931-47E6-BA6A-407CBD079E47}" type="slidenum">
+              <a:rPr dirty="0"/>
+              <a:t>7</a:t>
+            </a:fld>
+            <a:endParaRPr dirty="0"/>
+          </a:p>
+        </p:txBody>
+      </p:sp>
+      <p:sp>
+        <p:nvSpPr>
+          <p:cNvPr id="3" name="object 3"/>
+          <p:cNvSpPr txBox="1"/>
+          <p:nvPr/>
+        </p:nvSpPr>
+        <p:spPr>
+          <a:xfrm>
+            <a:off x="228600" y="1459991"/>
+            <a:ext cx="8686800" cy="4238981"/>
+          </a:xfrm>
+          <a:prstGeom prst="rect">
+            <a:avLst/>
+          </a:prstGeom>
+        </p:spPr>
+        <p:txBody>
+          <a:bodyPr vert="horz" wrap="square" lIns="0" tIns="12700" rIns="0" bIns="0" rtlCol="0">
+            <a:spAutoFit/>
+          </a:bodyPr>
+          <a:lstStyle/>
+          <a:p>
+            <a:pPr marL="12700" algn="just">
+              <a:lnSpc>
+                <a:spcPct val="150000"/>
+              </a:lnSpc>
+              <a:spcBef>
+                <a:spcPts val="100"/>
+              </a:spcBef>
+            </a:pPr>
+            <a:r>
+              <a:rPr lang="en-US" b="1">
+                <a:latin typeface="Times New Roman"/>
+                <a:cs typeface="Times New Roman"/>
+              </a:rPr>
+              <a:t>3</a:t>
+            </a:r>
+            <a:r>
+              <a:rPr lang="en-US" b="1" dirty="0">
+                <a:latin typeface="Times New Roman"/>
+                <a:cs typeface="Times New Roman"/>
+              </a:rPr>
+              <a:t>) Frontend Development (React.js):</a:t>
+            </a:r>
+          </a:p>
+          <a:p>
+            <a:pPr marL="469900" lvl="1" algn="just">
+              <a:lnSpc>
+                <a:spcPct val="150000"/>
+              </a:lnSpc>
+              <a:spcBef>
+                <a:spcPts val="100"/>
+              </a:spcBef>
+            </a:pPr>
+            <a:r>
+              <a:rPr lang="en-US" sz="1600" b="1" dirty="0">
+                <a:latin typeface="Times New Roman"/>
+                <a:cs typeface="Times New Roman"/>
+              </a:rPr>
+              <a:t>User Interface:</a:t>
+            </a:r>
+          </a:p>
+          <a:p>
+            <a:pPr marL="469900" lvl="1" algn="just">
+              <a:lnSpc>
+                <a:spcPct val="150000"/>
+              </a:lnSpc>
+              <a:spcBef>
+                <a:spcPts val="100"/>
+              </a:spcBef>
+            </a:pPr>
+            <a:r>
+              <a:rPr lang="en-US" sz="1600" dirty="0">
+                <a:latin typeface="Times New Roman"/>
+                <a:cs typeface="Times New Roman"/>
+              </a:rPr>
+              <a:t>Develop a user-friendly interface using React.js to interact with the asset management system.</a:t>
+            </a:r>
+          </a:p>
+          <a:p>
+            <a:pPr marL="469900" lvl="1" algn="just">
+              <a:lnSpc>
+                <a:spcPct val="150000"/>
+              </a:lnSpc>
+              <a:spcBef>
+                <a:spcPts val="100"/>
+              </a:spcBef>
+            </a:pPr>
+            <a:r>
+              <a:rPr lang="en-US" sz="1600" dirty="0">
+                <a:latin typeface="Times New Roman"/>
+                <a:cs typeface="Times New Roman"/>
+              </a:rPr>
+              <a:t>Create components for listing assets, adding new assets, updating existing assets, etc.</a:t>
+            </a:r>
+          </a:p>
+          <a:p>
+            <a:pPr marL="469900" lvl="1" algn="just">
+              <a:lnSpc>
+                <a:spcPct val="150000"/>
+              </a:lnSpc>
+              <a:spcBef>
+                <a:spcPts val="100"/>
+              </a:spcBef>
+            </a:pPr>
+            <a:r>
+              <a:rPr lang="en-US" sz="1600" b="1" dirty="0">
+                <a:latin typeface="Times New Roman"/>
+                <a:cs typeface="Times New Roman"/>
+              </a:rPr>
+              <a:t>State Management:</a:t>
+            </a:r>
+          </a:p>
+          <a:p>
+            <a:pPr marL="469900" lvl="1" algn="just">
+              <a:lnSpc>
+                <a:spcPct val="150000"/>
+              </a:lnSpc>
+              <a:spcBef>
+                <a:spcPts val="100"/>
+              </a:spcBef>
+            </a:pPr>
+            <a:r>
+              <a:rPr lang="en-US" sz="1600" dirty="0">
+                <a:latin typeface="Times New Roman"/>
+                <a:cs typeface="Times New Roman"/>
+              </a:rPr>
+              <a:t>Utilize state management libraries like Redux to manage the application's state, especially if the application grows in complexity.</a:t>
+            </a:r>
+          </a:p>
+          <a:p>
+            <a:pPr marL="0" lvl="1" algn="just">
+              <a:lnSpc>
+                <a:spcPct val="150000"/>
+              </a:lnSpc>
+              <a:spcBef>
+                <a:spcPts val="100"/>
+              </a:spcBef>
+            </a:pPr>
+            <a:r>
+              <a:rPr lang="en-US" b="1" dirty="0">
+                <a:latin typeface="Times New Roman"/>
+                <a:cs typeface="Times New Roman"/>
+              </a:rPr>
+              <a:t>4) Integration &amp;User Authentication and Authorization:</a:t>
+            </a:r>
+          </a:p>
+          <a:p>
+            <a:pPr marL="457200" lvl="2" algn="just">
+              <a:lnSpc>
+                <a:spcPct val="150000"/>
+              </a:lnSpc>
+              <a:spcBef>
+                <a:spcPts val="100"/>
+              </a:spcBef>
+            </a:pPr>
+            <a:r>
+              <a:rPr lang="en-US" sz="1600" dirty="0">
+                <a:latin typeface="Times New Roman"/>
+                <a:cs typeface="Times New Roman"/>
+              </a:rPr>
+              <a:t>Connect the React.js frontend with the Node.js backend through API calls.</a:t>
+            </a:r>
+          </a:p>
+          <a:p>
+            <a:pPr marL="457200" lvl="2" algn="just">
+              <a:lnSpc>
+                <a:spcPct val="150000"/>
+              </a:lnSpc>
+              <a:spcBef>
+                <a:spcPts val="100"/>
+              </a:spcBef>
+            </a:pPr>
+            <a:r>
+              <a:rPr lang="en-US" sz="1600" b="1" dirty="0">
+                <a:latin typeface="Times New Roman"/>
+                <a:cs typeface="Times New Roman"/>
+              </a:rPr>
+              <a:t>Implement Authentication:</a:t>
+            </a:r>
+          </a:p>
+          <a:p>
+            <a:pPr marL="457200" lvl="2" algn="just">
+              <a:lnSpc>
+                <a:spcPct val="150000"/>
+              </a:lnSpc>
+              <a:spcBef>
+                <a:spcPts val="100"/>
+              </a:spcBef>
+            </a:pPr>
+            <a:r>
+              <a:rPr lang="en-US" sz="1600" dirty="0">
+                <a:latin typeface="Times New Roman"/>
+                <a:cs typeface="Times New Roman"/>
+              </a:rPr>
+              <a:t>Use a secure authentication method (e.g., JWT) to authenticate users.</a:t>
+            </a:r>
+          </a:p>
+        </p:txBody>
+      </p:sp>
+    </p:spTree>
+    <p:extLst>
+      <p:ext uri="{BB962C8B-B14F-4D97-AF65-F5344CB8AC3E}">
+        <p14:creationId xmlns:p14="http://schemas.microsoft.com/office/powerpoint/2010/main" val="2488674538"/>
+      </p:ext>
+    </p:extLst>
+  </p:cSld>
+  <p:clrMapOvr>
+    <a:masterClrMapping/>
+  </p:clrMapOvr>
+</p:sld>
+</file>
+
+<file path=ppt/slides/slide8.xml><?xml version="1.0" encoding="utf-8"?>
 <p:sld xmlns:a="http://schemas.openxmlformats.org/drawingml/2006/main" xmlns:r="http://schemas.openxmlformats.org/officeDocument/2006/relationships" xmlns:p="http://schemas.openxmlformats.org/presentationml/2006/main">
   <p:cSld>
     <p:spTree>
@@ -5305,7 +5590,7 @@
             </a:pPr>
             <a:fld id="{81D60167-4931-47E6-BA6A-407CBD079E47}" type="slidenum">
               <a:rPr dirty="0"/>
-              <a:t>7</a:t>
+              <a:t>8</a:t>
             </a:fld>
             <a:endParaRPr dirty="0"/>
           </a:p>
@@ -5399,7 +5684,7 @@
 </p:sld>
 </file>
 
-<file path=ppt/slides/slide8.xml><?xml version="1.0" encoding="utf-8"?>
+<file path=ppt/slides/slide9.xml><?xml version="1.0" encoding="utf-8"?>
 <p:sld xmlns:a="http://schemas.openxmlformats.org/drawingml/2006/main" xmlns:r="http://schemas.openxmlformats.org/officeDocument/2006/relationships" xmlns:p="http://schemas.openxmlformats.org/presentationml/2006/main">
   <p:cSld>
     <p:spTree>
@@ -5452,105 +5737,6 @@
             <a:r>
               <a:rPr spc="-5" dirty="0"/>
               <a:t>Demo</a:t>
-            </a:r>
-          </a:p>
-        </p:txBody>
-      </p:sp>
-      <p:sp>
-        <p:nvSpPr>
-          <p:cNvPr id="3" name="object 3"/>
-          <p:cNvSpPr txBox="1">
-            <a:spLocks noGrp="1"/>
-          </p:cNvSpPr>
-          <p:nvPr>
-            <p:ph type="sldNum" sz="quarter" idx="7"/>
-          </p:nvPr>
-        </p:nvSpPr>
-        <p:spPr>
-          <a:prstGeom prst="rect">
-            <a:avLst/>
-          </a:prstGeom>
-        </p:spPr>
-        <p:txBody>
-          <a:bodyPr vert="horz" wrap="square" lIns="0" tIns="0" rIns="0" bIns="0" rtlCol="0">
-            <a:spAutoFit/>
-          </a:bodyPr>
-          <a:lstStyle/>
-          <a:p>
-            <a:pPr marL="38100">
-              <a:lnSpc>
-                <a:spcPts val="1410"/>
-              </a:lnSpc>
-            </a:pPr>
-            <a:fld id="{81D60167-4931-47E6-BA6A-407CBD079E47}" type="slidenum">
-              <a:rPr dirty="0"/>
-              <a:t>8</a:t>
-            </a:fld>
-            <a:endParaRPr dirty="0"/>
-          </a:p>
-        </p:txBody>
-      </p:sp>
-    </p:spTree>
-  </p:cSld>
-  <p:clrMapOvr>
-    <a:masterClrMapping/>
-  </p:clrMapOvr>
-</p:sld>
-</file>
-
-<file path=ppt/slides/slide9.xml><?xml version="1.0" encoding="utf-8"?>
-<p:sld xmlns:a="http://schemas.openxmlformats.org/drawingml/2006/main" xmlns:r="http://schemas.openxmlformats.org/officeDocument/2006/relationships" xmlns:p="http://schemas.openxmlformats.org/presentationml/2006/main">
-  <p:cSld>
-    <p:spTree>
-      <p:nvGrpSpPr>
-        <p:cNvPr id="1" name=""/>
-        <p:cNvGrpSpPr/>
-        <p:nvPr/>
-      </p:nvGrpSpPr>
-      <p:grpSpPr>
-        <a:xfrm>
-          <a:off x="0" y="0"/>
-          <a:ext cx="0" cy="0"/>
-          <a:chOff x="0" y="0"/>
-          <a:chExt cx="0" cy="0"/>
-        </a:xfrm>
-      </p:grpSpPr>
-      <p:sp>
-        <p:nvSpPr>
-          <p:cNvPr id="2" name="object 2"/>
-          <p:cNvSpPr txBox="1">
-            <a:spLocks noGrp="1"/>
-          </p:cNvSpPr>
-          <p:nvPr>
-            <p:ph type="title"/>
-          </p:nvPr>
-        </p:nvSpPr>
-        <p:spPr>
-          <a:xfrm>
-            <a:off x="444500" y="1047750"/>
-            <a:ext cx="1870710" cy="787400"/>
-          </a:xfrm>
-          <a:prstGeom prst="rect">
-            <a:avLst/>
-          </a:prstGeom>
-        </p:spPr>
-        <p:txBody>
-          <a:bodyPr vert="horz" wrap="square" lIns="0" tIns="12700" rIns="0" bIns="0" rtlCol="0">
-            <a:spAutoFit/>
-          </a:bodyPr>
-          <a:lstStyle/>
-          <a:p>
-            <a:pPr marL="12700">
-              <a:lnSpc>
-                <a:spcPct val="100000"/>
-              </a:lnSpc>
-              <a:spcBef>
-                <a:spcPts val="100"/>
-              </a:spcBef>
-            </a:pPr>
-            <a:r>
-              <a:rPr spc="-5" dirty="0"/>
-              <a:t>Results</a:t>
             </a:r>
           </a:p>
         </p:txBody>

--- a/reports/ppt final.pptx
+++ b/reports/ppt final.pptx
@@ -12,11 +12,18 @@
     <p:sldId id="260" r:id="rId6"/>
     <p:sldId id="261" r:id="rId7"/>
     <p:sldId id="267" r:id="rId8"/>
-    <p:sldId id="262" r:id="rId9"/>
-    <p:sldId id="263" r:id="rId10"/>
-    <p:sldId id="264" r:id="rId11"/>
-    <p:sldId id="265" r:id="rId12"/>
-    <p:sldId id="266" r:id="rId13"/>
+    <p:sldId id="268" r:id="rId9"/>
+    <p:sldId id="269" r:id="rId10"/>
+    <p:sldId id="270" r:id="rId11"/>
+    <p:sldId id="271" r:id="rId12"/>
+    <p:sldId id="274" r:id="rId13"/>
+    <p:sldId id="275" r:id="rId14"/>
+    <p:sldId id="272" r:id="rId15"/>
+    <p:sldId id="273" r:id="rId16"/>
+    <p:sldId id="263" r:id="rId17"/>
+    <p:sldId id="264" r:id="rId18"/>
+    <p:sldId id="265" r:id="rId19"/>
+    <p:sldId id="266" r:id="rId20"/>
   </p:sldIdLst>
   <p:sldSz cx="9144000" cy="6858000" type="screen4x3"/>
   <p:notesSz cx="9144000" cy="6858000"/>
@@ -134,6 +141,290 @@
 </p:presentation>
 </file>
 
+<file path=ppt/changesInfos/changesInfo1.xml><?xml version="1.0" encoding="utf-8"?>
+<pc:chgInfo xmlns:a="http://schemas.openxmlformats.org/drawingml/2006/main" xmlns:r="http://schemas.openxmlformats.org/officeDocument/2006/relationships" xmlns:ac="http://schemas.microsoft.com/office/drawing/2013/main/command" xmlns:pc="http://schemas.microsoft.com/office/powerpoint/2013/main/command">
+  <pc:docChgLst>
+    <pc:chgData name="aravind s" userId="309525e656399af7" providerId="LiveId" clId="{DA0851F2-5AFA-4DF8-8B13-9D63F17353DC}"/>
+    <pc:docChg chg="undo redo custSel addSld modSld sldOrd">
+      <pc:chgData name="aravind s" userId="309525e656399af7" providerId="LiveId" clId="{DA0851F2-5AFA-4DF8-8B13-9D63F17353DC}" dt="2023-11-11T13:26:58.350" v="642" actId="113"/>
+      <pc:docMkLst>
+        <pc:docMk/>
+      </pc:docMkLst>
+      <pc:sldChg chg="modSp mod">
+        <pc:chgData name="aravind s" userId="309525e656399af7" providerId="LiveId" clId="{DA0851F2-5AFA-4DF8-8B13-9D63F17353DC}" dt="2023-11-11T13:02:07.219" v="464" actId="108"/>
+        <pc:sldMkLst>
+          <pc:docMk/>
+          <pc:sldMk cId="0" sldId="261"/>
+        </pc:sldMkLst>
+        <pc:spChg chg="mod">
+          <ac:chgData name="aravind s" userId="309525e656399af7" providerId="LiveId" clId="{DA0851F2-5AFA-4DF8-8B13-9D63F17353DC}" dt="2023-11-11T13:02:07.219" v="464" actId="108"/>
+          <ac:spMkLst>
+            <pc:docMk/>
+            <pc:sldMk cId="0" sldId="261"/>
+            <ac:spMk id="3" creationId="{00000000-0000-0000-0000-000000000000}"/>
+          </ac:spMkLst>
+        </pc:spChg>
+      </pc:sldChg>
+      <pc:sldChg chg="modSp mod">
+        <pc:chgData name="aravind s" userId="309525e656399af7" providerId="LiveId" clId="{DA0851F2-5AFA-4DF8-8B13-9D63F17353DC}" dt="2023-11-11T09:12:17.631" v="38" actId="1076"/>
+        <pc:sldMkLst>
+          <pc:docMk/>
+          <pc:sldMk cId="2488674538" sldId="267"/>
+        </pc:sldMkLst>
+        <pc:spChg chg="mod">
+          <ac:chgData name="aravind s" userId="309525e656399af7" providerId="LiveId" clId="{DA0851F2-5AFA-4DF8-8B13-9D63F17353DC}" dt="2023-11-11T09:12:17.631" v="38" actId="1076"/>
+          <ac:spMkLst>
+            <pc:docMk/>
+            <pc:sldMk cId="2488674538" sldId="267"/>
+            <ac:spMk id="2" creationId="{00000000-0000-0000-0000-000000000000}"/>
+          </ac:spMkLst>
+        </pc:spChg>
+      </pc:sldChg>
+      <pc:sldChg chg="addSp delSp modSp new mod">
+        <pc:chgData name="aravind s" userId="309525e656399af7" providerId="LiveId" clId="{DA0851F2-5AFA-4DF8-8B13-9D63F17353DC}" dt="2023-11-11T09:13:49.609" v="46" actId="14100"/>
+        <pc:sldMkLst>
+          <pc:docMk/>
+          <pc:sldMk cId="2180046696" sldId="268"/>
+        </pc:sldMkLst>
+        <pc:spChg chg="mod">
+          <ac:chgData name="aravind s" userId="309525e656399af7" providerId="LiveId" clId="{DA0851F2-5AFA-4DF8-8B13-9D63F17353DC}" dt="2023-11-11T09:13:49.609" v="46" actId="14100"/>
+          <ac:spMkLst>
+            <pc:docMk/>
+            <pc:sldMk cId="2180046696" sldId="268"/>
+            <ac:spMk id="2" creationId="{5F5B5D11-5B4B-9B19-EDE2-69D8077E0EBE}"/>
+          </ac:spMkLst>
+        </pc:spChg>
+        <pc:spChg chg="del mod">
+          <ac:chgData name="aravind s" userId="309525e656399af7" providerId="LiveId" clId="{DA0851F2-5AFA-4DF8-8B13-9D63F17353DC}" dt="2023-11-11T09:06:23.935" v="24" actId="21"/>
+          <ac:spMkLst>
+            <pc:docMk/>
+            <pc:sldMk cId="2180046696" sldId="268"/>
+            <ac:spMk id="3" creationId="{7C2AD53E-A34E-816F-7A3F-B5780162C4AB}"/>
+          </ac:spMkLst>
+        </pc:spChg>
+        <pc:spChg chg="add del">
+          <ac:chgData name="aravind s" userId="309525e656399af7" providerId="LiveId" clId="{DA0851F2-5AFA-4DF8-8B13-9D63F17353DC}" dt="2023-11-11T09:07:02.088" v="27" actId="478"/>
+          <ac:spMkLst>
+            <pc:docMk/>
+            <pc:sldMk cId="2180046696" sldId="268"/>
+            <ac:spMk id="6" creationId="{989BDFBB-A974-0786-A801-1D25EF1A9E4B}"/>
+          </ac:spMkLst>
+        </pc:spChg>
+        <pc:spChg chg="add mod">
+          <ac:chgData name="aravind s" userId="309525e656399af7" providerId="LiveId" clId="{DA0851F2-5AFA-4DF8-8B13-9D63F17353DC}" dt="2023-11-11T09:13:29.999" v="44" actId="1076"/>
+          <ac:spMkLst>
+            <pc:docMk/>
+            <pc:sldMk cId="2180046696" sldId="268"/>
+            <ac:spMk id="7" creationId="{52E77E46-3357-B867-2ADE-B2FA6E9F2261}"/>
+          </ac:spMkLst>
+        </pc:spChg>
+        <pc:picChg chg="add mod">
+          <ac:chgData name="aravind s" userId="309525e656399af7" providerId="LiveId" clId="{DA0851F2-5AFA-4DF8-8B13-9D63F17353DC}" dt="2023-11-11T09:11:57.178" v="36" actId="1076"/>
+          <ac:picMkLst>
+            <pc:docMk/>
+            <pc:sldMk cId="2180046696" sldId="268"/>
+            <ac:picMk id="5" creationId="{6F1A6A2F-C8F6-59A5-DCB0-32C7A0D537A8}"/>
+          </ac:picMkLst>
+        </pc:picChg>
+      </pc:sldChg>
+      <pc:sldChg chg="addSp delSp modSp new mod ord">
+        <pc:chgData name="aravind s" userId="309525e656399af7" providerId="LiveId" clId="{DA0851F2-5AFA-4DF8-8B13-9D63F17353DC}" dt="2023-11-11T09:20:54.031" v="147"/>
+        <pc:sldMkLst>
+          <pc:docMk/>
+          <pc:sldMk cId="2255007126" sldId="269"/>
+        </pc:sldMkLst>
+        <pc:spChg chg="mod">
+          <ac:chgData name="aravind s" userId="309525e656399af7" providerId="LiveId" clId="{DA0851F2-5AFA-4DF8-8B13-9D63F17353DC}" dt="2023-11-11T09:15:50.155" v="92" actId="20577"/>
+          <ac:spMkLst>
+            <pc:docMk/>
+            <pc:sldMk cId="2255007126" sldId="269"/>
+            <ac:spMk id="2" creationId="{F8C352ED-626E-EE26-0FBA-B804392B2EF8}"/>
+          </ac:spMkLst>
+        </pc:spChg>
+        <pc:spChg chg="del">
+          <ac:chgData name="aravind s" userId="309525e656399af7" providerId="LiveId" clId="{DA0851F2-5AFA-4DF8-8B13-9D63F17353DC}" dt="2023-11-11T09:09:51.873" v="29" actId="21"/>
+          <ac:spMkLst>
+            <pc:docMk/>
+            <pc:sldMk cId="2255007126" sldId="269"/>
+            <ac:spMk id="3" creationId="{05BE7A6B-8681-30B8-4F1A-A93D698D1666}"/>
+          </ac:spMkLst>
+        </pc:spChg>
+        <pc:spChg chg="add mod">
+          <ac:chgData name="aravind s" userId="309525e656399af7" providerId="LiveId" clId="{DA0851F2-5AFA-4DF8-8B13-9D63F17353DC}" dt="2023-11-11T09:15:25.409" v="55" actId="1076"/>
+          <ac:spMkLst>
+            <pc:docMk/>
+            <pc:sldMk cId="2255007126" sldId="269"/>
+            <ac:spMk id="5" creationId="{00143D6A-1400-3565-9CF5-1F8FABB41F35}"/>
+          </ac:spMkLst>
+        </pc:spChg>
+      </pc:sldChg>
+      <pc:sldChg chg="addSp modSp new mod">
+        <pc:chgData name="aravind s" userId="309525e656399af7" providerId="LiveId" clId="{DA0851F2-5AFA-4DF8-8B13-9D63F17353DC}" dt="2023-11-11T12:50:04.435" v="378" actId="1076"/>
+        <pc:sldMkLst>
+          <pc:docMk/>
+          <pc:sldMk cId="3423409003" sldId="270"/>
+        </pc:sldMkLst>
+        <pc:spChg chg="mod">
+          <ac:chgData name="aravind s" userId="309525e656399af7" providerId="LiveId" clId="{DA0851F2-5AFA-4DF8-8B13-9D63F17353DC}" dt="2023-11-11T09:18:02.718" v="99" actId="1076"/>
+          <ac:spMkLst>
+            <pc:docMk/>
+            <pc:sldMk cId="3423409003" sldId="270"/>
+            <ac:spMk id="2" creationId="{B4251640-C313-A998-627A-52F0A08F4BEE}"/>
+          </ac:spMkLst>
+        </pc:spChg>
+        <pc:spChg chg="mod">
+          <ac:chgData name="aravind s" userId="309525e656399af7" providerId="LiveId" clId="{DA0851F2-5AFA-4DF8-8B13-9D63F17353DC}" dt="2023-11-11T09:35:32.618" v="293" actId="1076"/>
+          <ac:spMkLst>
+            <pc:docMk/>
+            <pc:sldMk cId="3423409003" sldId="270"/>
+            <ac:spMk id="3" creationId="{505AF1EC-5E25-012D-9166-8F8D4759EBC5}"/>
+          </ac:spMkLst>
+        </pc:spChg>
+        <pc:spChg chg="add mod">
+          <ac:chgData name="aravind s" userId="309525e656399af7" providerId="LiveId" clId="{DA0851F2-5AFA-4DF8-8B13-9D63F17353DC}" dt="2023-11-11T12:50:04.435" v="378" actId="1076"/>
+          <ac:spMkLst>
+            <pc:docMk/>
+            <pc:sldMk cId="3423409003" sldId="270"/>
+            <ac:spMk id="4" creationId="{A0840B6E-970F-62B5-7D97-F41D9CFF0505}"/>
+          </ac:spMkLst>
+        </pc:spChg>
+      </pc:sldChg>
+      <pc:sldChg chg="modSp new mod">
+        <pc:chgData name="aravind s" userId="309525e656399af7" providerId="LiveId" clId="{DA0851F2-5AFA-4DF8-8B13-9D63F17353DC}" dt="2023-11-11T11:01:37.252" v="331" actId="20577"/>
+        <pc:sldMkLst>
+          <pc:docMk/>
+          <pc:sldMk cId="451339441" sldId="271"/>
+        </pc:sldMkLst>
+        <pc:spChg chg="mod">
+          <ac:chgData name="aravind s" userId="309525e656399af7" providerId="LiveId" clId="{DA0851F2-5AFA-4DF8-8B13-9D63F17353DC}" dt="2023-11-11T10:58:49.854" v="297" actId="1076"/>
+          <ac:spMkLst>
+            <pc:docMk/>
+            <pc:sldMk cId="451339441" sldId="271"/>
+            <ac:spMk id="2" creationId="{1AC5FFF8-1611-2591-6BFF-F5B0F9E3E8A9}"/>
+          </ac:spMkLst>
+        </pc:spChg>
+        <pc:spChg chg="mod">
+          <ac:chgData name="aravind s" userId="309525e656399af7" providerId="LiveId" clId="{DA0851F2-5AFA-4DF8-8B13-9D63F17353DC}" dt="2023-11-11T11:01:37.252" v="331" actId="20577"/>
+          <ac:spMkLst>
+            <pc:docMk/>
+            <pc:sldMk cId="451339441" sldId="271"/>
+            <ac:spMk id="3" creationId="{74F504E2-A9A2-834B-93DE-5ECFF056E9B6}"/>
+          </ac:spMkLst>
+        </pc:spChg>
+      </pc:sldChg>
+      <pc:sldChg chg="addSp modSp new mod">
+        <pc:chgData name="aravind s" userId="309525e656399af7" providerId="LiveId" clId="{DA0851F2-5AFA-4DF8-8B13-9D63F17353DC}" dt="2023-11-11T13:08:39.561" v="524" actId="1076"/>
+        <pc:sldMkLst>
+          <pc:docMk/>
+          <pc:sldMk cId="802960972" sldId="272"/>
+        </pc:sldMkLst>
+        <pc:spChg chg="mod">
+          <ac:chgData name="aravind s" userId="309525e656399af7" providerId="LiveId" clId="{DA0851F2-5AFA-4DF8-8B13-9D63F17353DC}" dt="2023-11-11T12:47:48.974" v="336" actId="1076"/>
+          <ac:spMkLst>
+            <pc:docMk/>
+            <pc:sldMk cId="802960972" sldId="272"/>
+            <ac:spMk id="2" creationId="{A6CF1E34-C387-4905-55B9-A2EE7D132C6C}"/>
+          </ac:spMkLst>
+        </pc:spChg>
+        <pc:spChg chg="mod">
+          <ac:chgData name="aravind s" userId="309525e656399af7" providerId="LiveId" clId="{DA0851F2-5AFA-4DF8-8B13-9D63F17353DC}" dt="2023-11-11T13:00:56.396" v="457" actId="1076"/>
+          <ac:spMkLst>
+            <pc:docMk/>
+            <pc:sldMk cId="802960972" sldId="272"/>
+            <ac:spMk id="3" creationId="{635804C6-AA79-FE0C-916A-EC37FF70275C}"/>
+          </ac:spMkLst>
+        </pc:spChg>
+        <pc:spChg chg="add mod">
+          <ac:chgData name="aravind s" userId="309525e656399af7" providerId="LiveId" clId="{DA0851F2-5AFA-4DF8-8B13-9D63F17353DC}" dt="2023-11-11T13:08:39.561" v="524" actId="1076"/>
+          <ac:spMkLst>
+            <pc:docMk/>
+            <pc:sldMk cId="802960972" sldId="272"/>
+            <ac:spMk id="4" creationId="{85752B1B-12B7-BF9A-C0BB-2EE6C834D9E4}"/>
+          </ac:spMkLst>
+        </pc:spChg>
+      </pc:sldChg>
+      <pc:sldChg chg="modSp new mod">
+        <pc:chgData name="aravind s" userId="309525e656399af7" providerId="LiveId" clId="{DA0851F2-5AFA-4DF8-8B13-9D63F17353DC}" dt="2023-11-11T13:08:45.780" v="525" actId="1076"/>
+        <pc:sldMkLst>
+          <pc:docMk/>
+          <pc:sldMk cId="3344762001" sldId="273"/>
+        </pc:sldMkLst>
+        <pc:spChg chg="mod">
+          <ac:chgData name="aravind s" userId="309525e656399af7" providerId="LiveId" clId="{DA0851F2-5AFA-4DF8-8B13-9D63F17353DC}" dt="2023-11-11T12:57:04.121" v="450" actId="1076"/>
+          <ac:spMkLst>
+            <pc:docMk/>
+            <pc:sldMk cId="3344762001" sldId="273"/>
+            <ac:spMk id="2" creationId="{DD4523B2-9356-7B49-24F8-2C3A9F1E9ACA}"/>
+          </ac:spMkLst>
+        </pc:spChg>
+        <pc:spChg chg="mod">
+          <ac:chgData name="aravind s" userId="309525e656399af7" providerId="LiveId" clId="{DA0851F2-5AFA-4DF8-8B13-9D63F17353DC}" dt="2023-11-11T13:08:45.780" v="525" actId="1076"/>
+          <ac:spMkLst>
+            <pc:docMk/>
+            <pc:sldMk cId="3344762001" sldId="273"/>
+            <ac:spMk id="3" creationId="{8325243B-AAB8-A786-8B75-1553E6F82D12}"/>
+          </ac:spMkLst>
+        </pc:spChg>
+      </pc:sldChg>
+      <pc:sldChg chg="addSp modSp new mod">
+        <pc:chgData name="aravind s" userId="309525e656399af7" providerId="LiveId" clId="{DA0851F2-5AFA-4DF8-8B13-9D63F17353DC}" dt="2023-11-11T13:26:58.350" v="642" actId="113"/>
+        <pc:sldMkLst>
+          <pc:docMk/>
+          <pc:sldMk cId="3322299202" sldId="274"/>
+        </pc:sldMkLst>
+        <pc:spChg chg="mod">
+          <ac:chgData name="aravind s" userId="309525e656399af7" providerId="LiveId" clId="{DA0851F2-5AFA-4DF8-8B13-9D63F17353DC}" dt="2023-11-11T13:13:40.079" v="532" actId="1076"/>
+          <ac:spMkLst>
+            <pc:docMk/>
+            <pc:sldMk cId="3322299202" sldId="274"/>
+            <ac:spMk id="2" creationId="{D7FB6302-8005-662F-6C48-E3B7AD4A28BC}"/>
+          </ac:spMkLst>
+        </pc:spChg>
+        <pc:spChg chg="mod">
+          <ac:chgData name="aravind s" userId="309525e656399af7" providerId="LiveId" clId="{DA0851F2-5AFA-4DF8-8B13-9D63F17353DC}" dt="2023-11-11T13:15:43.061" v="541" actId="1076"/>
+          <ac:spMkLst>
+            <pc:docMk/>
+            <pc:sldMk cId="3322299202" sldId="274"/>
+            <ac:spMk id="3" creationId="{581A460F-A65A-1852-F925-E44DB7EDB8C4}"/>
+          </ac:spMkLst>
+        </pc:spChg>
+        <pc:spChg chg="add mod">
+          <ac:chgData name="aravind s" userId="309525e656399af7" providerId="LiveId" clId="{DA0851F2-5AFA-4DF8-8B13-9D63F17353DC}" dt="2023-11-11T13:26:58.350" v="642" actId="113"/>
+          <ac:spMkLst>
+            <pc:docMk/>
+            <pc:sldMk cId="3322299202" sldId="274"/>
+            <ac:spMk id="4" creationId="{BAF39E03-3948-CB3B-5679-FD288AFAF95D}"/>
+          </ac:spMkLst>
+        </pc:spChg>
+      </pc:sldChg>
+      <pc:sldChg chg="modSp new mod">
+        <pc:chgData name="aravind s" userId="309525e656399af7" providerId="LiveId" clId="{DA0851F2-5AFA-4DF8-8B13-9D63F17353DC}" dt="2023-11-11T13:26:19.773" v="638" actId="113"/>
+        <pc:sldMkLst>
+          <pc:docMk/>
+          <pc:sldMk cId="1136706879" sldId="275"/>
+        </pc:sldMkLst>
+        <pc:spChg chg="mod">
+          <ac:chgData name="aravind s" userId="309525e656399af7" providerId="LiveId" clId="{DA0851F2-5AFA-4DF8-8B13-9D63F17353DC}" dt="2023-11-11T13:24:04.609" v="630" actId="1037"/>
+          <ac:spMkLst>
+            <pc:docMk/>
+            <pc:sldMk cId="1136706879" sldId="275"/>
+            <ac:spMk id="2" creationId="{F1936239-D7DD-0304-870F-00FC64DB39A0}"/>
+          </ac:spMkLst>
+        </pc:spChg>
+        <pc:spChg chg="mod">
+          <ac:chgData name="aravind s" userId="309525e656399af7" providerId="LiveId" clId="{DA0851F2-5AFA-4DF8-8B13-9D63F17353DC}" dt="2023-11-11T13:26:19.773" v="638" actId="113"/>
+          <ac:spMkLst>
+            <pc:docMk/>
+            <pc:sldMk cId="1136706879" sldId="275"/>
+            <ac:spMk id="3" creationId="{43A568BF-F188-2206-E2CF-E05A642B978E}"/>
+          </ac:spMkLst>
+        </pc:spChg>
+      </pc:sldChg>
+    </pc:docChg>
+  </pc:docChgLst>
+</pc:chgInfo>
+</file>
+
 <file path=ppt/slideLayouts/slideLayout1.xml><?xml version="1.0" encoding="utf-8"?>
 <p:sldLayout xmlns:a="http://schemas.openxmlformats.org/drawingml/2006/main" xmlns:r="http://schemas.openxmlformats.org/officeDocument/2006/relationships" xmlns:p="http://schemas.openxmlformats.org/presentationml/2006/main" type="obj" preserve="1">
   <p:cSld name="Title Slide">
@@ -273,7 +564,7 @@
           <a:p>
             <a:fld id="{1D8BD707-D9CF-40AE-B4C6-C98DA3205C09}" type="datetimeFigureOut">
               <a:rPr lang="en-US"/>
-              <a:t>11/10/2023</a:t>
+              <a:t>11/11/2023</a:t>
             </a:fld>
             <a:endParaRPr lang="en-US"/>
           </a:p>
@@ -454,7 +745,7 @@
           <a:p>
             <a:fld id="{1D8BD707-D9CF-40AE-B4C6-C98DA3205C09}" type="datetimeFigureOut">
               <a:rPr lang="en-US"/>
-              <a:t>11/10/2023</a:t>
+              <a:t>11/11/2023</a:t>
             </a:fld>
             <a:endParaRPr lang="en-US"/>
           </a:p>
@@ -674,7 +965,7 @@
           <a:p>
             <a:fld id="{1D8BD707-D9CF-40AE-B4C6-C98DA3205C09}" type="datetimeFigureOut">
               <a:rPr lang="en-US"/>
-              <a:t>11/10/2023</a:t>
+              <a:t>11/11/2023</a:t>
             </a:fld>
             <a:endParaRPr lang="en-US"/>
           </a:p>
@@ -828,7 +1119,7 @@
           <a:p>
             <a:fld id="{1D8BD707-D9CF-40AE-B4C6-C98DA3205C09}" type="datetimeFigureOut">
               <a:rPr lang="en-US"/>
-              <a:t>11/10/2023</a:t>
+              <a:t>11/11/2023</a:t>
             </a:fld>
             <a:endParaRPr lang="en-US"/>
           </a:p>
@@ -953,7 +1244,7 @@
           <a:p>
             <a:fld id="{1D8BD707-D9CF-40AE-B4C6-C98DA3205C09}" type="datetimeFigureOut">
               <a:rPr lang="en-US"/>
-              <a:t>11/10/2023</a:t>
+              <a:t>11/11/2023</a:t>
             </a:fld>
             <a:endParaRPr lang="en-US"/>
           </a:p>
@@ -2385,7 +2676,7 @@
           <a:p>
             <a:fld id="{1D8BD707-D9CF-40AE-B4C6-C98DA3205C09}" type="datetimeFigureOut">
               <a:rPr lang="en-US"/>
-              <a:t>11/10/2023</a:t>
+              <a:t>11/11/2023</a:t>
             </a:fld>
             <a:endParaRPr lang="en-US"/>
           </a:p>
@@ -3328,6 +3619,1419 @@
       </p:grpSpPr>
       <p:sp>
         <p:nvSpPr>
+          <p:cNvPr id="2" name="Title 1">
+            <a:extLst>
+              <a:ext uri="{FF2B5EF4-FFF2-40B4-BE49-F238E27FC236}">
+                <a16:creationId xmlns:a16="http://schemas.microsoft.com/office/drawing/2014/main" id="{B4251640-C313-A998-627A-52F0A08F4BEE}"/>
+              </a:ext>
+            </a:extLst>
+          </p:cNvPr>
+          <p:cNvSpPr>
+            <a:spLocks noGrp="1"/>
+          </p:cNvSpPr>
+          <p:nvPr>
+            <p:ph type="title"/>
+          </p:nvPr>
+        </p:nvSpPr>
+        <p:spPr>
+          <a:xfrm>
+            <a:off x="1600200" y="762000"/>
+            <a:ext cx="8255000" cy="492443"/>
+          </a:xfrm>
+        </p:spPr>
+        <p:txBody>
+          <a:bodyPr/>
+          <a:lstStyle/>
+          <a:p>
+            <a:r>
+              <a:rPr lang="en-US" sz="3200" kern="1200" dirty="0">
+                <a:latin typeface="Times New Roman"/>
+                <a:cs typeface="Times New Roman"/>
+              </a:rPr>
+              <a:t>ASSET MANAGEMENT SYSTEM</a:t>
+            </a:r>
+            <a:endParaRPr lang="en-IN" sz="3200" kern="1200" dirty="0">
+              <a:latin typeface="Times New Roman"/>
+              <a:cs typeface="Times New Roman"/>
+            </a:endParaRPr>
+          </a:p>
+        </p:txBody>
+      </p:sp>
+      <p:sp>
+        <p:nvSpPr>
+          <p:cNvPr id="3" name="Text Placeholder 2">
+            <a:extLst>
+              <a:ext uri="{FF2B5EF4-FFF2-40B4-BE49-F238E27FC236}">
+                <a16:creationId xmlns:a16="http://schemas.microsoft.com/office/drawing/2014/main" id="{505AF1EC-5E25-012D-9166-8F8D4759EBC5}"/>
+              </a:ext>
+            </a:extLst>
+          </p:cNvPr>
+          <p:cNvSpPr>
+            <a:spLocks noGrp="1"/>
+          </p:cNvSpPr>
+          <p:nvPr>
+            <p:ph type="body" idx="1"/>
+          </p:nvPr>
+        </p:nvSpPr>
+        <p:spPr>
+          <a:xfrm>
+            <a:off x="457200" y="1254443"/>
+            <a:ext cx="8007350" cy="800219"/>
+          </a:xfrm>
+        </p:spPr>
+        <p:txBody>
+          <a:bodyPr/>
+          <a:lstStyle/>
+          <a:p>
+            <a:br>
+              <a:rPr lang="en-US" sz="2600" b="1" dirty="0">
+                <a:solidFill>
+                  <a:schemeClr val="tx1"/>
+                </a:solidFill>
+                <a:latin typeface="Times New Roman" panose="02020603050405020304" pitchFamily="18" charset="0"/>
+                <a:cs typeface="Times New Roman" panose="02020603050405020304" pitchFamily="18" charset="0"/>
+              </a:rPr>
+            </a:br>
+            <a:r>
+              <a:rPr lang="en-US" sz="2600" b="1" dirty="0">
+                <a:solidFill>
+                  <a:schemeClr val="tx1"/>
+                </a:solidFill>
+                <a:latin typeface="Times New Roman" panose="02020603050405020304" pitchFamily="18" charset="0"/>
+                <a:cs typeface="Times New Roman" panose="02020603050405020304" pitchFamily="18" charset="0"/>
+              </a:rPr>
+              <a:t>Project Description</a:t>
+            </a:r>
+            <a:endParaRPr lang="en-IN" sz="2600" kern="1200" dirty="0">
+              <a:solidFill>
+                <a:srgbClr val="04617A"/>
+              </a:solidFill>
+              <a:latin typeface="Times New Roman"/>
+              <a:ea typeface="+mj-ea"/>
+              <a:cs typeface="Times New Roman"/>
+            </a:endParaRPr>
+          </a:p>
+        </p:txBody>
+      </p:sp>
+      <p:sp>
+        <p:nvSpPr>
+          <p:cNvPr id="4" name="TextBox 3">
+            <a:extLst>
+              <a:ext uri="{FF2B5EF4-FFF2-40B4-BE49-F238E27FC236}">
+                <a16:creationId xmlns:a16="http://schemas.microsoft.com/office/drawing/2014/main" id="{A0840B6E-970F-62B5-7D97-F41D9CFF0505}"/>
+              </a:ext>
+            </a:extLst>
+          </p:cNvPr>
+          <p:cNvSpPr txBox="1"/>
+          <p:nvPr/>
+        </p:nvSpPr>
+        <p:spPr>
+          <a:xfrm>
+            <a:off x="457200" y="1902370"/>
+            <a:ext cx="8458200" cy="4900701"/>
+          </a:xfrm>
+          <a:prstGeom prst="rect">
+            <a:avLst/>
+          </a:prstGeom>
+          <a:noFill/>
+        </p:spPr>
+        <p:txBody>
+          <a:bodyPr wrap="square" rtlCol="0">
+            <a:spAutoFit/>
+          </a:bodyPr>
+          <a:lstStyle/>
+          <a:p>
+            <a:pPr marL="12700" algn="just">
+              <a:lnSpc>
+                <a:spcPct val="150000"/>
+              </a:lnSpc>
+              <a:spcBef>
+                <a:spcPts val="100"/>
+              </a:spcBef>
+            </a:pPr>
+            <a:r>
+              <a:rPr lang="en-US" sz="1600" b="1" dirty="0">
+                <a:latin typeface="Times New Roman"/>
+                <a:cs typeface="Times New Roman"/>
+              </a:rPr>
+              <a:t>	</a:t>
+            </a:r>
+          </a:p>
+          <a:p>
+            <a:pPr marL="12700" algn="just">
+              <a:lnSpc>
+                <a:spcPct val="150000"/>
+              </a:lnSpc>
+              <a:spcBef>
+                <a:spcPts val="100"/>
+              </a:spcBef>
+            </a:pPr>
+            <a:r>
+              <a:rPr lang="en-US" sz="1600" b="1" dirty="0">
+                <a:latin typeface="Times New Roman"/>
+                <a:cs typeface="Times New Roman"/>
+              </a:rPr>
+              <a:t>	Overview: </a:t>
+            </a:r>
+            <a:r>
+              <a:rPr lang="en-US" sz="1600" spc="-5" dirty="0">
+                <a:latin typeface="Times New Roman"/>
+                <a:cs typeface="Times New Roman"/>
+              </a:rPr>
+              <a:t>The Asset Management System is a web-based application designed to streamline and optimize the management of assets within an organization. Developed using React.js for the front end, Tailwind for designing, Node.js and Express for the backend, and MySQL for the database. This system provides a user-friendly interface for efficient asset tracking, variant management, and purchase transactions. </a:t>
+            </a:r>
+          </a:p>
+          <a:p>
+            <a:pPr marL="12700" algn="just">
+              <a:lnSpc>
+                <a:spcPct val="150000"/>
+              </a:lnSpc>
+              <a:spcBef>
+                <a:spcPts val="100"/>
+              </a:spcBef>
+            </a:pPr>
+            <a:r>
+              <a:rPr lang="en-US" sz="1600" b="1" dirty="0">
+                <a:latin typeface="Times New Roman"/>
+                <a:cs typeface="Times New Roman"/>
+              </a:rPr>
+              <a:t>	</a:t>
+            </a:r>
+          </a:p>
+          <a:p>
+            <a:pPr marL="12700" algn="just">
+              <a:lnSpc>
+                <a:spcPct val="150000"/>
+              </a:lnSpc>
+              <a:spcBef>
+                <a:spcPts val="100"/>
+              </a:spcBef>
+            </a:pPr>
+            <a:r>
+              <a:rPr lang="en-US" sz="1600" b="1" dirty="0">
+                <a:latin typeface="Times New Roman"/>
+                <a:cs typeface="Times New Roman"/>
+              </a:rPr>
+              <a:t>	Key Features: </a:t>
+            </a:r>
+            <a:r>
+              <a:rPr lang="en-US" sz="1600" spc="-5" dirty="0">
+                <a:latin typeface="Times New Roman"/>
+                <a:cs typeface="Times New Roman"/>
+              </a:rPr>
+              <a:t>The system offers a secure and intuitive login mechanism, allowing authorized users to access and manage assets seamlessly. Users can add new assets with different variants, and assign specific values to each variant. The ability to delete variants provides flexibility in adapting to changing organizational needs. The search functionality lets users quickly locate specific assets, enhancing overall accessibility.</a:t>
+            </a:r>
+          </a:p>
+          <a:p>
+            <a:pPr marL="12700" algn="just">
+              <a:lnSpc>
+                <a:spcPct val="150000"/>
+              </a:lnSpc>
+              <a:spcBef>
+                <a:spcPts val="100"/>
+              </a:spcBef>
+            </a:pPr>
+            <a:r>
+              <a:rPr lang="en-US" sz="1600" b="1" dirty="0">
+                <a:latin typeface="Times New Roman"/>
+                <a:cs typeface="Times New Roman"/>
+              </a:rPr>
+              <a:t>	</a:t>
+            </a:r>
+            <a:endParaRPr lang="en-IN" sz="1600" spc="-5" dirty="0">
+              <a:latin typeface="Times New Roman"/>
+              <a:cs typeface="Times New Roman"/>
+            </a:endParaRPr>
+          </a:p>
+        </p:txBody>
+      </p:sp>
+    </p:spTree>
+    <p:extLst>
+      <p:ext uri="{BB962C8B-B14F-4D97-AF65-F5344CB8AC3E}">
+        <p14:creationId xmlns:p14="http://schemas.microsoft.com/office/powerpoint/2010/main" val="3423409003"/>
+      </p:ext>
+    </p:extLst>
+  </p:cSld>
+  <p:clrMapOvr>
+    <a:masterClrMapping/>
+  </p:clrMapOvr>
+</p:sld>
+</file>
+
+<file path=ppt/slides/slide11.xml><?xml version="1.0" encoding="utf-8"?>
+<p:sld xmlns:a="http://schemas.openxmlformats.org/drawingml/2006/main" xmlns:r="http://schemas.openxmlformats.org/officeDocument/2006/relationships" xmlns:p="http://schemas.openxmlformats.org/presentationml/2006/main">
+  <p:cSld>
+    <p:spTree>
+      <p:nvGrpSpPr>
+        <p:cNvPr id="1" name=""/>
+        <p:cNvGrpSpPr/>
+        <p:nvPr/>
+      </p:nvGrpSpPr>
+      <p:grpSpPr>
+        <a:xfrm>
+          <a:off x="0" y="0"/>
+          <a:ext cx="0" cy="0"/>
+          <a:chOff x="0" y="0"/>
+          <a:chExt cx="0" cy="0"/>
+        </a:xfrm>
+      </p:grpSpPr>
+      <p:sp>
+        <p:nvSpPr>
+          <p:cNvPr id="2" name="Title 1">
+            <a:extLst>
+              <a:ext uri="{FF2B5EF4-FFF2-40B4-BE49-F238E27FC236}">
+                <a16:creationId xmlns:a16="http://schemas.microsoft.com/office/drawing/2014/main" id="{1AC5FFF8-1611-2591-6BFF-F5B0F9E3E8A9}"/>
+              </a:ext>
+            </a:extLst>
+          </p:cNvPr>
+          <p:cNvSpPr>
+            <a:spLocks noGrp="1"/>
+          </p:cNvSpPr>
+          <p:nvPr>
+            <p:ph type="title"/>
+          </p:nvPr>
+        </p:nvSpPr>
+        <p:spPr>
+          <a:xfrm>
+            <a:off x="1676400" y="762000"/>
+            <a:ext cx="8255000" cy="492443"/>
+          </a:xfrm>
+        </p:spPr>
+        <p:txBody>
+          <a:bodyPr/>
+          <a:lstStyle/>
+          <a:p>
+            <a:r>
+              <a:rPr lang="en-US" sz="3200" kern="1200" dirty="0">
+                <a:latin typeface="Times New Roman"/>
+                <a:cs typeface="Times New Roman"/>
+              </a:rPr>
+              <a:t>ASSET MANAGEMENT SYSTEM</a:t>
+            </a:r>
+            <a:endParaRPr lang="en-IN" sz="3200" kern="1200" dirty="0">
+              <a:latin typeface="Times New Roman"/>
+              <a:cs typeface="Times New Roman"/>
+            </a:endParaRPr>
+          </a:p>
+        </p:txBody>
+      </p:sp>
+      <p:sp>
+        <p:nvSpPr>
+          <p:cNvPr id="3" name="Text Placeholder 2">
+            <a:extLst>
+              <a:ext uri="{FF2B5EF4-FFF2-40B4-BE49-F238E27FC236}">
+                <a16:creationId xmlns:a16="http://schemas.microsoft.com/office/drawing/2014/main" id="{74F504E2-A9A2-834B-93DE-5ECFF056E9B6}"/>
+              </a:ext>
+            </a:extLst>
+          </p:cNvPr>
+          <p:cNvSpPr>
+            <a:spLocks noGrp="1"/>
+          </p:cNvSpPr>
+          <p:nvPr>
+            <p:ph type="body" idx="1"/>
+          </p:nvPr>
+        </p:nvSpPr>
+        <p:spPr>
+          <a:xfrm>
+            <a:off x="457200" y="1524000"/>
+            <a:ext cx="8382000" cy="4849404"/>
+          </a:xfrm>
+        </p:spPr>
+        <p:txBody>
+          <a:bodyPr/>
+          <a:lstStyle/>
+          <a:p>
+            <a:pPr algn="just">
+              <a:lnSpc>
+                <a:spcPct val="150000"/>
+              </a:lnSpc>
+            </a:pPr>
+            <a:r>
+              <a:rPr lang="en-US" sz="1800" b="1" dirty="0">
+                <a:latin typeface="Times New Roman"/>
+                <a:cs typeface="Times New Roman"/>
+              </a:rPr>
+              <a:t>	Purchase Functionality: </a:t>
+            </a:r>
+            <a:r>
+              <a:rPr lang="en-US" sz="1600" kern="1200" spc="-5" dirty="0">
+                <a:latin typeface="Times New Roman"/>
+                <a:cs typeface="Times New Roman"/>
+              </a:rPr>
+              <a:t>One of the core functionalities is the purchase feature, where users can select and purchase products with their respective variants by simply checking the desired options. This streamlined process not only simplifies procurement but also ensures accuracy in the selection of products and their variants.</a:t>
+            </a:r>
+            <a:endParaRPr lang="en-US" sz="1800" b="1" dirty="0">
+              <a:latin typeface="Times New Roman"/>
+              <a:cs typeface="Times New Roman"/>
+            </a:endParaRPr>
+          </a:p>
+          <a:p>
+            <a:pPr algn="just">
+              <a:lnSpc>
+                <a:spcPct val="150000"/>
+              </a:lnSpc>
+            </a:pPr>
+            <a:r>
+              <a:rPr lang="en-US" sz="1800" b="1" dirty="0">
+                <a:latin typeface="Times New Roman"/>
+                <a:cs typeface="Times New Roman"/>
+              </a:rPr>
+              <a:t>	Technological Stack:</a:t>
+            </a:r>
+            <a:r>
+              <a:rPr lang="en-US" sz="1600" kern="1200" spc="-5" dirty="0">
+                <a:latin typeface="Times New Roman"/>
+                <a:cs typeface="Times New Roman"/>
+              </a:rPr>
+              <a:t> The project utilizes a modern and efficient technological stack. React.js provides a dynamic and responsive user interface, while Node.js and Express establish a robust backend connection. MySQL serves as the database, ensuring data integrity and reliability. The integration of these technologies creates a scalable and maintainable system capable of meeting the evolving asset management needs of the organization.</a:t>
+            </a:r>
+          </a:p>
+          <a:p>
+            <a:pPr algn="just">
+              <a:lnSpc>
+                <a:spcPct val="150000"/>
+              </a:lnSpc>
+            </a:pPr>
+            <a:r>
+              <a:rPr lang="en-US" sz="1600" kern="1200" spc="-5" dirty="0">
+                <a:latin typeface="Times New Roman"/>
+                <a:cs typeface="Times New Roman"/>
+              </a:rPr>
+              <a:t>	 The Asset Management System enhances organizational efficiency by offering a centralized platform for managing assets, variants, and purchase transactions. Its user-friendly interface, coupled with the power of React.js, Node.js, Express, and MySQL, makes it a versatile and indispensable tool for any organization seeking to optimize its asset management processes.</a:t>
+            </a:r>
+            <a:endParaRPr lang="en-IN" sz="1600" kern="1200" spc="-5" dirty="0">
+              <a:latin typeface="Times New Roman"/>
+              <a:cs typeface="Times New Roman"/>
+            </a:endParaRPr>
+          </a:p>
+        </p:txBody>
+      </p:sp>
+    </p:spTree>
+    <p:extLst>
+      <p:ext uri="{BB962C8B-B14F-4D97-AF65-F5344CB8AC3E}">
+        <p14:creationId xmlns:p14="http://schemas.microsoft.com/office/powerpoint/2010/main" val="451339441"/>
+      </p:ext>
+    </p:extLst>
+  </p:cSld>
+  <p:clrMapOvr>
+    <a:masterClrMapping/>
+  </p:clrMapOvr>
+</p:sld>
+</file>
+
+<file path=ppt/slides/slide12.xml><?xml version="1.0" encoding="utf-8"?>
+<p:sld xmlns:a="http://schemas.openxmlformats.org/drawingml/2006/main" xmlns:r="http://schemas.openxmlformats.org/officeDocument/2006/relationships" xmlns:p="http://schemas.openxmlformats.org/presentationml/2006/main">
+  <p:cSld>
+    <p:spTree>
+      <p:nvGrpSpPr>
+        <p:cNvPr id="1" name=""/>
+        <p:cNvGrpSpPr/>
+        <p:nvPr/>
+      </p:nvGrpSpPr>
+      <p:grpSpPr>
+        <a:xfrm>
+          <a:off x="0" y="0"/>
+          <a:ext cx="0" cy="0"/>
+          <a:chOff x="0" y="0"/>
+          <a:chExt cx="0" cy="0"/>
+        </a:xfrm>
+      </p:grpSpPr>
+      <p:sp>
+        <p:nvSpPr>
+          <p:cNvPr id="2" name="Title 1">
+            <a:extLst>
+              <a:ext uri="{FF2B5EF4-FFF2-40B4-BE49-F238E27FC236}">
+                <a16:creationId xmlns:a16="http://schemas.microsoft.com/office/drawing/2014/main" id="{D7FB6302-8005-662F-6C48-E3B7AD4A28BC}"/>
+              </a:ext>
+            </a:extLst>
+          </p:cNvPr>
+          <p:cNvSpPr>
+            <a:spLocks noGrp="1"/>
+          </p:cNvSpPr>
+          <p:nvPr>
+            <p:ph type="title"/>
+          </p:nvPr>
+        </p:nvSpPr>
+        <p:spPr>
+          <a:xfrm>
+            <a:off x="1676400" y="762000"/>
+            <a:ext cx="8255000" cy="492443"/>
+          </a:xfrm>
+        </p:spPr>
+        <p:txBody>
+          <a:bodyPr/>
+          <a:lstStyle/>
+          <a:p>
+            <a:r>
+              <a:rPr lang="en-US" sz="3200" kern="1200" dirty="0">
+                <a:latin typeface="Times New Roman"/>
+                <a:cs typeface="Times New Roman"/>
+              </a:rPr>
+              <a:t>ASSET MANAGEMENT SYSTEM</a:t>
+            </a:r>
+            <a:endParaRPr lang="en-IN" sz="3200" kern="1200" dirty="0">
+              <a:latin typeface="Times New Roman"/>
+              <a:cs typeface="Times New Roman"/>
+            </a:endParaRPr>
+          </a:p>
+        </p:txBody>
+      </p:sp>
+      <p:sp>
+        <p:nvSpPr>
+          <p:cNvPr id="3" name="Text Placeholder 2">
+            <a:extLst>
+              <a:ext uri="{FF2B5EF4-FFF2-40B4-BE49-F238E27FC236}">
+                <a16:creationId xmlns:a16="http://schemas.microsoft.com/office/drawing/2014/main" id="{581A460F-A65A-1852-F925-E44DB7EDB8C4}"/>
+              </a:ext>
+            </a:extLst>
+          </p:cNvPr>
+          <p:cNvSpPr>
+            <a:spLocks noGrp="1"/>
+          </p:cNvSpPr>
+          <p:nvPr>
+            <p:ph type="body" idx="1"/>
+          </p:nvPr>
+        </p:nvSpPr>
+        <p:spPr>
+          <a:xfrm>
+            <a:off x="304800" y="1447800"/>
+            <a:ext cx="8083550" cy="400110"/>
+          </a:xfrm>
+        </p:spPr>
+        <p:txBody>
+          <a:bodyPr/>
+          <a:lstStyle/>
+          <a:p>
+            <a:r>
+              <a:rPr lang="en-IN" sz="2600" b="1" dirty="0">
+                <a:latin typeface="Times New Roman" panose="02020603050405020304" pitchFamily="18" charset="0"/>
+                <a:cs typeface="Times New Roman" panose="02020603050405020304" pitchFamily="18" charset="0"/>
+              </a:rPr>
+              <a:t>Module Description</a:t>
+            </a:r>
+          </a:p>
+        </p:txBody>
+      </p:sp>
+      <p:sp>
+        <p:nvSpPr>
+          <p:cNvPr id="4" name="TextBox 3">
+            <a:extLst>
+              <a:ext uri="{FF2B5EF4-FFF2-40B4-BE49-F238E27FC236}">
+                <a16:creationId xmlns:a16="http://schemas.microsoft.com/office/drawing/2014/main" id="{BAF39E03-3948-CB3B-5679-FD288AFAF95D}"/>
+              </a:ext>
+            </a:extLst>
+          </p:cNvPr>
+          <p:cNvSpPr txBox="1"/>
+          <p:nvPr/>
+        </p:nvSpPr>
+        <p:spPr>
+          <a:xfrm>
+            <a:off x="342900" y="2067914"/>
+            <a:ext cx="8458200" cy="4124206"/>
+          </a:xfrm>
+          <a:prstGeom prst="rect">
+            <a:avLst/>
+          </a:prstGeom>
+          <a:noFill/>
+        </p:spPr>
+        <p:txBody>
+          <a:bodyPr wrap="square" rtlCol="0">
+            <a:spAutoFit/>
+          </a:bodyPr>
+          <a:lstStyle/>
+          <a:p>
+            <a:pPr marL="342900" indent="-342900" algn="just">
+              <a:lnSpc>
+                <a:spcPct val="150000"/>
+              </a:lnSpc>
+              <a:buAutoNum type="arabicPeriod"/>
+            </a:pPr>
+            <a:r>
+              <a:rPr lang="en-US" b="1" spc="-5" dirty="0">
+                <a:latin typeface="Times New Roman"/>
+                <a:cs typeface="Times New Roman"/>
+              </a:rPr>
+              <a:t>User Authentication Module: </a:t>
+            </a:r>
+            <a:r>
+              <a:rPr lang="en-US" sz="1600" spc="-5" dirty="0">
+                <a:latin typeface="Times New Roman"/>
+                <a:cs typeface="Times New Roman"/>
+              </a:rPr>
+              <a:t>The User Authentication module forms the foundation of the system, ensuring secure access to the Asset Management System. This module includes user registration, login, and authentication mechanisms. User credentials are securely stored and managed, allowing only authorized personnel to interact with the system.</a:t>
+            </a:r>
+          </a:p>
+          <a:p>
+            <a:pPr algn="just">
+              <a:lnSpc>
+                <a:spcPct val="150000"/>
+              </a:lnSpc>
+            </a:pPr>
+            <a:endParaRPr lang="en-US" sz="1600" spc="-5" dirty="0">
+              <a:latin typeface="Times New Roman"/>
+              <a:cs typeface="Times New Roman"/>
+            </a:endParaRPr>
+          </a:p>
+          <a:p>
+            <a:pPr marL="342900" indent="-342900" algn="just">
+              <a:lnSpc>
+                <a:spcPct val="150000"/>
+              </a:lnSpc>
+              <a:buAutoNum type="arabicPeriod" startAt="2"/>
+            </a:pPr>
+            <a:r>
+              <a:rPr lang="en-US" b="1" spc="-5" dirty="0">
+                <a:latin typeface="Times New Roman"/>
+                <a:cs typeface="Times New Roman"/>
+              </a:rPr>
+              <a:t>Asset Management Module: </a:t>
+            </a:r>
+            <a:r>
+              <a:rPr lang="en-US" sz="1600" spc="-5" dirty="0">
+                <a:latin typeface="Times New Roman"/>
+                <a:cs typeface="Times New Roman"/>
+              </a:rPr>
+              <a:t>The Asset Management module facilitates the addition and categorization of assets within the organization. Users can input details such as asset name, type, and description. Additionally, this module supports the creation of variants for each asset, providing a structured approach to managing different versions or configurations of a particular asset.</a:t>
+            </a:r>
+          </a:p>
+          <a:p>
+            <a:pPr algn="just"/>
+            <a:endParaRPr lang="en-IN" sz="1600" spc="-5" dirty="0">
+              <a:latin typeface="Times New Roman"/>
+              <a:cs typeface="Times New Roman"/>
+            </a:endParaRPr>
+          </a:p>
+        </p:txBody>
+      </p:sp>
+    </p:spTree>
+    <p:extLst>
+      <p:ext uri="{BB962C8B-B14F-4D97-AF65-F5344CB8AC3E}">
+        <p14:creationId xmlns:p14="http://schemas.microsoft.com/office/powerpoint/2010/main" val="3322299202"/>
+      </p:ext>
+    </p:extLst>
+  </p:cSld>
+  <p:clrMapOvr>
+    <a:masterClrMapping/>
+  </p:clrMapOvr>
+</p:sld>
+</file>
+
+<file path=ppt/slides/slide13.xml><?xml version="1.0" encoding="utf-8"?>
+<p:sld xmlns:a="http://schemas.openxmlformats.org/drawingml/2006/main" xmlns:r="http://schemas.openxmlformats.org/officeDocument/2006/relationships" xmlns:p="http://schemas.openxmlformats.org/presentationml/2006/main">
+  <p:cSld>
+    <p:spTree>
+      <p:nvGrpSpPr>
+        <p:cNvPr id="1" name=""/>
+        <p:cNvGrpSpPr/>
+        <p:nvPr/>
+      </p:nvGrpSpPr>
+      <p:grpSpPr>
+        <a:xfrm>
+          <a:off x="0" y="0"/>
+          <a:ext cx="0" cy="0"/>
+          <a:chOff x="0" y="0"/>
+          <a:chExt cx="0" cy="0"/>
+        </a:xfrm>
+      </p:grpSpPr>
+      <p:sp>
+        <p:nvSpPr>
+          <p:cNvPr id="2" name="Title 1">
+            <a:extLst>
+              <a:ext uri="{FF2B5EF4-FFF2-40B4-BE49-F238E27FC236}">
+                <a16:creationId xmlns:a16="http://schemas.microsoft.com/office/drawing/2014/main" id="{F1936239-D7DD-0304-870F-00FC64DB39A0}"/>
+              </a:ext>
+            </a:extLst>
+          </p:cNvPr>
+          <p:cNvSpPr>
+            <a:spLocks noGrp="1"/>
+          </p:cNvSpPr>
+          <p:nvPr>
+            <p:ph type="title"/>
+          </p:nvPr>
+        </p:nvSpPr>
+        <p:spPr>
+          <a:xfrm>
+            <a:off x="1752600" y="719804"/>
+            <a:ext cx="8255000" cy="492443"/>
+          </a:xfrm>
+        </p:spPr>
+        <p:txBody>
+          <a:bodyPr/>
+          <a:lstStyle/>
+          <a:p>
+            <a:r>
+              <a:rPr lang="en-US" sz="3200" kern="1200" dirty="0">
+                <a:latin typeface="Times New Roman"/>
+                <a:cs typeface="Times New Roman"/>
+              </a:rPr>
+              <a:t>ASSET MANAGEMENT SYSTEM</a:t>
+            </a:r>
+            <a:endParaRPr lang="en-IN" sz="3200" dirty="0"/>
+          </a:p>
+        </p:txBody>
+      </p:sp>
+      <p:sp>
+        <p:nvSpPr>
+          <p:cNvPr id="3" name="Text Placeholder 2">
+            <a:extLst>
+              <a:ext uri="{FF2B5EF4-FFF2-40B4-BE49-F238E27FC236}">
+                <a16:creationId xmlns:a16="http://schemas.microsoft.com/office/drawing/2014/main" id="{43A568BF-F188-2206-E2CF-E05A642B978E}"/>
+              </a:ext>
+            </a:extLst>
+          </p:cNvPr>
+          <p:cNvSpPr>
+            <a:spLocks noGrp="1"/>
+          </p:cNvSpPr>
+          <p:nvPr>
+            <p:ph type="body" idx="1"/>
+          </p:nvPr>
+        </p:nvSpPr>
+        <p:spPr>
+          <a:xfrm>
+            <a:off x="530225" y="1752600"/>
+            <a:ext cx="8083550" cy="4031873"/>
+          </a:xfrm>
+        </p:spPr>
+        <p:txBody>
+          <a:bodyPr/>
+          <a:lstStyle/>
+          <a:p>
+            <a:pPr marL="342900" indent="-342900" algn="just">
+              <a:lnSpc>
+                <a:spcPct val="150000"/>
+              </a:lnSpc>
+              <a:buAutoNum type="arabicPeriod" startAt="3"/>
+            </a:pPr>
+            <a:r>
+              <a:rPr lang="en-US" b="1" kern="1200" dirty="0">
+                <a:latin typeface="Times New Roman"/>
+                <a:cs typeface="Times New Roman"/>
+              </a:rPr>
+              <a:t>Variant Management Module: </a:t>
+            </a:r>
+            <a:r>
+              <a:rPr lang="en-US" sz="1600" spc="-5" dirty="0">
+                <a:latin typeface="Times New Roman"/>
+                <a:cs typeface="Times New Roman"/>
+              </a:rPr>
+              <a:t>This module focuses on the creation, modification, and deletion of variants associated with each asset. Users can define specific attributes and values for each variant, tailoring the system to accommodate diverse asset specifications. The ability to delete variants ensures adaptability to changing organizational requirements.</a:t>
+            </a:r>
+          </a:p>
+          <a:p>
+            <a:pPr marL="342900" indent="-342900" algn="just">
+              <a:lnSpc>
+                <a:spcPct val="150000"/>
+              </a:lnSpc>
+              <a:buAutoNum type="arabicPeriod" startAt="3"/>
+            </a:pPr>
+            <a:endParaRPr lang="en-US" sz="1600" spc="-5" dirty="0">
+              <a:latin typeface="Times New Roman"/>
+              <a:cs typeface="Times New Roman"/>
+            </a:endParaRPr>
+          </a:p>
+          <a:p>
+            <a:pPr marL="342900" indent="-342900" algn="just">
+              <a:lnSpc>
+                <a:spcPct val="150000"/>
+              </a:lnSpc>
+              <a:buAutoNum type="arabicPeriod" startAt="4"/>
+            </a:pPr>
+            <a:r>
+              <a:rPr lang="en-US" b="1" spc="-5" dirty="0">
+                <a:latin typeface="Times New Roman"/>
+                <a:cs typeface="Times New Roman"/>
+              </a:rPr>
+              <a:t>Purchase Transaction Module: </a:t>
+            </a:r>
+            <a:r>
+              <a:rPr lang="en-US" sz="1600" spc="-5" dirty="0">
+                <a:latin typeface="Times New Roman"/>
+                <a:cs typeface="Times New Roman"/>
+              </a:rPr>
+              <a:t>The Purchase Transaction module streamlines the procurement process by allowing users to select and purchase products along with their specified variants. Users can easily navigate through available assets, select desired variants via checkboxes, and proceed with the purchase. This module ensures accuracy and efficiency in the procurement of assets. </a:t>
+            </a:r>
+          </a:p>
+          <a:p>
+            <a:endParaRPr lang="en-IN" sz="1600" dirty="0"/>
+          </a:p>
+        </p:txBody>
+      </p:sp>
+    </p:spTree>
+    <p:extLst>
+      <p:ext uri="{BB962C8B-B14F-4D97-AF65-F5344CB8AC3E}">
+        <p14:creationId xmlns:p14="http://schemas.microsoft.com/office/powerpoint/2010/main" val="1136706879"/>
+      </p:ext>
+    </p:extLst>
+  </p:cSld>
+  <p:clrMapOvr>
+    <a:masterClrMapping/>
+  </p:clrMapOvr>
+</p:sld>
+</file>
+
+<file path=ppt/slides/slide14.xml><?xml version="1.0" encoding="utf-8"?>
+<p:sld xmlns:a="http://schemas.openxmlformats.org/drawingml/2006/main" xmlns:r="http://schemas.openxmlformats.org/officeDocument/2006/relationships" xmlns:p="http://schemas.openxmlformats.org/presentationml/2006/main">
+  <p:cSld>
+    <p:spTree>
+      <p:nvGrpSpPr>
+        <p:cNvPr id="1" name=""/>
+        <p:cNvGrpSpPr/>
+        <p:nvPr/>
+      </p:nvGrpSpPr>
+      <p:grpSpPr>
+        <a:xfrm>
+          <a:off x="0" y="0"/>
+          <a:ext cx="0" cy="0"/>
+          <a:chOff x="0" y="0"/>
+          <a:chExt cx="0" cy="0"/>
+        </a:xfrm>
+      </p:grpSpPr>
+      <p:sp>
+        <p:nvSpPr>
+          <p:cNvPr id="2" name="Title 1">
+            <a:extLst>
+              <a:ext uri="{FF2B5EF4-FFF2-40B4-BE49-F238E27FC236}">
+                <a16:creationId xmlns:a16="http://schemas.microsoft.com/office/drawing/2014/main" id="{A6CF1E34-C387-4905-55B9-A2EE7D132C6C}"/>
+              </a:ext>
+            </a:extLst>
+          </p:cNvPr>
+          <p:cNvSpPr>
+            <a:spLocks noGrp="1"/>
+          </p:cNvSpPr>
+          <p:nvPr>
+            <p:ph type="title"/>
+          </p:nvPr>
+        </p:nvSpPr>
+        <p:spPr>
+          <a:xfrm>
+            <a:off x="1676400" y="762000"/>
+            <a:ext cx="8255000" cy="492443"/>
+          </a:xfrm>
+        </p:spPr>
+        <p:txBody>
+          <a:bodyPr/>
+          <a:lstStyle/>
+          <a:p>
+            <a:r>
+              <a:rPr lang="en-US" sz="3200" kern="1200" dirty="0">
+                <a:latin typeface="Times New Roman"/>
+                <a:cs typeface="Times New Roman"/>
+              </a:rPr>
+              <a:t>ASSET MANAGEMENT SYSTEM</a:t>
+            </a:r>
+            <a:endParaRPr lang="en-IN" sz="3200" kern="1200" dirty="0">
+              <a:latin typeface="Times New Roman"/>
+              <a:cs typeface="Times New Roman"/>
+            </a:endParaRPr>
+          </a:p>
+        </p:txBody>
+      </p:sp>
+      <p:sp>
+        <p:nvSpPr>
+          <p:cNvPr id="3" name="Text Placeholder 2">
+            <a:extLst>
+              <a:ext uri="{FF2B5EF4-FFF2-40B4-BE49-F238E27FC236}">
+                <a16:creationId xmlns:a16="http://schemas.microsoft.com/office/drawing/2014/main" id="{635804C6-AA79-FE0C-916A-EC37FF70275C}"/>
+              </a:ext>
+            </a:extLst>
+          </p:cNvPr>
+          <p:cNvSpPr>
+            <a:spLocks noGrp="1"/>
+          </p:cNvSpPr>
+          <p:nvPr>
+            <p:ph type="body" idx="1"/>
+          </p:nvPr>
+        </p:nvSpPr>
+        <p:spPr>
+          <a:xfrm>
+            <a:off x="228600" y="1008221"/>
+            <a:ext cx="8083550" cy="954107"/>
+          </a:xfrm>
+        </p:spPr>
+        <p:txBody>
+          <a:bodyPr/>
+          <a:lstStyle/>
+          <a:p>
+            <a:br>
+              <a:rPr lang="en-US" sz="1800" b="1" dirty="0">
+                <a:solidFill>
+                  <a:schemeClr val="tx1"/>
+                </a:solidFill>
+                <a:latin typeface="Times New Roman" panose="02020603050405020304" pitchFamily="18" charset="0"/>
+                <a:cs typeface="Times New Roman" panose="02020603050405020304" pitchFamily="18" charset="0"/>
+              </a:rPr>
+            </a:br>
+            <a:r>
+              <a:rPr lang="en-US" sz="2600" b="1" dirty="0">
+                <a:latin typeface="Times New Roman" panose="02020603050405020304" pitchFamily="18" charset="0"/>
+                <a:cs typeface="Times New Roman" panose="02020603050405020304" pitchFamily="18" charset="0"/>
+              </a:rPr>
+              <a:t>Methodology</a:t>
+            </a:r>
+            <a:endParaRPr lang="en-IN" sz="2600" b="1" dirty="0">
+              <a:latin typeface="Times New Roman" panose="02020603050405020304" pitchFamily="18" charset="0"/>
+              <a:cs typeface="Times New Roman" panose="02020603050405020304" pitchFamily="18" charset="0"/>
+            </a:endParaRPr>
+          </a:p>
+          <a:p>
+            <a:endParaRPr lang="en-IN" dirty="0"/>
+          </a:p>
+        </p:txBody>
+      </p:sp>
+      <p:sp>
+        <p:nvSpPr>
+          <p:cNvPr id="4" name="TextBox 3">
+            <a:extLst>
+              <a:ext uri="{FF2B5EF4-FFF2-40B4-BE49-F238E27FC236}">
+                <a16:creationId xmlns:a16="http://schemas.microsoft.com/office/drawing/2014/main" id="{85752B1B-12B7-BF9A-C0BB-2EE6C834D9E4}"/>
+              </a:ext>
+            </a:extLst>
+          </p:cNvPr>
+          <p:cNvSpPr txBox="1"/>
+          <p:nvPr/>
+        </p:nvSpPr>
+        <p:spPr>
+          <a:xfrm>
+            <a:off x="434975" y="1752600"/>
+            <a:ext cx="8686800" cy="4941737"/>
+          </a:xfrm>
+          <a:prstGeom prst="rect">
+            <a:avLst/>
+          </a:prstGeom>
+          <a:noFill/>
+        </p:spPr>
+        <p:txBody>
+          <a:bodyPr wrap="square" rtlCol="0">
+            <a:spAutoFit/>
+          </a:bodyPr>
+          <a:lstStyle/>
+          <a:p>
+            <a:pPr marL="342900" indent="-342900" algn="just">
+              <a:lnSpc>
+                <a:spcPct val="150000"/>
+              </a:lnSpc>
+              <a:buAutoNum type="arabicPeriod"/>
+            </a:pPr>
+            <a:r>
+              <a:rPr lang="en-US" b="1" dirty="0">
+                <a:latin typeface="Times New Roman"/>
+                <a:cs typeface="Times New Roman"/>
+              </a:rPr>
+              <a:t>Requirements Analysis:</a:t>
+            </a:r>
+          </a:p>
+          <a:p>
+            <a:pPr algn="just">
+              <a:lnSpc>
+                <a:spcPct val="150000"/>
+              </a:lnSpc>
+            </a:pPr>
+            <a:r>
+              <a:rPr lang="en-US" sz="1600" b="1" dirty="0">
+                <a:latin typeface="Times New Roman"/>
+                <a:cs typeface="Times New Roman"/>
+              </a:rPr>
+              <a:t>Objective: </a:t>
+            </a:r>
+            <a:r>
+              <a:rPr lang="en-US" sz="1600" spc="-5" dirty="0">
+                <a:latin typeface="Times New Roman"/>
+                <a:cs typeface="Times New Roman"/>
+              </a:rPr>
+              <a:t>Clearly define the goals and functionalities of the Asset Management System.</a:t>
+            </a:r>
+          </a:p>
+          <a:p>
+            <a:pPr algn="just">
+              <a:lnSpc>
+                <a:spcPct val="150000"/>
+              </a:lnSpc>
+            </a:pPr>
+            <a:r>
+              <a:rPr lang="en-US" sz="1600" b="1" dirty="0">
+                <a:latin typeface="Times New Roman"/>
+                <a:cs typeface="Times New Roman"/>
+              </a:rPr>
+              <a:t>Activities: </a:t>
+            </a:r>
+            <a:r>
+              <a:rPr lang="en-US" sz="1600" spc="-5" dirty="0">
+                <a:latin typeface="Times New Roman"/>
+                <a:cs typeface="Times New Roman"/>
+              </a:rPr>
+              <a:t>Engage with stakeholders to gather and document detailed requirements. Identify key features, user roles, and system constraints.</a:t>
+            </a:r>
+          </a:p>
+          <a:p>
+            <a:pPr algn="just">
+              <a:lnSpc>
+                <a:spcPct val="150000"/>
+              </a:lnSpc>
+            </a:pPr>
+            <a:r>
+              <a:rPr lang="en-US" b="1" dirty="0">
+                <a:latin typeface="Times New Roman"/>
+                <a:cs typeface="Times New Roman"/>
+              </a:rPr>
+              <a:t>2.    System Design:</a:t>
+            </a:r>
+          </a:p>
+          <a:p>
+            <a:pPr algn="just">
+              <a:lnSpc>
+                <a:spcPct val="150000"/>
+              </a:lnSpc>
+            </a:pPr>
+            <a:r>
+              <a:rPr lang="en-US" sz="1600" b="1" dirty="0">
+                <a:latin typeface="Times New Roman"/>
+                <a:cs typeface="Times New Roman"/>
+              </a:rPr>
+              <a:t>Objective: </a:t>
+            </a:r>
+            <a:r>
+              <a:rPr lang="en-US" sz="1600" spc="-5" dirty="0">
+                <a:latin typeface="Times New Roman"/>
+                <a:cs typeface="Times New Roman"/>
+              </a:rPr>
+              <a:t>Create a blueprint of the system architecture and design the database schema.</a:t>
+            </a:r>
+          </a:p>
+          <a:p>
+            <a:pPr algn="just">
+              <a:lnSpc>
+                <a:spcPct val="150000"/>
+              </a:lnSpc>
+            </a:pPr>
+            <a:r>
+              <a:rPr lang="en-US" sz="1600" b="1" dirty="0">
+                <a:latin typeface="Times New Roman"/>
+                <a:cs typeface="Times New Roman"/>
+              </a:rPr>
+              <a:t>Activities: </a:t>
+            </a:r>
+            <a:r>
+              <a:rPr lang="en-US" sz="1600" spc="-5" dirty="0">
+                <a:latin typeface="Times New Roman"/>
+                <a:cs typeface="Times New Roman"/>
+              </a:rPr>
+              <a:t>Design the user interface (UI) using wireframes or mockups. Plan the database structure, considering entities, relationships, and data flow.</a:t>
+            </a:r>
+          </a:p>
+          <a:p>
+            <a:pPr algn="just">
+              <a:lnSpc>
+                <a:spcPct val="150000"/>
+              </a:lnSpc>
+            </a:pPr>
+            <a:r>
+              <a:rPr lang="en-US" b="1" dirty="0">
+                <a:latin typeface="Times New Roman"/>
+                <a:cs typeface="Times New Roman"/>
+              </a:rPr>
+              <a:t>3.    Technology Stack Selection:</a:t>
+            </a:r>
+          </a:p>
+          <a:p>
+            <a:pPr algn="just">
+              <a:lnSpc>
+                <a:spcPct val="150000"/>
+              </a:lnSpc>
+            </a:pPr>
+            <a:r>
+              <a:rPr lang="en-US" sz="1600" b="1" dirty="0">
+                <a:latin typeface="Times New Roman"/>
+                <a:cs typeface="Times New Roman"/>
+              </a:rPr>
+              <a:t>Objective: </a:t>
+            </a:r>
+            <a:r>
+              <a:rPr lang="en-US" sz="1600" spc="-5" dirty="0">
+                <a:latin typeface="Times New Roman"/>
+                <a:cs typeface="Times New Roman"/>
+              </a:rPr>
+              <a:t>Choose the appropriate technologies for frontend, backend, and database.</a:t>
+            </a:r>
+          </a:p>
+          <a:p>
+            <a:pPr algn="just">
+              <a:lnSpc>
+                <a:spcPct val="150000"/>
+              </a:lnSpc>
+            </a:pPr>
+            <a:r>
+              <a:rPr lang="en-US" sz="1600" b="1" dirty="0">
+                <a:latin typeface="Times New Roman"/>
+                <a:cs typeface="Times New Roman"/>
+              </a:rPr>
+              <a:t>Activities: </a:t>
+            </a:r>
+            <a:r>
+              <a:rPr lang="en-US" sz="1600" spc="-5" dirty="0">
+                <a:latin typeface="Times New Roman"/>
+                <a:cs typeface="Times New Roman"/>
+              </a:rPr>
+              <a:t>Evaluate and select technologies based on project requirements, scalability, and the development team's expertise.  React.js for the front end, Node.js, Express for the backend, and MySQL for the database.</a:t>
+            </a:r>
+          </a:p>
+        </p:txBody>
+      </p:sp>
+    </p:spTree>
+    <p:extLst>
+      <p:ext uri="{BB962C8B-B14F-4D97-AF65-F5344CB8AC3E}">
+        <p14:creationId xmlns:p14="http://schemas.microsoft.com/office/powerpoint/2010/main" val="802960972"/>
+      </p:ext>
+    </p:extLst>
+  </p:cSld>
+  <p:clrMapOvr>
+    <a:masterClrMapping/>
+  </p:clrMapOvr>
+</p:sld>
+</file>
+
+<file path=ppt/slides/slide15.xml><?xml version="1.0" encoding="utf-8"?>
+<p:sld xmlns:a="http://schemas.openxmlformats.org/drawingml/2006/main" xmlns:r="http://schemas.openxmlformats.org/officeDocument/2006/relationships" xmlns:p="http://schemas.openxmlformats.org/presentationml/2006/main">
+  <p:cSld>
+    <p:spTree>
+      <p:nvGrpSpPr>
+        <p:cNvPr id="1" name=""/>
+        <p:cNvGrpSpPr/>
+        <p:nvPr/>
+      </p:nvGrpSpPr>
+      <p:grpSpPr>
+        <a:xfrm>
+          <a:off x="0" y="0"/>
+          <a:ext cx="0" cy="0"/>
+          <a:chOff x="0" y="0"/>
+          <a:chExt cx="0" cy="0"/>
+        </a:xfrm>
+      </p:grpSpPr>
+      <p:sp>
+        <p:nvSpPr>
+          <p:cNvPr id="2" name="Title 1">
+            <a:extLst>
+              <a:ext uri="{FF2B5EF4-FFF2-40B4-BE49-F238E27FC236}">
+                <a16:creationId xmlns:a16="http://schemas.microsoft.com/office/drawing/2014/main" id="{DD4523B2-9356-7B49-24F8-2C3A9F1E9ACA}"/>
+              </a:ext>
+            </a:extLst>
+          </p:cNvPr>
+          <p:cNvSpPr>
+            <a:spLocks noGrp="1"/>
+          </p:cNvSpPr>
+          <p:nvPr>
+            <p:ph type="title"/>
+          </p:nvPr>
+        </p:nvSpPr>
+        <p:spPr>
+          <a:xfrm>
+            <a:off x="1828800" y="762000"/>
+            <a:ext cx="8255000" cy="492443"/>
+          </a:xfrm>
+        </p:spPr>
+        <p:txBody>
+          <a:bodyPr/>
+          <a:lstStyle/>
+          <a:p>
+            <a:r>
+              <a:rPr lang="en-US" sz="3200" kern="1200" dirty="0">
+                <a:latin typeface="Times New Roman"/>
+                <a:cs typeface="Times New Roman"/>
+              </a:rPr>
+              <a:t>ASSET MANAGEMENT SYSTEM</a:t>
+            </a:r>
+            <a:endParaRPr lang="en-IN" sz="3200" kern="1200" dirty="0">
+              <a:latin typeface="Times New Roman"/>
+              <a:cs typeface="Times New Roman"/>
+            </a:endParaRPr>
+          </a:p>
+        </p:txBody>
+      </p:sp>
+      <p:sp>
+        <p:nvSpPr>
+          <p:cNvPr id="3" name="Text Placeholder 2">
+            <a:extLst>
+              <a:ext uri="{FF2B5EF4-FFF2-40B4-BE49-F238E27FC236}">
+                <a16:creationId xmlns:a16="http://schemas.microsoft.com/office/drawing/2014/main" id="{8325243B-AAB8-A786-8B75-1553E6F82D12}"/>
+              </a:ext>
+            </a:extLst>
+          </p:cNvPr>
+          <p:cNvSpPr>
+            <a:spLocks noGrp="1"/>
+          </p:cNvSpPr>
+          <p:nvPr>
+            <p:ph type="body" idx="1"/>
+          </p:nvPr>
+        </p:nvSpPr>
+        <p:spPr>
+          <a:xfrm>
+            <a:off x="685800" y="1600200"/>
+            <a:ext cx="8083550" cy="4278094"/>
+          </a:xfrm>
+        </p:spPr>
+        <p:txBody>
+          <a:bodyPr/>
+          <a:lstStyle/>
+          <a:p>
+            <a:pPr indent="-342900" algn="just" rtl="0">
+              <a:lnSpc>
+                <a:spcPct val="150000"/>
+              </a:lnSpc>
+              <a:buAutoNum type="arabicPeriod" startAt="4"/>
+            </a:pPr>
+            <a:r>
+              <a:rPr lang="en-US" b="1" kern="1200" spc="-5" dirty="0">
+                <a:latin typeface="Times New Roman"/>
+                <a:cs typeface="Times New Roman"/>
+              </a:rPr>
+              <a:t>Implementation:</a:t>
+            </a:r>
+          </a:p>
+          <a:p>
+            <a:pPr algn="just" rtl="0">
+              <a:lnSpc>
+                <a:spcPct val="150000"/>
+              </a:lnSpc>
+            </a:pPr>
+            <a:r>
+              <a:rPr lang="en-US" sz="1600" b="1" kern="1200" dirty="0">
+                <a:latin typeface="Times New Roman"/>
+                <a:cs typeface="Times New Roman"/>
+              </a:rPr>
+              <a:t>Objective: </a:t>
+            </a:r>
+            <a:r>
+              <a:rPr lang="en-US" sz="1600" kern="1200" spc="-5" dirty="0">
+                <a:latin typeface="Times New Roman"/>
+                <a:cs typeface="Times New Roman"/>
+              </a:rPr>
+              <a:t>Develop the system according to the design and requirements.</a:t>
+            </a:r>
+          </a:p>
+          <a:p>
+            <a:pPr algn="just" rtl="0">
+              <a:lnSpc>
+                <a:spcPct val="150000"/>
+              </a:lnSpc>
+            </a:pPr>
+            <a:r>
+              <a:rPr lang="en-US" sz="1600" b="1" kern="1200" dirty="0">
+                <a:latin typeface="Times New Roman"/>
+                <a:cs typeface="Times New Roman"/>
+              </a:rPr>
+              <a:t>Activities: </a:t>
+            </a:r>
+            <a:r>
+              <a:rPr lang="en-US" sz="1600" kern="1200" spc="-5" dirty="0">
+                <a:latin typeface="Times New Roman"/>
+                <a:cs typeface="Times New Roman"/>
+              </a:rPr>
+              <a:t>Start by setting up the project structure. Implement each module iteratively, beginning with user authentication, asset management, and so on. Regularly test and debug as new features are added.</a:t>
+            </a:r>
+          </a:p>
+          <a:p>
+            <a:pPr indent="-342900" algn="just" rtl="0">
+              <a:lnSpc>
+                <a:spcPct val="150000"/>
+              </a:lnSpc>
+              <a:buAutoNum type="arabicPeriod" startAt="5"/>
+            </a:pPr>
+            <a:r>
+              <a:rPr lang="en-US" b="1" kern="1200" spc="-5" dirty="0">
+                <a:latin typeface="Times New Roman"/>
+                <a:cs typeface="Times New Roman"/>
+              </a:rPr>
+              <a:t>Testing:</a:t>
+            </a:r>
+          </a:p>
+          <a:p>
+            <a:pPr algn="just" rtl="0">
+              <a:lnSpc>
+                <a:spcPct val="150000"/>
+              </a:lnSpc>
+            </a:pPr>
+            <a:r>
+              <a:rPr lang="en-US" sz="1600" b="1" kern="1200" dirty="0">
+                <a:latin typeface="Times New Roman"/>
+                <a:cs typeface="Times New Roman"/>
+              </a:rPr>
+              <a:t> Objective: </a:t>
+            </a:r>
+            <a:r>
+              <a:rPr lang="en-US" sz="1600" kern="1200" spc="-5" dirty="0">
+                <a:latin typeface="Times New Roman"/>
+                <a:cs typeface="Times New Roman"/>
+              </a:rPr>
+              <a:t>Ensure the system functions correctly and meets requirements.</a:t>
+            </a:r>
+          </a:p>
+          <a:p>
+            <a:pPr algn="just" rtl="0">
+              <a:lnSpc>
+                <a:spcPct val="150000"/>
+              </a:lnSpc>
+            </a:pPr>
+            <a:r>
+              <a:rPr lang="en-US" sz="1600" b="1" kern="1200" dirty="0">
+                <a:latin typeface="Times New Roman"/>
+                <a:cs typeface="Times New Roman"/>
+              </a:rPr>
+              <a:t>Activities: </a:t>
+            </a:r>
+            <a:r>
+              <a:rPr lang="en-US" sz="1600" kern="1200" spc="-5" dirty="0">
+                <a:latin typeface="Times New Roman"/>
+                <a:cs typeface="Times New Roman"/>
+              </a:rPr>
+              <a:t>Conduct unit testing for individual modules, integration testing to ensure components work together, and system testing to verify the entire application. Address any issues discovered during testing.</a:t>
+            </a:r>
+            <a:endParaRPr lang="en-IN" sz="1600" kern="1200" spc="-5" dirty="0">
+              <a:latin typeface="Times New Roman"/>
+              <a:cs typeface="Times New Roman"/>
+            </a:endParaRPr>
+          </a:p>
+          <a:p>
+            <a:endParaRPr lang="en-IN" sz="3200" kern="1200" dirty="0">
+              <a:solidFill>
+                <a:srgbClr val="04617A"/>
+              </a:solidFill>
+              <a:latin typeface="Times New Roman"/>
+              <a:ea typeface="+mj-ea"/>
+              <a:cs typeface="Times New Roman"/>
+            </a:endParaRPr>
+          </a:p>
+        </p:txBody>
+      </p:sp>
+    </p:spTree>
+    <p:extLst>
+      <p:ext uri="{BB962C8B-B14F-4D97-AF65-F5344CB8AC3E}">
+        <p14:creationId xmlns:p14="http://schemas.microsoft.com/office/powerpoint/2010/main" val="3344762001"/>
+      </p:ext>
+    </p:extLst>
+  </p:cSld>
+  <p:clrMapOvr>
+    <a:masterClrMapping/>
+  </p:clrMapOvr>
+</p:sld>
+</file>
+
+<file path=ppt/slides/slide16.xml><?xml version="1.0" encoding="utf-8"?>
+<p:sld xmlns:a="http://schemas.openxmlformats.org/drawingml/2006/main" xmlns:r="http://schemas.openxmlformats.org/officeDocument/2006/relationships" xmlns:p="http://schemas.openxmlformats.org/presentationml/2006/main">
+  <p:cSld>
+    <p:spTree>
+      <p:nvGrpSpPr>
+        <p:cNvPr id="1" name=""/>
+        <p:cNvGrpSpPr/>
+        <p:nvPr/>
+      </p:nvGrpSpPr>
+      <p:grpSpPr>
+        <a:xfrm>
+          <a:off x="0" y="0"/>
+          <a:ext cx="0" cy="0"/>
+          <a:chOff x="0" y="0"/>
+          <a:chExt cx="0" cy="0"/>
+        </a:xfrm>
+      </p:grpSpPr>
+      <p:sp>
+        <p:nvSpPr>
+          <p:cNvPr id="2" name="object 2"/>
+          <p:cNvSpPr txBox="1">
+            <a:spLocks noGrp="1"/>
+          </p:cNvSpPr>
+          <p:nvPr>
+            <p:ph type="title"/>
+          </p:nvPr>
+        </p:nvSpPr>
+        <p:spPr>
+          <a:xfrm>
+            <a:off x="444500" y="1047750"/>
+            <a:ext cx="1574165" cy="787400"/>
+          </a:xfrm>
+          <a:prstGeom prst="rect">
+            <a:avLst/>
+          </a:prstGeom>
+        </p:spPr>
+        <p:txBody>
+          <a:bodyPr vert="horz" wrap="square" lIns="0" tIns="12700" rIns="0" bIns="0" rtlCol="0">
+            <a:spAutoFit/>
+          </a:bodyPr>
+          <a:lstStyle/>
+          <a:p>
+            <a:pPr marL="12700">
+              <a:lnSpc>
+                <a:spcPct val="100000"/>
+              </a:lnSpc>
+              <a:spcBef>
+                <a:spcPts val="100"/>
+              </a:spcBef>
+            </a:pPr>
+            <a:r>
+              <a:rPr spc="-5" dirty="0"/>
+              <a:t>Demo</a:t>
+            </a:r>
+          </a:p>
+        </p:txBody>
+      </p:sp>
+      <p:sp>
+        <p:nvSpPr>
+          <p:cNvPr id="3" name="object 3"/>
+          <p:cNvSpPr txBox="1">
+            <a:spLocks noGrp="1"/>
+          </p:cNvSpPr>
+          <p:nvPr>
+            <p:ph type="sldNum" sz="quarter" idx="7"/>
+          </p:nvPr>
+        </p:nvSpPr>
+        <p:spPr>
+          <a:prstGeom prst="rect">
+            <a:avLst/>
+          </a:prstGeom>
+        </p:spPr>
+        <p:txBody>
+          <a:bodyPr vert="horz" wrap="square" lIns="0" tIns="0" rIns="0" bIns="0" rtlCol="0">
+            <a:spAutoFit/>
+          </a:bodyPr>
+          <a:lstStyle/>
+          <a:p>
+            <a:pPr marL="38100">
+              <a:lnSpc>
+                <a:spcPts val="1410"/>
+              </a:lnSpc>
+            </a:pPr>
+            <a:fld id="{81D60167-4931-47E6-BA6A-407CBD079E47}" type="slidenum">
+              <a:rPr dirty="0"/>
+              <a:t>16</a:t>
+            </a:fld>
+            <a:endParaRPr dirty="0"/>
+          </a:p>
+        </p:txBody>
+      </p:sp>
+    </p:spTree>
+  </p:cSld>
+  <p:clrMapOvr>
+    <a:masterClrMapping/>
+  </p:clrMapOvr>
+</p:sld>
+</file>
+
+<file path=ppt/slides/slide17.xml><?xml version="1.0" encoding="utf-8"?>
+<p:sld xmlns:a="http://schemas.openxmlformats.org/drawingml/2006/main" xmlns:r="http://schemas.openxmlformats.org/officeDocument/2006/relationships" xmlns:p="http://schemas.openxmlformats.org/presentationml/2006/main">
+  <p:cSld>
+    <p:spTree>
+      <p:nvGrpSpPr>
+        <p:cNvPr id="1" name=""/>
+        <p:cNvGrpSpPr/>
+        <p:nvPr/>
+      </p:nvGrpSpPr>
+      <p:grpSpPr>
+        <a:xfrm>
+          <a:off x="0" y="0"/>
+          <a:ext cx="0" cy="0"/>
+          <a:chOff x="0" y="0"/>
+          <a:chExt cx="0" cy="0"/>
+        </a:xfrm>
+      </p:grpSpPr>
+      <p:sp>
+        <p:nvSpPr>
           <p:cNvPr id="2" name="object 2"/>
           <p:cNvSpPr txBox="1">
             <a:spLocks noGrp="1"/>
@@ -3394,7 +5098,7 @@
             </a:pPr>
             <a:fld id="{81D60167-4931-47E6-BA6A-407CBD079E47}" type="slidenum">
               <a:rPr dirty="0"/>
-              <a:t>10</a:t>
+              <a:t>17</a:t>
             </a:fld>
             <a:endParaRPr dirty="0"/>
           </a:p>
@@ -3408,7 +5112,7 @@
 </p:sld>
 </file>
 
-<file path=ppt/slides/slide11.xml><?xml version="1.0" encoding="utf-8"?>
+<file path=ppt/slides/slide18.xml><?xml version="1.0" encoding="utf-8"?>
 <p:sld xmlns:a="http://schemas.openxmlformats.org/drawingml/2006/main" xmlns:r="http://schemas.openxmlformats.org/officeDocument/2006/relationships" xmlns:p="http://schemas.openxmlformats.org/presentationml/2006/main">
   <p:cSld>
     <p:spTree>
@@ -3493,7 +5197,7 @@
             </a:pPr>
             <a:fld id="{81D60167-4931-47E6-BA6A-407CBD079E47}" type="slidenum">
               <a:rPr dirty="0"/>
-              <a:t>11</a:t>
+              <a:t>18</a:t>
             </a:fld>
             <a:endParaRPr dirty="0"/>
           </a:p>
@@ -3507,7 +5211,7 @@
 </p:sld>
 </file>
 
-<file path=ppt/slides/slide12.xml><?xml version="1.0" encoding="utf-8"?>
+<file path=ppt/slides/slide19.xml><?xml version="1.0" encoding="utf-8"?>
 <p:sld xmlns:a="http://schemas.openxmlformats.org/drawingml/2006/main" xmlns:r="http://schemas.openxmlformats.org/officeDocument/2006/relationships" xmlns:p="http://schemas.openxmlformats.org/presentationml/2006/main">
   <p:cSld>
     <p:spTree>
@@ -5203,7 +6907,7 @@
         </p:nvSpPr>
         <p:spPr>
           <a:xfrm>
-            <a:off x="1676401" y="778764"/>
+            <a:off x="1676400" y="762000"/>
             <a:ext cx="6172200" cy="505267"/>
           </a:xfrm>
           <a:prstGeom prst="rect">
@@ -5302,18 +7006,11 @@
               </a:spcBef>
             </a:pPr>
             <a:r>
-              <a:rPr lang="en-US" b="1">
-                <a:latin typeface="Times New Roman"/>
-                <a:cs typeface="Times New Roman"/>
-              </a:rPr>
-              <a:t>3</a:t>
-            </a:r>
-            <a:r>
               <a:rPr lang="en-US" b="1" dirty="0">
                 <a:latin typeface="Times New Roman"/>
                 <a:cs typeface="Times New Roman"/>
               </a:rPr>
-              <a:t>) Frontend Development (React.js):</a:t>
+              <a:t>3) Frontend Development (React.js):</a:t>
             </a:r>
           </a:p>
           <a:p>
@@ -5503,8 +7200,14 @@
       </p:grpSpPr>
       <p:sp>
         <p:nvSpPr>
-          <p:cNvPr id="2" name="object 2"/>
-          <p:cNvSpPr txBox="1">
+          <p:cNvPr id="2" name="Title 1">
+            <a:extLst>
+              <a:ext uri="{FF2B5EF4-FFF2-40B4-BE49-F238E27FC236}">
+                <a16:creationId xmlns:a16="http://schemas.microsoft.com/office/drawing/2014/main" id="{5F5B5D11-5B4B-9B19-EDE2-69D8077E0EBE}"/>
+              </a:ext>
+            </a:extLst>
+          </p:cNvPr>
+          <p:cNvSpPr>
             <a:spLocks noGrp="1"/>
           </p:cNvSpPr>
           <p:nvPr>
@@ -5513,170 +7216,144 @@
         </p:nvSpPr>
         <p:spPr>
           <a:xfrm>
-            <a:off x="444500" y="778764"/>
-            <a:ext cx="3850640" cy="513080"/>
+            <a:off x="444500" y="1143000"/>
+            <a:ext cx="8255000" cy="838200"/>
+          </a:xfrm>
+        </p:spPr>
+        <p:txBody>
+          <a:bodyPr/>
+          <a:lstStyle/>
+          <a:p>
+            <a:pPr algn="l"/>
+            <a:br>
+              <a:rPr lang="en-US" sz="2600" b="1" dirty="0">
+                <a:solidFill>
+                  <a:schemeClr val="tx1"/>
+                </a:solidFill>
+                <a:latin typeface="Times New Roman" panose="02020603050405020304" pitchFamily="18" charset="0"/>
+                <a:cs typeface="Times New Roman" panose="02020603050405020304" pitchFamily="18" charset="0"/>
+              </a:rPr>
+            </a:br>
+            <a:r>
+              <a:rPr lang="en-US" sz="2600" b="1" dirty="0">
+                <a:solidFill>
+                  <a:schemeClr val="tx1"/>
+                </a:solidFill>
+                <a:latin typeface="Times New Roman" panose="02020603050405020304" pitchFamily="18" charset="0"/>
+                <a:cs typeface="Times New Roman" panose="02020603050405020304" pitchFamily="18" charset="0"/>
+              </a:rPr>
+              <a:t>Database Design</a:t>
+            </a:r>
+            <a:endParaRPr lang="en-IN" sz="2600" b="1" dirty="0">
+              <a:solidFill>
+                <a:schemeClr val="tx1"/>
+              </a:solidFill>
+              <a:latin typeface="Times New Roman" panose="02020603050405020304" pitchFamily="18" charset="0"/>
+              <a:cs typeface="Times New Roman" panose="02020603050405020304" pitchFamily="18" charset="0"/>
+            </a:endParaRPr>
+          </a:p>
+        </p:txBody>
+      </p:sp>
+      <p:pic>
+        <p:nvPicPr>
+          <p:cNvPr id="5" name="Picture 4">
+            <a:extLst>
+              <a:ext uri="{FF2B5EF4-FFF2-40B4-BE49-F238E27FC236}">
+                <a16:creationId xmlns:a16="http://schemas.microsoft.com/office/drawing/2014/main" id="{6F1A6A2F-C8F6-59A5-DCB0-32C7A0D537A8}"/>
+              </a:ext>
+            </a:extLst>
+          </p:cNvPr>
+          <p:cNvPicPr>
+            <a:picLocks noChangeAspect="1"/>
+          </p:cNvPicPr>
+          <p:nvPr/>
+        </p:nvPicPr>
+        <p:blipFill>
+          <a:blip r:embed="rId2"/>
+          <a:stretch>
+            <a:fillRect/>
+          </a:stretch>
+        </p:blipFill>
+        <p:spPr>
+          <a:xfrm>
+            <a:off x="428003" y="2209800"/>
+            <a:ext cx="8255000" cy="3733800"/>
           </a:xfrm>
           <a:prstGeom prst="rect">
             <a:avLst/>
           </a:prstGeom>
         </p:spPr>
-        <p:txBody>
-          <a:bodyPr vert="horz" wrap="square" lIns="0" tIns="12700" rIns="0" bIns="0" rtlCol="0">
-            <a:spAutoFit/>
-          </a:bodyPr>
-          <a:lstStyle/>
-          <a:p>
-            <a:pPr marL="12700">
-              <a:lnSpc>
-                <a:spcPct val="100000"/>
-              </a:lnSpc>
-              <a:spcBef>
-                <a:spcPts val="100"/>
-              </a:spcBef>
-            </a:pPr>
-            <a:r>
-              <a:rPr sz="3200" spc="-5" dirty="0">
-                <a:latin typeface="Times New Roman"/>
-                <a:cs typeface="Times New Roman"/>
-              </a:rPr>
-              <a:t>Implementation</a:t>
-            </a:r>
-            <a:r>
-              <a:rPr sz="3200" spc="-80" dirty="0">
-                <a:latin typeface="Times New Roman"/>
-                <a:cs typeface="Times New Roman"/>
-              </a:rPr>
-              <a:t> </a:t>
-            </a:r>
-            <a:r>
-              <a:rPr sz="3200" spc="-5" dirty="0">
-                <a:latin typeface="Times New Roman"/>
-                <a:cs typeface="Times New Roman"/>
-              </a:rPr>
-              <a:t>Details</a:t>
-            </a:r>
-            <a:endParaRPr sz="3200">
-              <a:latin typeface="Times New Roman"/>
-              <a:cs typeface="Times New Roman"/>
-            </a:endParaRPr>
-          </a:p>
-        </p:txBody>
-      </p:sp>
+        <p:style>
+          <a:lnRef idx="2">
+            <a:schemeClr val="dk1"/>
+          </a:lnRef>
+          <a:fillRef idx="1">
+            <a:schemeClr val="lt1"/>
+          </a:fillRef>
+          <a:effectRef idx="0">
+            <a:schemeClr val="dk1"/>
+          </a:effectRef>
+          <a:fontRef idx="minor">
+            <a:schemeClr val="dk1"/>
+          </a:fontRef>
+        </p:style>
+      </p:pic>
       <p:sp>
         <p:nvSpPr>
-          <p:cNvPr id="4" name="object 4"/>
-          <p:cNvSpPr txBox="1">
-            <a:spLocks noGrp="1"/>
-          </p:cNvSpPr>
-          <p:nvPr>
-            <p:ph type="sldNum" sz="quarter" idx="7"/>
-          </p:nvPr>
-        </p:nvSpPr>
-        <p:spPr>
-          <a:prstGeom prst="rect">
-            <a:avLst/>
-          </a:prstGeom>
-        </p:spPr>
-        <p:txBody>
-          <a:bodyPr vert="horz" wrap="square" lIns="0" tIns="0" rIns="0" bIns="0" rtlCol="0">
-            <a:spAutoFit/>
-          </a:bodyPr>
-          <a:lstStyle/>
-          <a:p>
-            <a:pPr marL="38100">
-              <a:lnSpc>
-                <a:spcPts val="1410"/>
-              </a:lnSpc>
-            </a:pPr>
-            <a:fld id="{81D60167-4931-47E6-BA6A-407CBD079E47}" type="slidenum">
-              <a:rPr dirty="0"/>
-              <a:t>8</a:t>
-            </a:fld>
-            <a:endParaRPr dirty="0"/>
-          </a:p>
-        </p:txBody>
-      </p:sp>
-      <p:sp>
-        <p:nvSpPr>
-          <p:cNvPr id="3" name="object 3"/>
+          <p:cNvPr id="7" name="TextBox 6">
+            <a:extLst>
+              <a:ext uri="{FF2B5EF4-FFF2-40B4-BE49-F238E27FC236}">
+                <a16:creationId xmlns:a16="http://schemas.microsoft.com/office/drawing/2014/main" id="{52E77E46-3357-B867-2ADE-B2FA6E9F2261}"/>
+              </a:ext>
+            </a:extLst>
+          </p:cNvPr>
           <p:cNvSpPr txBox="1"/>
           <p:nvPr/>
         </p:nvSpPr>
         <p:spPr>
           <a:xfrm>
-            <a:off x="437491" y="1383791"/>
-            <a:ext cx="2023745" cy="421640"/>
+            <a:off x="1524000" y="685919"/>
+            <a:ext cx="6477000" cy="584775"/>
           </a:xfrm>
           <a:prstGeom prst="rect">
             <a:avLst/>
           </a:prstGeom>
+          <a:noFill/>
         </p:spPr>
         <p:txBody>
-          <a:bodyPr vert="horz" wrap="square" lIns="0" tIns="12700" rIns="0" bIns="0" rtlCol="0">
+          <a:bodyPr wrap="square" rtlCol="0">
             <a:spAutoFit/>
           </a:bodyPr>
           <a:lstStyle/>
           <a:p>
-            <a:pPr marL="378460" indent="-366395">
-              <a:lnSpc>
-                <a:spcPct val="100000"/>
-              </a:lnSpc>
-              <a:spcBef>
-                <a:spcPts val="100"/>
-              </a:spcBef>
-              <a:buClr>
-                <a:srgbClr val="0BD0D9"/>
-              </a:buClr>
-              <a:buSzPct val="94230"/>
-              <a:buFont typeface="Segoe UI Symbol"/>
-              <a:buChar char="⚫"/>
-              <a:tabLst>
-                <a:tab pos="379095" algn="l"/>
-              </a:tabLst>
-            </a:pPr>
-            <a:r>
-              <a:rPr sz="2600" dirty="0">
-                <a:latin typeface="Times New Roman"/>
-                <a:cs typeface="Times New Roman"/>
-              </a:rPr>
-              <a:t>In</a:t>
-            </a:r>
-            <a:r>
-              <a:rPr sz="2600" spc="-50" dirty="0">
-                <a:latin typeface="Times New Roman"/>
-                <a:cs typeface="Times New Roman"/>
-              </a:rPr>
-              <a:t> </a:t>
-            </a:r>
-            <a:r>
-              <a:rPr sz="2600" dirty="0">
-                <a:latin typeface="Times New Roman"/>
-                <a:cs typeface="Times New Roman"/>
-              </a:rPr>
-              <a:t>3-4</a:t>
-            </a:r>
-            <a:r>
-              <a:rPr sz="2600" spc="-45" dirty="0">
-                <a:latin typeface="Times New Roman"/>
-                <a:cs typeface="Times New Roman"/>
-              </a:rPr>
-              <a:t> </a:t>
-            </a:r>
-            <a:r>
-              <a:rPr sz="2600" spc="-5" dirty="0">
-                <a:latin typeface="Times New Roman"/>
-                <a:cs typeface="Times New Roman"/>
-              </a:rPr>
-              <a:t>slides</a:t>
-            </a:r>
-            <a:endParaRPr sz="2600">
+            <a:r>
+              <a:rPr lang="en-US" sz="3200" dirty="0">
+                <a:solidFill>
+                  <a:srgbClr val="04617A"/>
+                </a:solidFill>
+                <a:latin typeface="Times New Roman"/>
+                <a:ea typeface="+mj-ea"/>
+                <a:cs typeface="Times New Roman"/>
+              </a:rPr>
+              <a:t>ASSET MANAGEMENT SYSTEM</a:t>
+            </a:r>
+            <a:endParaRPr lang="en-IN" sz="3200" dirty="0">
+              <a:solidFill>
+                <a:srgbClr val="04617A"/>
+              </a:solidFill>
               <a:latin typeface="Times New Roman"/>
+              <a:ea typeface="+mj-ea"/>
               <a:cs typeface="Times New Roman"/>
             </a:endParaRPr>
           </a:p>
         </p:txBody>
       </p:sp>
     </p:spTree>
+    <p:extLst>
+      <p:ext uri="{BB962C8B-B14F-4D97-AF65-F5344CB8AC3E}">
+        <p14:creationId xmlns:p14="http://schemas.microsoft.com/office/powerpoint/2010/main" val="2180046696"/>
+      </p:ext>
+    </p:extLst>
   </p:cSld>
   <p:clrMapOvr>
     <a:masterClrMapping/>
@@ -5703,8 +7380,14 @@
       </p:grpSpPr>
       <p:sp>
         <p:nvSpPr>
-          <p:cNvPr id="2" name="object 2"/>
-          <p:cNvSpPr txBox="1">
+          <p:cNvPr id="2" name="Title 1">
+            <a:extLst>
+              <a:ext uri="{FF2B5EF4-FFF2-40B4-BE49-F238E27FC236}">
+                <a16:creationId xmlns:a16="http://schemas.microsoft.com/office/drawing/2014/main" id="{F8C352ED-626E-EE26-0FBA-B804392B2EF8}"/>
+              </a:ext>
+            </a:extLst>
+          </p:cNvPr>
+          <p:cNvSpPr>
             <a:spLocks noGrp="1"/>
           </p:cNvSpPr>
           <p:nvPr>
@@ -5713,69 +7396,84 @@
         </p:nvSpPr>
         <p:spPr>
           <a:xfrm>
-            <a:off x="444500" y="1047750"/>
-            <a:ext cx="1574165" cy="787400"/>
+            <a:off x="444500" y="1676400"/>
+            <a:ext cx="8255000" cy="400110"/>
+          </a:xfrm>
+        </p:spPr>
+        <p:txBody>
+          <a:bodyPr/>
+          <a:lstStyle/>
+          <a:p>
+            <a:r>
+              <a:rPr lang="en-US" sz="2600" b="1" dirty="0">
+                <a:solidFill>
+                  <a:schemeClr val="tx1"/>
+                </a:solidFill>
+                <a:latin typeface="Times New Roman" panose="02020603050405020304" pitchFamily="18" charset="0"/>
+                <a:cs typeface="Times New Roman" panose="02020603050405020304" pitchFamily="18" charset="0"/>
+              </a:rPr>
+              <a:t>Architecture Diagram</a:t>
+            </a:r>
+            <a:endParaRPr lang="en-IN" sz="2600" dirty="0"/>
+          </a:p>
+        </p:txBody>
+      </p:sp>
+      <p:sp>
+        <p:nvSpPr>
+          <p:cNvPr id="5" name="TextBox 4">
+            <a:extLst>
+              <a:ext uri="{FF2B5EF4-FFF2-40B4-BE49-F238E27FC236}">
+                <a16:creationId xmlns:a16="http://schemas.microsoft.com/office/drawing/2014/main" id="{00143D6A-1400-3565-9CF5-1F8FABB41F35}"/>
+              </a:ext>
+            </a:extLst>
+          </p:cNvPr>
+          <p:cNvSpPr txBox="1"/>
+          <p:nvPr/>
+        </p:nvSpPr>
+        <p:spPr>
+          <a:xfrm>
+            <a:off x="1600200" y="685800"/>
+            <a:ext cx="6176912" cy="584775"/>
           </a:xfrm>
           <a:prstGeom prst="rect">
             <a:avLst/>
           </a:prstGeom>
+          <a:noFill/>
         </p:spPr>
         <p:txBody>
-          <a:bodyPr vert="horz" wrap="square" lIns="0" tIns="12700" rIns="0" bIns="0" rtlCol="0">
+          <a:bodyPr wrap="square">
             <a:spAutoFit/>
           </a:bodyPr>
           <a:lstStyle/>
           <a:p>
-            <a:pPr marL="12700">
-              <a:lnSpc>
-                <a:spcPct val="100000"/>
-              </a:lnSpc>
-              <a:spcBef>
-                <a:spcPts val="100"/>
-              </a:spcBef>
-            </a:pPr>
-            <a:r>
-              <a:rPr spc="-5" dirty="0"/>
-              <a:t>Demo</a:t>
-            </a:r>
-          </a:p>
-        </p:txBody>
-      </p:sp>
-      <p:sp>
-        <p:nvSpPr>
-          <p:cNvPr id="3" name="object 3"/>
-          <p:cNvSpPr txBox="1">
-            <a:spLocks noGrp="1"/>
-          </p:cNvSpPr>
-          <p:nvPr>
-            <p:ph type="sldNum" sz="quarter" idx="7"/>
-          </p:nvPr>
-        </p:nvSpPr>
-        <p:spPr>
-          <a:prstGeom prst="rect">
-            <a:avLst/>
-          </a:prstGeom>
-        </p:spPr>
-        <p:txBody>
-          <a:bodyPr vert="horz" wrap="square" lIns="0" tIns="0" rIns="0" bIns="0" rtlCol="0">
-            <a:spAutoFit/>
-          </a:bodyPr>
-          <a:lstStyle/>
-          <a:p>
-            <a:pPr marL="38100">
-              <a:lnSpc>
-                <a:spcPts val="1410"/>
-              </a:lnSpc>
-            </a:pPr>
-            <a:fld id="{81D60167-4931-47E6-BA6A-407CBD079E47}" type="slidenum">
-              <a:rPr dirty="0"/>
-              <a:t>9</a:t>
-            </a:fld>
-            <a:endParaRPr dirty="0"/>
+            <a:r>
+              <a:rPr lang="en-US" sz="3200" dirty="0">
+                <a:solidFill>
+                  <a:srgbClr val="04617A"/>
+                </a:solidFill>
+                <a:latin typeface="Times New Roman"/>
+                <a:ea typeface="+mj-ea"/>
+                <a:cs typeface="Times New Roman"/>
+              </a:rPr>
+              <a:t>ASSET MANAGEMENT SYSTEM</a:t>
+            </a:r>
+            <a:endParaRPr lang="en-IN" sz="3200" dirty="0">
+              <a:solidFill>
+                <a:srgbClr val="04617A"/>
+              </a:solidFill>
+              <a:latin typeface="Times New Roman"/>
+              <a:ea typeface="+mj-ea"/>
+              <a:cs typeface="Times New Roman"/>
+            </a:endParaRPr>
           </a:p>
         </p:txBody>
       </p:sp>
     </p:spTree>
+    <p:extLst>
+      <p:ext uri="{BB962C8B-B14F-4D97-AF65-F5344CB8AC3E}">
+        <p14:creationId xmlns:p14="http://schemas.microsoft.com/office/powerpoint/2010/main" val="2255007126"/>
+      </p:ext>
+    </p:extLst>
   </p:cSld>
   <p:clrMapOvr>
     <a:masterClrMapping/>

--- a/reports/ppt final.pptx
+++ b/reports/ppt final.pptx
@@ -7,23 +7,24 @@
   <p:sldIdLst>
     <p:sldId id="256" r:id="rId2"/>
     <p:sldId id="257" r:id="rId3"/>
-    <p:sldId id="258" r:id="rId4"/>
-    <p:sldId id="259" r:id="rId5"/>
-    <p:sldId id="260" r:id="rId6"/>
-    <p:sldId id="261" r:id="rId7"/>
-    <p:sldId id="267" r:id="rId8"/>
-    <p:sldId id="268" r:id="rId9"/>
-    <p:sldId id="269" r:id="rId10"/>
-    <p:sldId id="270" r:id="rId11"/>
-    <p:sldId id="271" r:id="rId12"/>
-    <p:sldId id="274" r:id="rId13"/>
-    <p:sldId id="275" r:id="rId14"/>
-    <p:sldId id="272" r:id="rId15"/>
-    <p:sldId id="273" r:id="rId16"/>
-    <p:sldId id="263" r:id="rId17"/>
+    <p:sldId id="276" r:id="rId4"/>
+    <p:sldId id="258" r:id="rId5"/>
+    <p:sldId id="259" r:id="rId6"/>
+    <p:sldId id="260" r:id="rId7"/>
+    <p:sldId id="261" r:id="rId8"/>
+    <p:sldId id="267" r:id="rId9"/>
+    <p:sldId id="268" r:id="rId10"/>
+    <p:sldId id="269" r:id="rId11"/>
+    <p:sldId id="270" r:id="rId12"/>
+    <p:sldId id="271" r:id="rId13"/>
+    <p:sldId id="274" r:id="rId14"/>
+    <p:sldId id="275" r:id="rId15"/>
+    <p:sldId id="272" r:id="rId16"/>
+    <p:sldId id="273" r:id="rId17"/>
     <p:sldId id="264" r:id="rId18"/>
-    <p:sldId id="265" r:id="rId19"/>
-    <p:sldId id="266" r:id="rId20"/>
+    <p:sldId id="263" r:id="rId19"/>
+    <p:sldId id="265" r:id="rId20"/>
+    <p:sldId id="266" r:id="rId21"/>
   </p:sldIdLst>
   <p:sldSz cx="9144000" cy="6858000" type="screen4x3"/>
   <p:notesSz cx="9144000" cy="6858000"/>
@@ -141,290 +142,6 @@
 </p:presentation>
 </file>
 
-<file path=ppt/changesInfos/changesInfo1.xml><?xml version="1.0" encoding="utf-8"?>
-<pc:chgInfo xmlns:a="http://schemas.openxmlformats.org/drawingml/2006/main" xmlns:r="http://schemas.openxmlformats.org/officeDocument/2006/relationships" xmlns:ac="http://schemas.microsoft.com/office/drawing/2013/main/command" xmlns:pc="http://schemas.microsoft.com/office/powerpoint/2013/main/command">
-  <pc:docChgLst>
-    <pc:chgData name="aravind s" userId="309525e656399af7" providerId="LiveId" clId="{DA0851F2-5AFA-4DF8-8B13-9D63F17353DC}"/>
-    <pc:docChg chg="undo redo custSel addSld modSld sldOrd">
-      <pc:chgData name="aravind s" userId="309525e656399af7" providerId="LiveId" clId="{DA0851F2-5AFA-4DF8-8B13-9D63F17353DC}" dt="2023-11-11T13:26:58.350" v="642" actId="113"/>
-      <pc:docMkLst>
-        <pc:docMk/>
-      </pc:docMkLst>
-      <pc:sldChg chg="modSp mod">
-        <pc:chgData name="aravind s" userId="309525e656399af7" providerId="LiveId" clId="{DA0851F2-5AFA-4DF8-8B13-9D63F17353DC}" dt="2023-11-11T13:02:07.219" v="464" actId="108"/>
-        <pc:sldMkLst>
-          <pc:docMk/>
-          <pc:sldMk cId="0" sldId="261"/>
-        </pc:sldMkLst>
-        <pc:spChg chg="mod">
-          <ac:chgData name="aravind s" userId="309525e656399af7" providerId="LiveId" clId="{DA0851F2-5AFA-4DF8-8B13-9D63F17353DC}" dt="2023-11-11T13:02:07.219" v="464" actId="108"/>
-          <ac:spMkLst>
-            <pc:docMk/>
-            <pc:sldMk cId="0" sldId="261"/>
-            <ac:spMk id="3" creationId="{00000000-0000-0000-0000-000000000000}"/>
-          </ac:spMkLst>
-        </pc:spChg>
-      </pc:sldChg>
-      <pc:sldChg chg="modSp mod">
-        <pc:chgData name="aravind s" userId="309525e656399af7" providerId="LiveId" clId="{DA0851F2-5AFA-4DF8-8B13-9D63F17353DC}" dt="2023-11-11T09:12:17.631" v="38" actId="1076"/>
-        <pc:sldMkLst>
-          <pc:docMk/>
-          <pc:sldMk cId="2488674538" sldId="267"/>
-        </pc:sldMkLst>
-        <pc:spChg chg="mod">
-          <ac:chgData name="aravind s" userId="309525e656399af7" providerId="LiveId" clId="{DA0851F2-5AFA-4DF8-8B13-9D63F17353DC}" dt="2023-11-11T09:12:17.631" v="38" actId="1076"/>
-          <ac:spMkLst>
-            <pc:docMk/>
-            <pc:sldMk cId="2488674538" sldId="267"/>
-            <ac:spMk id="2" creationId="{00000000-0000-0000-0000-000000000000}"/>
-          </ac:spMkLst>
-        </pc:spChg>
-      </pc:sldChg>
-      <pc:sldChg chg="addSp delSp modSp new mod">
-        <pc:chgData name="aravind s" userId="309525e656399af7" providerId="LiveId" clId="{DA0851F2-5AFA-4DF8-8B13-9D63F17353DC}" dt="2023-11-11T09:13:49.609" v="46" actId="14100"/>
-        <pc:sldMkLst>
-          <pc:docMk/>
-          <pc:sldMk cId="2180046696" sldId="268"/>
-        </pc:sldMkLst>
-        <pc:spChg chg="mod">
-          <ac:chgData name="aravind s" userId="309525e656399af7" providerId="LiveId" clId="{DA0851F2-5AFA-4DF8-8B13-9D63F17353DC}" dt="2023-11-11T09:13:49.609" v="46" actId="14100"/>
-          <ac:spMkLst>
-            <pc:docMk/>
-            <pc:sldMk cId="2180046696" sldId="268"/>
-            <ac:spMk id="2" creationId="{5F5B5D11-5B4B-9B19-EDE2-69D8077E0EBE}"/>
-          </ac:spMkLst>
-        </pc:spChg>
-        <pc:spChg chg="del mod">
-          <ac:chgData name="aravind s" userId="309525e656399af7" providerId="LiveId" clId="{DA0851F2-5AFA-4DF8-8B13-9D63F17353DC}" dt="2023-11-11T09:06:23.935" v="24" actId="21"/>
-          <ac:spMkLst>
-            <pc:docMk/>
-            <pc:sldMk cId="2180046696" sldId="268"/>
-            <ac:spMk id="3" creationId="{7C2AD53E-A34E-816F-7A3F-B5780162C4AB}"/>
-          </ac:spMkLst>
-        </pc:spChg>
-        <pc:spChg chg="add del">
-          <ac:chgData name="aravind s" userId="309525e656399af7" providerId="LiveId" clId="{DA0851F2-5AFA-4DF8-8B13-9D63F17353DC}" dt="2023-11-11T09:07:02.088" v="27" actId="478"/>
-          <ac:spMkLst>
-            <pc:docMk/>
-            <pc:sldMk cId="2180046696" sldId="268"/>
-            <ac:spMk id="6" creationId="{989BDFBB-A974-0786-A801-1D25EF1A9E4B}"/>
-          </ac:spMkLst>
-        </pc:spChg>
-        <pc:spChg chg="add mod">
-          <ac:chgData name="aravind s" userId="309525e656399af7" providerId="LiveId" clId="{DA0851F2-5AFA-4DF8-8B13-9D63F17353DC}" dt="2023-11-11T09:13:29.999" v="44" actId="1076"/>
-          <ac:spMkLst>
-            <pc:docMk/>
-            <pc:sldMk cId="2180046696" sldId="268"/>
-            <ac:spMk id="7" creationId="{52E77E46-3357-B867-2ADE-B2FA6E9F2261}"/>
-          </ac:spMkLst>
-        </pc:spChg>
-        <pc:picChg chg="add mod">
-          <ac:chgData name="aravind s" userId="309525e656399af7" providerId="LiveId" clId="{DA0851F2-5AFA-4DF8-8B13-9D63F17353DC}" dt="2023-11-11T09:11:57.178" v="36" actId="1076"/>
-          <ac:picMkLst>
-            <pc:docMk/>
-            <pc:sldMk cId="2180046696" sldId="268"/>
-            <ac:picMk id="5" creationId="{6F1A6A2F-C8F6-59A5-DCB0-32C7A0D537A8}"/>
-          </ac:picMkLst>
-        </pc:picChg>
-      </pc:sldChg>
-      <pc:sldChg chg="addSp delSp modSp new mod ord">
-        <pc:chgData name="aravind s" userId="309525e656399af7" providerId="LiveId" clId="{DA0851F2-5AFA-4DF8-8B13-9D63F17353DC}" dt="2023-11-11T09:20:54.031" v="147"/>
-        <pc:sldMkLst>
-          <pc:docMk/>
-          <pc:sldMk cId="2255007126" sldId="269"/>
-        </pc:sldMkLst>
-        <pc:spChg chg="mod">
-          <ac:chgData name="aravind s" userId="309525e656399af7" providerId="LiveId" clId="{DA0851F2-5AFA-4DF8-8B13-9D63F17353DC}" dt="2023-11-11T09:15:50.155" v="92" actId="20577"/>
-          <ac:spMkLst>
-            <pc:docMk/>
-            <pc:sldMk cId="2255007126" sldId="269"/>
-            <ac:spMk id="2" creationId="{F8C352ED-626E-EE26-0FBA-B804392B2EF8}"/>
-          </ac:spMkLst>
-        </pc:spChg>
-        <pc:spChg chg="del">
-          <ac:chgData name="aravind s" userId="309525e656399af7" providerId="LiveId" clId="{DA0851F2-5AFA-4DF8-8B13-9D63F17353DC}" dt="2023-11-11T09:09:51.873" v="29" actId="21"/>
-          <ac:spMkLst>
-            <pc:docMk/>
-            <pc:sldMk cId="2255007126" sldId="269"/>
-            <ac:spMk id="3" creationId="{05BE7A6B-8681-30B8-4F1A-A93D698D1666}"/>
-          </ac:spMkLst>
-        </pc:spChg>
-        <pc:spChg chg="add mod">
-          <ac:chgData name="aravind s" userId="309525e656399af7" providerId="LiveId" clId="{DA0851F2-5AFA-4DF8-8B13-9D63F17353DC}" dt="2023-11-11T09:15:25.409" v="55" actId="1076"/>
-          <ac:spMkLst>
-            <pc:docMk/>
-            <pc:sldMk cId="2255007126" sldId="269"/>
-            <ac:spMk id="5" creationId="{00143D6A-1400-3565-9CF5-1F8FABB41F35}"/>
-          </ac:spMkLst>
-        </pc:spChg>
-      </pc:sldChg>
-      <pc:sldChg chg="addSp modSp new mod">
-        <pc:chgData name="aravind s" userId="309525e656399af7" providerId="LiveId" clId="{DA0851F2-5AFA-4DF8-8B13-9D63F17353DC}" dt="2023-11-11T12:50:04.435" v="378" actId="1076"/>
-        <pc:sldMkLst>
-          <pc:docMk/>
-          <pc:sldMk cId="3423409003" sldId="270"/>
-        </pc:sldMkLst>
-        <pc:spChg chg="mod">
-          <ac:chgData name="aravind s" userId="309525e656399af7" providerId="LiveId" clId="{DA0851F2-5AFA-4DF8-8B13-9D63F17353DC}" dt="2023-11-11T09:18:02.718" v="99" actId="1076"/>
-          <ac:spMkLst>
-            <pc:docMk/>
-            <pc:sldMk cId="3423409003" sldId="270"/>
-            <ac:spMk id="2" creationId="{B4251640-C313-A998-627A-52F0A08F4BEE}"/>
-          </ac:spMkLst>
-        </pc:spChg>
-        <pc:spChg chg="mod">
-          <ac:chgData name="aravind s" userId="309525e656399af7" providerId="LiveId" clId="{DA0851F2-5AFA-4DF8-8B13-9D63F17353DC}" dt="2023-11-11T09:35:32.618" v="293" actId="1076"/>
-          <ac:spMkLst>
-            <pc:docMk/>
-            <pc:sldMk cId="3423409003" sldId="270"/>
-            <ac:spMk id="3" creationId="{505AF1EC-5E25-012D-9166-8F8D4759EBC5}"/>
-          </ac:spMkLst>
-        </pc:spChg>
-        <pc:spChg chg="add mod">
-          <ac:chgData name="aravind s" userId="309525e656399af7" providerId="LiveId" clId="{DA0851F2-5AFA-4DF8-8B13-9D63F17353DC}" dt="2023-11-11T12:50:04.435" v="378" actId="1076"/>
-          <ac:spMkLst>
-            <pc:docMk/>
-            <pc:sldMk cId="3423409003" sldId="270"/>
-            <ac:spMk id="4" creationId="{A0840B6E-970F-62B5-7D97-F41D9CFF0505}"/>
-          </ac:spMkLst>
-        </pc:spChg>
-      </pc:sldChg>
-      <pc:sldChg chg="modSp new mod">
-        <pc:chgData name="aravind s" userId="309525e656399af7" providerId="LiveId" clId="{DA0851F2-5AFA-4DF8-8B13-9D63F17353DC}" dt="2023-11-11T11:01:37.252" v="331" actId="20577"/>
-        <pc:sldMkLst>
-          <pc:docMk/>
-          <pc:sldMk cId="451339441" sldId="271"/>
-        </pc:sldMkLst>
-        <pc:spChg chg="mod">
-          <ac:chgData name="aravind s" userId="309525e656399af7" providerId="LiveId" clId="{DA0851F2-5AFA-4DF8-8B13-9D63F17353DC}" dt="2023-11-11T10:58:49.854" v="297" actId="1076"/>
-          <ac:spMkLst>
-            <pc:docMk/>
-            <pc:sldMk cId="451339441" sldId="271"/>
-            <ac:spMk id="2" creationId="{1AC5FFF8-1611-2591-6BFF-F5B0F9E3E8A9}"/>
-          </ac:spMkLst>
-        </pc:spChg>
-        <pc:spChg chg="mod">
-          <ac:chgData name="aravind s" userId="309525e656399af7" providerId="LiveId" clId="{DA0851F2-5AFA-4DF8-8B13-9D63F17353DC}" dt="2023-11-11T11:01:37.252" v="331" actId="20577"/>
-          <ac:spMkLst>
-            <pc:docMk/>
-            <pc:sldMk cId="451339441" sldId="271"/>
-            <ac:spMk id="3" creationId="{74F504E2-A9A2-834B-93DE-5ECFF056E9B6}"/>
-          </ac:spMkLst>
-        </pc:spChg>
-      </pc:sldChg>
-      <pc:sldChg chg="addSp modSp new mod">
-        <pc:chgData name="aravind s" userId="309525e656399af7" providerId="LiveId" clId="{DA0851F2-5AFA-4DF8-8B13-9D63F17353DC}" dt="2023-11-11T13:08:39.561" v="524" actId="1076"/>
-        <pc:sldMkLst>
-          <pc:docMk/>
-          <pc:sldMk cId="802960972" sldId="272"/>
-        </pc:sldMkLst>
-        <pc:spChg chg="mod">
-          <ac:chgData name="aravind s" userId="309525e656399af7" providerId="LiveId" clId="{DA0851F2-5AFA-4DF8-8B13-9D63F17353DC}" dt="2023-11-11T12:47:48.974" v="336" actId="1076"/>
-          <ac:spMkLst>
-            <pc:docMk/>
-            <pc:sldMk cId="802960972" sldId="272"/>
-            <ac:spMk id="2" creationId="{A6CF1E34-C387-4905-55B9-A2EE7D132C6C}"/>
-          </ac:spMkLst>
-        </pc:spChg>
-        <pc:spChg chg="mod">
-          <ac:chgData name="aravind s" userId="309525e656399af7" providerId="LiveId" clId="{DA0851F2-5AFA-4DF8-8B13-9D63F17353DC}" dt="2023-11-11T13:00:56.396" v="457" actId="1076"/>
-          <ac:spMkLst>
-            <pc:docMk/>
-            <pc:sldMk cId="802960972" sldId="272"/>
-            <ac:spMk id="3" creationId="{635804C6-AA79-FE0C-916A-EC37FF70275C}"/>
-          </ac:spMkLst>
-        </pc:spChg>
-        <pc:spChg chg="add mod">
-          <ac:chgData name="aravind s" userId="309525e656399af7" providerId="LiveId" clId="{DA0851F2-5AFA-4DF8-8B13-9D63F17353DC}" dt="2023-11-11T13:08:39.561" v="524" actId="1076"/>
-          <ac:spMkLst>
-            <pc:docMk/>
-            <pc:sldMk cId="802960972" sldId="272"/>
-            <ac:spMk id="4" creationId="{85752B1B-12B7-BF9A-C0BB-2EE6C834D9E4}"/>
-          </ac:spMkLst>
-        </pc:spChg>
-      </pc:sldChg>
-      <pc:sldChg chg="modSp new mod">
-        <pc:chgData name="aravind s" userId="309525e656399af7" providerId="LiveId" clId="{DA0851F2-5AFA-4DF8-8B13-9D63F17353DC}" dt="2023-11-11T13:08:45.780" v="525" actId="1076"/>
-        <pc:sldMkLst>
-          <pc:docMk/>
-          <pc:sldMk cId="3344762001" sldId="273"/>
-        </pc:sldMkLst>
-        <pc:spChg chg="mod">
-          <ac:chgData name="aravind s" userId="309525e656399af7" providerId="LiveId" clId="{DA0851F2-5AFA-4DF8-8B13-9D63F17353DC}" dt="2023-11-11T12:57:04.121" v="450" actId="1076"/>
-          <ac:spMkLst>
-            <pc:docMk/>
-            <pc:sldMk cId="3344762001" sldId="273"/>
-            <ac:spMk id="2" creationId="{DD4523B2-9356-7B49-24F8-2C3A9F1E9ACA}"/>
-          </ac:spMkLst>
-        </pc:spChg>
-        <pc:spChg chg="mod">
-          <ac:chgData name="aravind s" userId="309525e656399af7" providerId="LiveId" clId="{DA0851F2-5AFA-4DF8-8B13-9D63F17353DC}" dt="2023-11-11T13:08:45.780" v="525" actId="1076"/>
-          <ac:spMkLst>
-            <pc:docMk/>
-            <pc:sldMk cId="3344762001" sldId="273"/>
-            <ac:spMk id="3" creationId="{8325243B-AAB8-A786-8B75-1553E6F82D12}"/>
-          </ac:spMkLst>
-        </pc:spChg>
-      </pc:sldChg>
-      <pc:sldChg chg="addSp modSp new mod">
-        <pc:chgData name="aravind s" userId="309525e656399af7" providerId="LiveId" clId="{DA0851F2-5AFA-4DF8-8B13-9D63F17353DC}" dt="2023-11-11T13:26:58.350" v="642" actId="113"/>
-        <pc:sldMkLst>
-          <pc:docMk/>
-          <pc:sldMk cId="3322299202" sldId="274"/>
-        </pc:sldMkLst>
-        <pc:spChg chg="mod">
-          <ac:chgData name="aravind s" userId="309525e656399af7" providerId="LiveId" clId="{DA0851F2-5AFA-4DF8-8B13-9D63F17353DC}" dt="2023-11-11T13:13:40.079" v="532" actId="1076"/>
-          <ac:spMkLst>
-            <pc:docMk/>
-            <pc:sldMk cId="3322299202" sldId="274"/>
-            <ac:spMk id="2" creationId="{D7FB6302-8005-662F-6C48-E3B7AD4A28BC}"/>
-          </ac:spMkLst>
-        </pc:spChg>
-        <pc:spChg chg="mod">
-          <ac:chgData name="aravind s" userId="309525e656399af7" providerId="LiveId" clId="{DA0851F2-5AFA-4DF8-8B13-9D63F17353DC}" dt="2023-11-11T13:15:43.061" v="541" actId="1076"/>
-          <ac:spMkLst>
-            <pc:docMk/>
-            <pc:sldMk cId="3322299202" sldId="274"/>
-            <ac:spMk id="3" creationId="{581A460F-A65A-1852-F925-E44DB7EDB8C4}"/>
-          </ac:spMkLst>
-        </pc:spChg>
-        <pc:spChg chg="add mod">
-          <ac:chgData name="aravind s" userId="309525e656399af7" providerId="LiveId" clId="{DA0851F2-5AFA-4DF8-8B13-9D63F17353DC}" dt="2023-11-11T13:26:58.350" v="642" actId="113"/>
-          <ac:spMkLst>
-            <pc:docMk/>
-            <pc:sldMk cId="3322299202" sldId="274"/>
-            <ac:spMk id="4" creationId="{BAF39E03-3948-CB3B-5679-FD288AFAF95D}"/>
-          </ac:spMkLst>
-        </pc:spChg>
-      </pc:sldChg>
-      <pc:sldChg chg="modSp new mod">
-        <pc:chgData name="aravind s" userId="309525e656399af7" providerId="LiveId" clId="{DA0851F2-5AFA-4DF8-8B13-9D63F17353DC}" dt="2023-11-11T13:26:19.773" v="638" actId="113"/>
-        <pc:sldMkLst>
-          <pc:docMk/>
-          <pc:sldMk cId="1136706879" sldId="275"/>
-        </pc:sldMkLst>
-        <pc:spChg chg="mod">
-          <ac:chgData name="aravind s" userId="309525e656399af7" providerId="LiveId" clId="{DA0851F2-5AFA-4DF8-8B13-9D63F17353DC}" dt="2023-11-11T13:24:04.609" v="630" actId="1037"/>
-          <ac:spMkLst>
-            <pc:docMk/>
-            <pc:sldMk cId="1136706879" sldId="275"/>
-            <ac:spMk id="2" creationId="{F1936239-D7DD-0304-870F-00FC64DB39A0}"/>
-          </ac:spMkLst>
-        </pc:spChg>
-        <pc:spChg chg="mod">
-          <ac:chgData name="aravind s" userId="309525e656399af7" providerId="LiveId" clId="{DA0851F2-5AFA-4DF8-8B13-9D63F17353DC}" dt="2023-11-11T13:26:19.773" v="638" actId="113"/>
-          <ac:spMkLst>
-            <pc:docMk/>
-            <pc:sldMk cId="1136706879" sldId="275"/>
-            <ac:spMk id="3" creationId="{43A568BF-F188-2206-E2CF-E05A642B978E}"/>
-          </ac:spMkLst>
-        </pc:spChg>
-      </pc:sldChg>
-    </pc:docChg>
-  </pc:docChgLst>
-</pc:chgInfo>
-</file>
-
 <file path=ppt/slideLayouts/slideLayout1.xml><?xml version="1.0" encoding="utf-8"?>
 <p:sldLayout xmlns:a="http://schemas.openxmlformats.org/drawingml/2006/main" xmlns:r="http://schemas.openxmlformats.org/officeDocument/2006/relationships" xmlns:p="http://schemas.openxmlformats.org/presentationml/2006/main" type="obj" preserve="1">
   <p:cSld name="Title Slide">
@@ -564,7 +281,7 @@
           <a:p>
             <a:fld id="{1D8BD707-D9CF-40AE-B4C6-C98DA3205C09}" type="datetimeFigureOut">
               <a:rPr lang="en-US"/>
-              <a:t>11/11/2023</a:t>
+              <a:t>11/15/2023</a:t>
             </a:fld>
             <a:endParaRPr lang="en-US"/>
           </a:p>
@@ -745,7 +462,7 @@
           <a:p>
             <a:fld id="{1D8BD707-D9CF-40AE-B4C6-C98DA3205C09}" type="datetimeFigureOut">
               <a:rPr lang="en-US"/>
-              <a:t>11/11/2023</a:t>
+              <a:t>11/15/2023</a:t>
             </a:fld>
             <a:endParaRPr lang="en-US"/>
           </a:p>
@@ -965,7 +682,7 @@
           <a:p>
             <a:fld id="{1D8BD707-D9CF-40AE-B4C6-C98DA3205C09}" type="datetimeFigureOut">
               <a:rPr lang="en-US"/>
-              <a:t>11/11/2023</a:t>
+              <a:t>11/15/2023</a:t>
             </a:fld>
             <a:endParaRPr lang="en-US"/>
           </a:p>
@@ -1119,7 +836,7 @@
           <a:p>
             <a:fld id="{1D8BD707-D9CF-40AE-B4C6-C98DA3205C09}" type="datetimeFigureOut">
               <a:rPr lang="en-US"/>
-              <a:t>11/11/2023</a:t>
+              <a:t>11/15/2023</a:t>
             </a:fld>
             <a:endParaRPr lang="en-US"/>
           </a:p>
@@ -1244,7 +961,7 @@
           <a:p>
             <a:fld id="{1D8BD707-D9CF-40AE-B4C6-C98DA3205C09}" type="datetimeFigureOut">
               <a:rPr lang="en-US"/>
-              <a:t>11/11/2023</a:t>
+              <a:t>11/15/2023</a:t>
             </a:fld>
             <a:endParaRPr lang="en-US"/>
           </a:p>
@@ -2676,7 +2393,7 @@
           <a:p>
             <a:fld id="{1D8BD707-D9CF-40AE-B4C6-C98DA3205C09}" type="datetimeFigureOut">
               <a:rPr lang="en-US"/>
-              <a:t>11/11/2023</a:t>
+              <a:t>11/15/2023</a:t>
             </a:fld>
             <a:endParaRPr lang="en-US"/>
           </a:p>
@@ -3622,6 +3339,155 @@
           <p:cNvPr id="2" name="Title 1">
             <a:extLst>
               <a:ext uri="{FF2B5EF4-FFF2-40B4-BE49-F238E27FC236}">
+                <a16:creationId xmlns:a16="http://schemas.microsoft.com/office/drawing/2014/main" id="{F8C352ED-626E-EE26-0FBA-B804392B2EF8}"/>
+              </a:ext>
+            </a:extLst>
+          </p:cNvPr>
+          <p:cNvSpPr>
+            <a:spLocks noGrp="1"/>
+          </p:cNvSpPr>
+          <p:nvPr>
+            <p:ph type="title"/>
+          </p:nvPr>
+        </p:nvSpPr>
+        <p:spPr>
+          <a:xfrm>
+            <a:off x="444500" y="1676400"/>
+            <a:ext cx="8255000" cy="400110"/>
+          </a:xfrm>
+        </p:spPr>
+        <p:txBody>
+          <a:bodyPr/>
+          <a:lstStyle/>
+          <a:p>
+            <a:r>
+              <a:rPr lang="en-US" sz="2600" b="1" dirty="0">
+                <a:solidFill>
+                  <a:schemeClr val="tx1"/>
+                </a:solidFill>
+                <a:latin typeface="Times New Roman" panose="02020603050405020304" pitchFamily="18" charset="0"/>
+                <a:cs typeface="Times New Roman" panose="02020603050405020304" pitchFamily="18" charset="0"/>
+              </a:rPr>
+              <a:t>Architecture Diagram</a:t>
+            </a:r>
+            <a:endParaRPr lang="en-IN" sz="2600" dirty="0"/>
+          </a:p>
+        </p:txBody>
+      </p:sp>
+      <p:sp>
+        <p:nvSpPr>
+          <p:cNvPr id="5" name="TextBox 4">
+            <a:extLst>
+              <a:ext uri="{FF2B5EF4-FFF2-40B4-BE49-F238E27FC236}">
+                <a16:creationId xmlns:a16="http://schemas.microsoft.com/office/drawing/2014/main" id="{00143D6A-1400-3565-9CF5-1F8FABB41F35}"/>
+              </a:ext>
+            </a:extLst>
+          </p:cNvPr>
+          <p:cNvSpPr txBox="1"/>
+          <p:nvPr/>
+        </p:nvSpPr>
+        <p:spPr>
+          <a:xfrm>
+            <a:off x="1600200" y="685800"/>
+            <a:ext cx="6176912" cy="584775"/>
+          </a:xfrm>
+          <a:prstGeom prst="rect">
+            <a:avLst/>
+          </a:prstGeom>
+          <a:noFill/>
+        </p:spPr>
+        <p:txBody>
+          <a:bodyPr wrap="square">
+            <a:spAutoFit/>
+          </a:bodyPr>
+          <a:lstStyle/>
+          <a:p>
+            <a:r>
+              <a:rPr lang="en-US" sz="3200" dirty="0">
+                <a:solidFill>
+                  <a:srgbClr val="04617A"/>
+                </a:solidFill>
+                <a:latin typeface="Times New Roman"/>
+                <a:ea typeface="+mj-ea"/>
+                <a:cs typeface="Times New Roman"/>
+              </a:rPr>
+              <a:t>ASSET MANAGEMENT SYSTEM</a:t>
+            </a:r>
+            <a:endParaRPr lang="en-IN" sz="3200" dirty="0">
+              <a:solidFill>
+                <a:srgbClr val="04617A"/>
+              </a:solidFill>
+              <a:latin typeface="Times New Roman"/>
+              <a:ea typeface="+mj-ea"/>
+              <a:cs typeface="Times New Roman"/>
+            </a:endParaRPr>
+          </a:p>
+        </p:txBody>
+      </p:sp>
+      <p:pic>
+        <p:nvPicPr>
+          <p:cNvPr id="4" name="Picture 3">
+            <a:extLst>
+              <a:ext uri="{FF2B5EF4-FFF2-40B4-BE49-F238E27FC236}">
+                <a16:creationId xmlns:a16="http://schemas.microsoft.com/office/drawing/2014/main" id="{4169D8A9-D9DF-7217-3FE4-A40E411D5529}"/>
+              </a:ext>
+            </a:extLst>
+          </p:cNvPr>
+          <p:cNvPicPr>
+            <a:picLocks noChangeAspect="1"/>
+          </p:cNvPicPr>
+          <p:nvPr/>
+        </p:nvPicPr>
+        <p:blipFill rotWithShape="1">
+          <a:blip r:embed="rId2"/>
+          <a:srcRect r="60000" b="24363"/>
+          <a:stretch/>
+        </p:blipFill>
+        <p:spPr>
+          <a:xfrm>
+            <a:off x="1371600" y="2329368"/>
+            <a:ext cx="6405512" cy="3821755"/>
+          </a:xfrm>
+          <a:prstGeom prst="rect">
+            <a:avLst/>
+          </a:prstGeom>
+        </p:spPr>
+      </p:pic>
+    </p:spTree>
+    <p:extLst>
+      <p:ext uri="{BB962C8B-B14F-4D97-AF65-F5344CB8AC3E}">
+        <p14:creationId xmlns:p14="http://schemas.microsoft.com/office/powerpoint/2010/main" val="2255007126"/>
+      </p:ext>
+    </p:extLst>
+  </p:cSld>
+  <p:clrMapOvr>
+    <a:masterClrMapping/>
+  </p:clrMapOvr>
+</p:sld>
+</file>
+
+<file path=ppt/slides/slide11.xml><?xml version="1.0" encoding="utf-8"?>
+<p:sld xmlns:a="http://schemas.openxmlformats.org/drawingml/2006/main" xmlns:r="http://schemas.openxmlformats.org/officeDocument/2006/relationships" xmlns:p="http://schemas.openxmlformats.org/presentationml/2006/main">
+  <p:cSld>
+    <p:spTree>
+      <p:nvGrpSpPr>
+        <p:cNvPr id="1" name=""/>
+        <p:cNvGrpSpPr/>
+        <p:nvPr/>
+      </p:nvGrpSpPr>
+      <p:grpSpPr>
+        <a:xfrm>
+          <a:off x="0" y="0"/>
+          <a:ext cx="0" cy="0"/>
+          <a:chOff x="0" y="0"/>
+          <a:chExt cx="0" cy="0"/>
+        </a:xfrm>
+      </p:grpSpPr>
+      <p:sp>
+        <p:nvSpPr>
+          <p:cNvPr id="2" name="Title 1">
+            <a:extLst>
+              <a:ext uri="{FF2B5EF4-FFF2-40B4-BE49-F238E27FC236}">
                 <a16:creationId xmlns:a16="http://schemas.microsoft.com/office/drawing/2014/main" id="{B4251640-C313-A998-627A-52F0A08F4BEE}"/>
               </a:ext>
             </a:extLst>
@@ -3771,7 +3637,7 @@
                 <a:latin typeface="Times New Roman"/>
                 <a:cs typeface="Times New Roman"/>
               </a:rPr>
-              <a:t>	Overview: </a:t>
+              <a:t>	</a:t>
             </a:r>
             <a:r>
               <a:rPr lang="en-US" sz="1600" spc="-5" dirty="0">
@@ -3858,7 +3724,7 @@
 </p:sld>
 </file>
 
-<file path=ppt/slides/slide11.xml><?xml version="1.0" encoding="utf-8"?>
+<file path=ppt/slides/slide12.xml><?xml version="1.0" encoding="utf-8"?>
 <p:sld xmlns:a="http://schemas.openxmlformats.org/drawingml/2006/main" xmlns:r="http://schemas.openxmlformats.org/officeDocument/2006/relationships" xmlns:p="http://schemas.openxmlformats.org/presentationml/2006/main">
   <p:cSld>
     <p:spTree>
@@ -3997,7 +3863,7 @@
                 <a:latin typeface="Times New Roman"/>
                 <a:cs typeface="Times New Roman"/>
               </a:rPr>
-              <a:t>	 The Asset Management System enhances organizational efficiency by offering a centralized platform for managing assets, variants, and purchase transactions. Its user-friendly interface, coupled with the power of React.js, Node.js, Express, and MySQL, makes it a versatile and indispensable tool for any organization seeking to optimize its asset management processes.</a:t>
+              <a:t>	In the Asset Management System enhances organizational efficiency by offering a centralized platform for managing assets, variants, and purchase transactions. Its user-friendly interface, coupled with the power of React.js, Node.js, Express, and MySQL, makes it a versatile and indispensable tool for any organization seeking to optimize its asset management processes.</a:t>
             </a:r>
             <a:endParaRPr lang="en-IN" sz="1600" kern="1200" spc="-5" dirty="0">
               <a:latin typeface="Times New Roman"/>
@@ -4019,7 +3885,7 @@
 </p:sld>
 </file>
 
-<file path=ppt/slides/slide12.xml><?xml version="1.0" encoding="utf-8"?>
+<file path=ppt/slides/slide13.xml><?xml version="1.0" encoding="utf-8"?>
 <p:sld xmlns:a="http://schemas.openxmlformats.org/drawingml/2006/main" xmlns:r="http://schemas.openxmlformats.org/officeDocument/2006/relationships" xmlns:p="http://schemas.openxmlformats.org/presentationml/2006/main">
   <p:cSld>
     <p:spTree>
@@ -4216,7 +4082,7 @@
 </p:sld>
 </file>
 
-<file path=ppt/slides/slide13.xml><?xml version="1.0" encoding="utf-8"?>
+<file path=ppt/slides/slide14.xml><?xml version="1.0" encoding="utf-8"?>
 <p:sld xmlns:a="http://schemas.openxmlformats.org/drawingml/2006/main" xmlns:r="http://schemas.openxmlformats.org/officeDocument/2006/relationships" xmlns:p="http://schemas.openxmlformats.org/presentationml/2006/main">
   <p:cSld>
     <p:spTree>
@@ -4348,7 +4214,7 @@
                 <a:latin typeface="Times New Roman"/>
                 <a:cs typeface="Times New Roman"/>
               </a:rPr>
-              <a:t>The Purchase Transaction module streamlines the procurement process by allowing users to select and purchase products along with their specified variants. Users can easily navigate through available assets, select desired variants via checkboxes, and proceed with the purchase. This module ensures accuracy and efficiency in the procurement of assets. </a:t>
+              <a:t>The Purchase Transaction module streamlines the procurement        process by allowing users to select and purchase products along with their specified variants. Users can easily navigate through available assets, select desired variants via checkboxes, and proceed with the purchase. This module ensures accuracy and efficiency in the procurement of assets. </a:t>
             </a:r>
           </a:p>
           <a:p>
@@ -4369,7 +4235,7 @@
 </p:sld>
 </file>
 
-<file path=ppt/slides/slide14.xml><?xml version="1.0" encoding="utf-8"?>
+<file path=ppt/slides/slide15.xml><?xml version="1.0" encoding="utf-8"?>
 <p:sld xmlns:a="http://schemas.openxmlformats.org/drawingml/2006/main" xmlns:r="http://schemas.openxmlformats.org/officeDocument/2006/relationships" xmlns:p="http://schemas.openxmlformats.org/presentationml/2006/main">
   <p:cSld>
     <p:spTree>
@@ -4689,7 +4555,7 @@
 </p:sld>
 </file>
 
-<file path=ppt/slides/slide15.xml><?xml version="1.0" encoding="utf-8"?>
+<file path=ppt/slides/slide16.xml><?xml version="1.0" encoding="utf-8"?>
 <p:sld xmlns:a="http://schemas.openxmlformats.org/drawingml/2006/main" xmlns:r="http://schemas.openxmlformats.org/officeDocument/2006/relationships" xmlns:p="http://schemas.openxmlformats.org/presentationml/2006/main">
   <p:cSld>
     <p:spTree>
@@ -4914,105 +4780,6 @@
 </p:sld>
 </file>
 
-<file path=ppt/slides/slide16.xml><?xml version="1.0" encoding="utf-8"?>
-<p:sld xmlns:a="http://schemas.openxmlformats.org/drawingml/2006/main" xmlns:r="http://schemas.openxmlformats.org/officeDocument/2006/relationships" xmlns:p="http://schemas.openxmlformats.org/presentationml/2006/main">
-  <p:cSld>
-    <p:spTree>
-      <p:nvGrpSpPr>
-        <p:cNvPr id="1" name=""/>
-        <p:cNvGrpSpPr/>
-        <p:nvPr/>
-      </p:nvGrpSpPr>
-      <p:grpSpPr>
-        <a:xfrm>
-          <a:off x="0" y="0"/>
-          <a:ext cx="0" cy="0"/>
-          <a:chOff x="0" y="0"/>
-          <a:chExt cx="0" cy="0"/>
-        </a:xfrm>
-      </p:grpSpPr>
-      <p:sp>
-        <p:nvSpPr>
-          <p:cNvPr id="2" name="object 2"/>
-          <p:cNvSpPr txBox="1">
-            <a:spLocks noGrp="1"/>
-          </p:cNvSpPr>
-          <p:nvPr>
-            <p:ph type="title"/>
-          </p:nvPr>
-        </p:nvSpPr>
-        <p:spPr>
-          <a:xfrm>
-            <a:off x="444500" y="1047750"/>
-            <a:ext cx="1574165" cy="787400"/>
-          </a:xfrm>
-          <a:prstGeom prst="rect">
-            <a:avLst/>
-          </a:prstGeom>
-        </p:spPr>
-        <p:txBody>
-          <a:bodyPr vert="horz" wrap="square" lIns="0" tIns="12700" rIns="0" bIns="0" rtlCol="0">
-            <a:spAutoFit/>
-          </a:bodyPr>
-          <a:lstStyle/>
-          <a:p>
-            <a:pPr marL="12700">
-              <a:lnSpc>
-                <a:spcPct val="100000"/>
-              </a:lnSpc>
-              <a:spcBef>
-                <a:spcPts val="100"/>
-              </a:spcBef>
-            </a:pPr>
-            <a:r>
-              <a:rPr spc="-5" dirty="0"/>
-              <a:t>Demo</a:t>
-            </a:r>
-          </a:p>
-        </p:txBody>
-      </p:sp>
-      <p:sp>
-        <p:nvSpPr>
-          <p:cNvPr id="3" name="object 3"/>
-          <p:cNvSpPr txBox="1">
-            <a:spLocks noGrp="1"/>
-          </p:cNvSpPr>
-          <p:nvPr>
-            <p:ph type="sldNum" sz="quarter" idx="7"/>
-          </p:nvPr>
-        </p:nvSpPr>
-        <p:spPr>
-          <a:prstGeom prst="rect">
-            <a:avLst/>
-          </a:prstGeom>
-        </p:spPr>
-        <p:txBody>
-          <a:bodyPr vert="horz" wrap="square" lIns="0" tIns="0" rIns="0" bIns="0" rtlCol="0">
-            <a:spAutoFit/>
-          </a:bodyPr>
-          <a:lstStyle/>
-          <a:p>
-            <a:pPr marL="38100">
-              <a:lnSpc>
-                <a:spcPts val="1410"/>
-              </a:lnSpc>
-            </a:pPr>
-            <a:fld id="{81D60167-4931-47E6-BA6A-407CBD079E47}" type="slidenum">
-              <a:rPr dirty="0"/>
-              <a:t>16</a:t>
-            </a:fld>
-            <a:endParaRPr dirty="0"/>
-          </a:p>
-        </p:txBody>
-      </p:sp>
-    </p:spTree>
-  </p:cSld>
-  <p:clrMapOvr>
-    <a:masterClrMapping/>
-  </p:clrMapOvr>
-</p:sld>
-</file>
-
 <file path=ppt/slides/slide17.xml><?xml version="1.0" encoding="utf-8"?>
 <p:sld xmlns:a="http://schemas.openxmlformats.org/drawingml/2006/main" xmlns:r="http://schemas.openxmlformats.org/officeDocument/2006/relationships" xmlns:p="http://schemas.openxmlformats.org/presentationml/2006/main">
   <p:cSld>
@@ -5042,8 +4809,8 @@
         </p:nvSpPr>
         <p:spPr>
           <a:xfrm>
-            <a:off x="444500" y="1047750"/>
-            <a:ext cx="1870710" cy="787400"/>
+            <a:off x="478865" y="685800"/>
+            <a:ext cx="8255000" cy="787400"/>
           </a:xfrm>
           <a:prstGeom prst="rect">
             <a:avLst/>
@@ -5070,6 +4837,38 @@
           </a:p>
         </p:txBody>
       </p:sp>
+      <p:pic>
+        <p:nvPicPr>
+          <p:cNvPr id="7" name="Content Placeholder 6">
+            <a:extLst>
+              <a:ext uri="{FF2B5EF4-FFF2-40B4-BE49-F238E27FC236}">
+                <a16:creationId xmlns:a16="http://schemas.microsoft.com/office/drawing/2014/main" id="{D4F60529-E961-21C8-1ED4-F59842331652}"/>
+              </a:ext>
+            </a:extLst>
+          </p:cNvPr>
+          <p:cNvPicPr>
+            <a:picLocks noGrp="1" noChangeAspect="1"/>
+          </p:cNvPicPr>
+          <p:nvPr>
+            <p:ph sz="half" idx="3"/>
+          </p:nvPr>
+        </p:nvPicPr>
+        <p:blipFill>
+          <a:blip r:embed="rId2"/>
+          <a:stretch>
+            <a:fillRect/>
+          </a:stretch>
+        </p:blipFill>
+        <p:spPr>
+          <a:xfrm>
+            <a:off x="4708525" y="1577340"/>
+            <a:ext cx="4359275" cy="4526279"/>
+          </a:xfrm>
+          <a:prstGeom prst="rect">
+            <a:avLst/>
+          </a:prstGeom>
+        </p:spPr>
+      </p:pic>
       <p:sp>
         <p:nvSpPr>
           <p:cNvPr id="3" name="object 3"/>
@@ -5081,6 +4880,10 @@
           </p:nvPr>
         </p:nvSpPr>
         <p:spPr>
+          <a:xfrm>
+            <a:off x="8496300" y="6536393"/>
+            <a:ext cx="228600" cy="179536"/>
+          </a:xfrm>
           <a:prstGeom prst="rect">
             <a:avLst/>
           </a:prstGeom>
@@ -5096,10 +4899,167 @@
                 <a:spcPts val="1410"/>
               </a:lnSpc>
             </a:pPr>
-            <a:fld id="{81D60167-4931-47E6-BA6A-407CBD079E47}" type="slidenum">
-              <a:rPr dirty="0"/>
-              <a:t>17</a:t>
-            </a:fld>
+            <a:endParaRPr dirty="0"/>
+          </a:p>
+        </p:txBody>
+      </p:sp>
+      <p:pic>
+        <p:nvPicPr>
+          <p:cNvPr id="6" name="Content Placeholder 5">
+            <a:extLst>
+              <a:ext uri="{FF2B5EF4-FFF2-40B4-BE49-F238E27FC236}">
+                <a16:creationId xmlns:a16="http://schemas.microsoft.com/office/drawing/2014/main" id="{A1841FDB-D3EF-D2AD-D9D4-D0CB1CB598AB}"/>
+              </a:ext>
+            </a:extLst>
+          </p:cNvPr>
+          <p:cNvPicPr>
+            <a:picLocks noGrp="1" noChangeAspect="1"/>
+          </p:cNvPicPr>
+          <p:nvPr>
+            <p:ph sz="half" idx="2"/>
+          </p:nvPr>
+        </p:nvPicPr>
+        <p:blipFill>
+          <a:blip r:embed="rId3">
+            <a:extLst>
+              <a:ext uri="{28A0092B-C50C-407E-A947-70E740481C1C}">
+                <a14:useLocalDpi xmlns:a14="http://schemas.microsoft.com/office/drawing/2010/main" val="0"/>
+              </a:ext>
+            </a:extLst>
+          </a:blip>
+          <a:stretch>
+            <a:fillRect/>
+          </a:stretch>
+        </p:blipFill>
+        <p:spPr>
+          <a:xfrm>
+            <a:off x="228600" y="1577340"/>
+            <a:ext cx="4479925" cy="4526280"/>
+          </a:xfrm>
+          <a:prstGeom prst="rect">
+            <a:avLst/>
+          </a:prstGeom>
+        </p:spPr>
+      </p:pic>
+    </p:spTree>
+  </p:cSld>
+  <p:clrMapOvr>
+    <a:masterClrMapping/>
+  </p:clrMapOvr>
+</p:sld>
+</file>
+
+<file path=ppt/slides/slide18.xml><?xml version="1.0" encoding="utf-8"?>
+<p:sld xmlns:a="http://schemas.openxmlformats.org/drawingml/2006/main" xmlns:r="http://schemas.openxmlformats.org/officeDocument/2006/relationships" xmlns:p="http://schemas.openxmlformats.org/presentationml/2006/main">
+  <p:cSld>
+    <p:spTree>
+      <p:nvGrpSpPr>
+        <p:cNvPr id="1" name=""/>
+        <p:cNvGrpSpPr/>
+        <p:nvPr/>
+      </p:nvGrpSpPr>
+      <p:grpSpPr>
+        <a:xfrm>
+          <a:off x="0" y="0"/>
+          <a:ext cx="0" cy="0"/>
+          <a:chOff x="0" y="0"/>
+          <a:chExt cx="0" cy="0"/>
+        </a:xfrm>
+      </p:grpSpPr>
+      <p:pic>
+        <p:nvPicPr>
+          <p:cNvPr id="11" name="Content Placeholder 10">
+            <a:extLst>
+              <a:ext uri="{FF2B5EF4-FFF2-40B4-BE49-F238E27FC236}">
+                <a16:creationId xmlns:a16="http://schemas.microsoft.com/office/drawing/2014/main" id="{B584D765-5387-EEFF-01F0-42FE9BCCEEA4}"/>
+              </a:ext>
+            </a:extLst>
+          </p:cNvPr>
+          <p:cNvPicPr>
+            <a:picLocks noGrp="1" noChangeAspect="1"/>
+          </p:cNvPicPr>
+          <p:nvPr>
+            <p:ph sz="half" idx="2"/>
+          </p:nvPr>
+        </p:nvPicPr>
+        <p:blipFill>
+          <a:blip r:embed="rId2"/>
+          <a:stretch>
+            <a:fillRect/>
+          </a:stretch>
+        </p:blipFill>
+        <p:spPr>
+          <a:xfrm>
+            <a:off x="152400" y="1524000"/>
+            <a:ext cx="4283075" cy="4571999"/>
+          </a:xfrm>
+          <a:prstGeom prst="rect">
+            <a:avLst/>
+          </a:prstGeom>
+        </p:spPr>
+      </p:pic>
+      <p:pic>
+        <p:nvPicPr>
+          <p:cNvPr id="12" name="Content Placeholder 11">
+            <a:extLst>
+              <a:ext uri="{FF2B5EF4-FFF2-40B4-BE49-F238E27FC236}">
+                <a16:creationId xmlns:a16="http://schemas.microsoft.com/office/drawing/2014/main" id="{4075D7FC-29DA-4302-4DB2-304F6A423E97}"/>
+              </a:ext>
+            </a:extLst>
+          </p:cNvPr>
+          <p:cNvPicPr>
+            <a:picLocks noGrp="1" noChangeAspect="1"/>
+          </p:cNvPicPr>
+          <p:nvPr>
+            <p:ph sz="half" idx="3"/>
+          </p:nvPr>
+        </p:nvPicPr>
+        <p:blipFill>
+          <a:blip r:embed="rId3"/>
+          <a:stretch>
+            <a:fillRect/>
+          </a:stretch>
+        </p:blipFill>
+        <p:spPr>
+          <a:xfrm>
+            <a:off x="4435475" y="1524000"/>
+            <a:ext cx="4479925" cy="4571999"/>
+          </a:xfrm>
+          <a:prstGeom prst="rect">
+            <a:avLst/>
+          </a:prstGeom>
+        </p:spPr>
+      </p:pic>
+      <p:sp>
+        <p:nvSpPr>
+          <p:cNvPr id="3" name="object 3"/>
+          <p:cNvSpPr txBox="1">
+            <a:spLocks noGrp="1"/>
+          </p:cNvSpPr>
+          <p:nvPr>
+            <p:ph type="sldNum" sz="quarter" idx="7"/>
+          </p:nvPr>
+        </p:nvSpPr>
+        <p:spPr>
+          <a:xfrm>
+            <a:off x="8496300" y="6536393"/>
+            <a:ext cx="228600" cy="179536"/>
+          </a:xfrm>
+          <a:prstGeom prst="rect">
+            <a:avLst/>
+          </a:prstGeom>
+        </p:spPr>
+        <p:txBody>
+          <a:bodyPr vert="horz" wrap="square" lIns="0" tIns="0" rIns="0" bIns="0" rtlCol="0">
+            <a:spAutoFit/>
+          </a:bodyPr>
+          <a:lstStyle/>
+          <a:p>
+            <a:pPr marL="38100">
+              <a:lnSpc>
+                <a:spcPts val="1410"/>
+              </a:lnSpc>
+            </a:pPr>
             <a:endParaRPr dirty="0"/>
           </a:p>
         </p:txBody>
@@ -5112,7 +5072,7 @@
 </p:sld>
 </file>
 
-<file path=ppt/slides/slide18.xml><?xml version="1.0" encoding="utf-8"?>
+<file path=ppt/slides/slide19.xml><?xml version="1.0" encoding="utf-8"?>
 <p:sld xmlns:a="http://schemas.openxmlformats.org/drawingml/2006/main" xmlns:r="http://schemas.openxmlformats.org/officeDocument/2006/relationships" xmlns:p="http://schemas.openxmlformats.org/presentationml/2006/main">
   <p:cSld>
     <p:spTree>
@@ -5171,108 +5131,48 @@
       </p:sp>
       <p:sp>
         <p:nvSpPr>
-          <p:cNvPr id="3" name="object 3"/>
-          <p:cNvSpPr txBox="1">
-            <a:spLocks noGrp="1"/>
-          </p:cNvSpPr>
-          <p:nvPr>
-            <p:ph type="sldNum" sz="quarter" idx="7"/>
-          </p:nvPr>
-        </p:nvSpPr>
-        <p:spPr>
-          <a:prstGeom prst="rect">
-            <a:avLst/>
-          </a:prstGeom>
-        </p:spPr>
-        <p:txBody>
-          <a:bodyPr vert="horz" wrap="square" lIns="0" tIns="0" rIns="0" bIns="0" rtlCol="0">
-            <a:spAutoFit/>
-          </a:bodyPr>
-          <a:lstStyle/>
-          <a:p>
-            <a:pPr marL="38100">
-              <a:lnSpc>
-                <a:spcPts val="1410"/>
-              </a:lnSpc>
-            </a:pPr>
-            <a:fld id="{81D60167-4931-47E6-BA6A-407CBD079E47}" type="slidenum">
-              <a:rPr dirty="0"/>
-              <a:t>18</a:t>
-            </a:fld>
-            <a:endParaRPr dirty="0"/>
-          </a:p>
-        </p:txBody>
-      </p:sp>
-    </p:spTree>
-  </p:cSld>
-  <p:clrMapOvr>
-    <a:masterClrMapping/>
-  </p:clrMapOvr>
-</p:sld>
-</file>
-
-<file path=ppt/slides/slide19.xml><?xml version="1.0" encoding="utf-8"?>
-<p:sld xmlns:a="http://schemas.openxmlformats.org/drawingml/2006/main" xmlns:r="http://schemas.openxmlformats.org/officeDocument/2006/relationships" xmlns:p="http://schemas.openxmlformats.org/presentationml/2006/main">
-  <p:cSld>
-    <p:spTree>
-      <p:nvGrpSpPr>
-        <p:cNvPr id="1" name=""/>
-        <p:cNvGrpSpPr/>
-        <p:nvPr/>
-      </p:nvGrpSpPr>
-      <p:grpSpPr>
-        <a:xfrm>
-          <a:off x="0" y="0"/>
-          <a:ext cx="0" cy="0"/>
-          <a:chOff x="0" y="0"/>
-          <a:chExt cx="0" cy="0"/>
-        </a:xfrm>
-      </p:grpSpPr>
-      <p:sp>
-        <p:nvSpPr>
-          <p:cNvPr id="2" name="object 2"/>
-          <p:cNvSpPr txBox="1">
-            <a:spLocks noGrp="1"/>
-          </p:cNvSpPr>
-          <p:nvPr>
-            <p:ph type="title"/>
-          </p:nvPr>
+          <p:cNvPr id="5" name="TextBox 4">
+            <a:extLst>
+              <a:ext uri="{FF2B5EF4-FFF2-40B4-BE49-F238E27FC236}">
+                <a16:creationId xmlns:a16="http://schemas.microsoft.com/office/drawing/2014/main" id="{684EF12A-1514-F8B2-378D-1ECAE2A6C026}"/>
+              </a:ext>
+            </a:extLst>
+          </p:cNvPr>
+          <p:cNvSpPr txBox="1"/>
+          <p:nvPr/>
         </p:nvSpPr>
         <p:spPr>
           <a:xfrm>
-            <a:off x="444500" y="1047750"/>
-            <a:ext cx="5441950" cy="787400"/>
+            <a:off x="444500" y="2138695"/>
+            <a:ext cx="7937500" cy="2633413"/>
           </a:xfrm>
           <a:prstGeom prst="rect">
             <a:avLst/>
           </a:prstGeom>
+          <a:noFill/>
         </p:spPr>
         <p:txBody>
-          <a:bodyPr vert="horz" wrap="square" lIns="0" tIns="12700" rIns="0" bIns="0" rtlCol="0">
+          <a:bodyPr wrap="square">
             <a:spAutoFit/>
           </a:bodyPr>
           <a:lstStyle/>
           <a:p>
-            <a:pPr marL="12700">
-              <a:lnSpc>
-                <a:spcPct val="100000"/>
-              </a:lnSpc>
-              <a:spcBef>
-                <a:spcPts val="100"/>
-              </a:spcBef>
-            </a:pPr>
-            <a:r>
-              <a:rPr spc="-5" dirty="0"/>
-              <a:t>Future</a:t>
-            </a:r>
-            <a:r>
-              <a:rPr spc="-95" dirty="0"/>
-              <a:t> </a:t>
-            </a:r>
-            <a:r>
-              <a:rPr spc="-5" dirty="0"/>
-              <a:t>Enhancement</a:t>
-            </a:r>
+            <a:pPr algn="just">
+              <a:lnSpc>
+                <a:spcPct val="150000"/>
+              </a:lnSpc>
+            </a:pPr>
+            <a:r>
+              <a:rPr lang="en-US" sz="1600" spc="-5" dirty="0">
+                <a:latin typeface="Times New Roman"/>
+                <a:cs typeface="Times New Roman"/>
+              </a:rPr>
+              <a:t> 	The Asset Management System project has successfully implemented a user-friendly solution using React.js, Node.js, Express, and MySQL. With modules for user authentication, asset and variant management and efficient search capabilities, the system provides a comprehensive platform for seamless asset tracking. The deployment-ready application showcases a modular design, data accuracy, and scalability. As we move towards implementation, the Asset Management System is poised to enhance operational efficiency, offering a robust solution to meet the evolving asset management needs of our organization.</a:t>
+            </a:r>
+            <a:endParaRPr lang="en-IN" sz="1600" spc="-5" dirty="0">
+              <a:latin typeface="Times New Roman"/>
+              <a:cs typeface="Times New Roman"/>
+            </a:endParaRPr>
           </a:p>
         </p:txBody>
       </p:sp>
@@ -5444,14 +5344,14 @@
                 <a:latin typeface="Times New Roman" panose="02020603050405020304" pitchFamily="18" charset="0"/>
                 <a:cs typeface="Times New Roman" panose="02020603050405020304" pitchFamily="18" charset="0"/>
               </a:rPr>
-              <a:t>In this project, developed a system as a search engine for </a:t>
+              <a:t>In this project,  we developed a system for </a:t>
             </a:r>
             <a:r>
               <a:rPr lang="en-US" dirty="0">
                 <a:latin typeface="Times New Roman"/>
                 <a:cs typeface="Times New Roman"/>
               </a:rPr>
-              <a:t>effective asset management is crucial for organizations to optimize their resources and streamline operations. This abstract introduces an innovative Asset Management System built on the MERN (My SQL, Express, React, Node) stack, designed to efficiently manage product data. This web-based solution offers a comprehensive approach</a:t>
+              <a:t>effective  management  of asset  for organizations to optimize their resources and streamline operations. This abstract introduces an innovative Asset Management System built on the MERN (MySQL, Express, React, Node) stack, designed to efficiently manage product data. This web-based solution offers a comprehensive approach</a:t>
             </a:r>
             <a:r>
               <a:rPr lang="en-US" spc="-10" dirty="0">
@@ -5562,7 +5462,270 @@
 </p:sld>
 </file>
 
+<file path=ppt/slides/slide20.xml><?xml version="1.0" encoding="utf-8"?>
+<p:sld xmlns:a="http://schemas.openxmlformats.org/drawingml/2006/main" xmlns:r="http://schemas.openxmlformats.org/officeDocument/2006/relationships" xmlns:p="http://schemas.openxmlformats.org/presentationml/2006/main">
+  <p:cSld>
+    <p:spTree>
+      <p:nvGrpSpPr>
+        <p:cNvPr id="1" name=""/>
+        <p:cNvGrpSpPr/>
+        <p:nvPr/>
+      </p:nvGrpSpPr>
+      <p:grpSpPr>
+        <a:xfrm>
+          <a:off x="0" y="0"/>
+          <a:ext cx="0" cy="0"/>
+          <a:chOff x="0" y="0"/>
+          <a:chExt cx="0" cy="0"/>
+        </a:xfrm>
+      </p:grpSpPr>
+      <p:sp>
+        <p:nvSpPr>
+          <p:cNvPr id="2" name="object 2"/>
+          <p:cNvSpPr txBox="1">
+            <a:spLocks noGrp="1"/>
+          </p:cNvSpPr>
+          <p:nvPr>
+            <p:ph type="title"/>
+          </p:nvPr>
+        </p:nvSpPr>
+        <p:spPr>
+          <a:xfrm>
+            <a:off x="444500" y="1047750"/>
+            <a:ext cx="5441950" cy="787400"/>
+          </a:xfrm>
+          <a:prstGeom prst="rect">
+            <a:avLst/>
+          </a:prstGeom>
+        </p:spPr>
+        <p:txBody>
+          <a:bodyPr vert="horz" wrap="square" lIns="0" tIns="12700" rIns="0" bIns="0" rtlCol="0">
+            <a:spAutoFit/>
+          </a:bodyPr>
+          <a:lstStyle/>
+          <a:p>
+            <a:pPr marL="12700">
+              <a:lnSpc>
+                <a:spcPct val="100000"/>
+              </a:lnSpc>
+              <a:spcBef>
+                <a:spcPts val="100"/>
+              </a:spcBef>
+            </a:pPr>
+            <a:r>
+              <a:rPr spc="-5" dirty="0"/>
+              <a:t>Future</a:t>
+            </a:r>
+            <a:r>
+              <a:rPr spc="-95" dirty="0"/>
+              <a:t> </a:t>
+            </a:r>
+            <a:r>
+              <a:rPr spc="-5" dirty="0"/>
+              <a:t>Enhancement</a:t>
+            </a:r>
+          </a:p>
+        </p:txBody>
+      </p:sp>
+      <p:sp>
+        <p:nvSpPr>
+          <p:cNvPr id="6" name="TextBox 5">
+            <a:extLst>
+              <a:ext uri="{FF2B5EF4-FFF2-40B4-BE49-F238E27FC236}">
+                <a16:creationId xmlns:a16="http://schemas.microsoft.com/office/drawing/2014/main" id="{DD25F84B-6D36-2343-6CA7-9BBD504BA079}"/>
+              </a:ext>
+            </a:extLst>
+          </p:cNvPr>
+          <p:cNvSpPr txBox="1"/>
+          <p:nvPr/>
+        </p:nvSpPr>
+        <p:spPr>
+          <a:xfrm>
+            <a:off x="533400" y="2514600"/>
+            <a:ext cx="8077200" cy="1894749"/>
+          </a:xfrm>
+          <a:prstGeom prst="rect">
+            <a:avLst/>
+          </a:prstGeom>
+          <a:noFill/>
+        </p:spPr>
+        <p:txBody>
+          <a:bodyPr wrap="square">
+            <a:spAutoFit/>
+          </a:bodyPr>
+          <a:lstStyle/>
+          <a:p>
+            <a:pPr algn="just">
+              <a:lnSpc>
+                <a:spcPct val="150000"/>
+              </a:lnSpc>
+            </a:pPr>
+            <a:r>
+              <a:rPr lang="en-US" sz="1600" dirty="0">
+                <a:latin typeface="Times New Roman" panose="02020603050405020304" pitchFamily="18" charset="0"/>
+                <a:cs typeface="Times New Roman" panose="02020603050405020304" pitchFamily="18" charset="0"/>
+              </a:rPr>
+              <a:t>	In our roadmap for future enhancements, we prioritize the application with advanced search filters. Another significant upgrade includes the capability to add images to product profiles, providing a visual dimension to asset management. Recognizing the increasing demand for on-the-go access, we are exploring the development of a mobile compatibility, offering users the flexibility to manage assets from their </a:t>
+            </a:r>
+            <a:r>
+              <a:rPr lang="en-US" sz="1600">
+                <a:latin typeface="Times New Roman" panose="02020603050405020304" pitchFamily="18" charset="0"/>
+                <a:cs typeface="Times New Roman" panose="02020603050405020304" pitchFamily="18" charset="0"/>
+              </a:rPr>
+              <a:t>smartphones.</a:t>
+            </a:r>
+            <a:endParaRPr lang="en-IN" sz="1600" dirty="0">
+              <a:latin typeface="Times New Roman" panose="02020603050405020304" pitchFamily="18" charset="0"/>
+              <a:cs typeface="Times New Roman" panose="02020603050405020304" pitchFamily="18" charset="0"/>
+            </a:endParaRPr>
+          </a:p>
+        </p:txBody>
+      </p:sp>
+    </p:spTree>
+  </p:cSld>
+  <p:clrMapOvr>
+    <a:masterClrMapping/>
+  </p:clrMapOvr>
+</p:sld>
+</file>
+
 <file path=ppt/slides/slide3.xml><?xml version="1.0" encoding="utf-8"?>
+<p:sld xmlns:a="http://schemas.openxmlformats.org/drawingml/2006/main" xmlns:r="http://schemas.openxmlformats.org/officeDocument/2006/relationships" xmlns:p="http://schemas.openxmlformats.org/presentationml/2006/main">
+  <p:cSld>
+    <p:spTree>
+      <p:nvGrpSpPr>
+        <p:cNvPr id="1" name=""/>
+        <p:cNvGrpSpPr/>
+        <p:nvPr/>
+      </p:nvGrpSpPr>
+      <p:grpSpPr>
+        <a:xfrm>
+          <a:off x="0" y="0"/>
+          <a:ext cx="0" cy="0"/>
+          <a:chOff x="0" y="0"/>
+          <a:chExt cx="0" cy="0"/>
+        </a:xfrm>
+      </p:grpSpPr>
+      <p:sp>
+        <p:nvSpPr>
+          <p:cNvPr id="2" name="Title 1">
+            <a:extLst>
+              <a:ext uri="{FF2B5EF4-FFF2-40B4-BE49-F238E27FC236}">
+                <a16:creationId xmlns:a16="http://schemas.microsoft.com/office/drawing/2014/main" id="{2C00666C-586C-E736-0FDD-40998D48DF44}"/>
+              </a:ext>
+            </a:extLst>
+          </p:cNvPr>
+          <p:cNvSpPr>
+            <a:spLocks noGrp="1"/>
+          </p:cNvSpPr>
+          <p:nvPr>
+            <p:ph type="title"/>
+          </p:nvPr>
+        </p:nvSpPr>
+        <p:spPr>
+          <a:xfrm>
+            <a:off x="2133600" y="838200"/>
+            <a:ext cx="8255000" cy="492443"/>
+          </a:xfrm>
+        </p:spPr>
+        <p:txBody>
+          <a:bodyPr/>
+          <a:lstStyle/>
+          <a:p>
+            <a:r>
+              <a:rPr lang="en-US" sz="3200" dirty="0">
+                <a:latin typeface="Times New Roman"/>
+                <a:cs typeface="Times New Roman"/>
+              </a:rPr>
+              <a:t>ASSET MANAGEMENT SYSTEM</a:t>
+            </a:r>
+            <a:endParaRPr lang="en-IN" sz="3200" dirty="0">
+              <a:latin typeface="Times New Roman"/>
+              <a:cs typeface="Times New Roman"/>
+            </a:endParaRPr>
+          </a:p>
+        </p:txBody>
+      </p:sp>
+      <p:sp>
+        <p:nvSpPr>
+          <p:cNvPr id="3" name="Text Placeholder 2">
+            <a:extLst>
+              <a:ext uri="{FF2B5EF4-FFF2-40B4-BE49-F238E27FC236}">
+                <a16:creationId xmlns:a16="http://schemas.microsoft.com/office/drawing/2014/main" id="{ECA512FF-0FEA-2DDF-EB5A-244B2A249D1A}"/>
+              </a:ext>
+            </a:extLst>
+          </p:cNvPr>
+          <p:cNvSpPr>
+            <a:spLocks noGrp="1"/>
+          </p:cNvSpPr>
+          <p:nvPr>
+            <p:ph type="body" idx="1"/>
+          </p:nvPr>
+        </p:nvSpPr>
+        <p:spPr>
+          <a:xfrm>
+            <a:off x="457200" y="1600200"/>
+            <a:ext cx="8083550" cy="4797724"/>
+          </a:xfrm>
+        </p:spPr>
+        <p:txBody>
+          <a:bodyPr/>
+          <a:lstStyle/>
+          <a:p>
+            <a:pPr>
+              <a:lnSpc>
+                <a:spcPct val="150000"/>
+              </a:lnSpc>
+            </a:pPr>
+            <a:r>
+              <a:rPr lang="en-IN" sz="2400" b="1" kern="1200" spc="-5" dirty="0">
+                <a:latin typeface="Times New Roman"/>
+                <a:cs typeface="Times New Roman"/>
+              </a:rPr>
+              <a:t>Introduction </a:t>
+            </a:r>
+          </a:p>
+          <a:p>
+            <a:pPr>
+              <a:lnSpc>
+                <a:spcPct val="150000"/>
+              </a:lnSpc>
+            </a:pPr>
+            <a:r>
+              <a:rPr lang="en-IN" sz="2400" b="1" kern="1200" spc="-5" dirty="0">
+                <a:latin typeface="Times New Roman"/>
+                <a:cs typeface="Times New Roman"/>
+              </a:rPr>
+              <a:t>	</a:t>
+            </a:r>
+            <a:r>
+              <a:rPr lang="en-US" kern="1200" dirty="0">
+                <a:latin typeface="Times New Roman"/>
+                <a:cs typeface="Times New Roman"/>
+              </a:rPr>
+              <a:t>The Asset Management System is a web-based application designed to streamline asset tracking and management within organizations. Developed using React.js for the front end and Node.js for the back end, the system ensures secure user authentication and authorization with role-based permissions. The intuitive dashboard provides a quick overview of asset status and distribution through visualizations and charts. Key features include comprehensive asset management and  search capabilities. The technology stack incorporates React.js for its interactive UI and Node.js for its scalability on the backend. A relational database ensures data integrity. Overall, the system aims to enhance organizational efficiency by providing a user-friendly platform for managing assets, contributing to improved productivity and resource optimization. </a:t>
+            </a:r>
+            <a:endParaRPr lang="en-IN" kern="1200" dirty="0">
+              <a:latin typeface="Times New Roman"/>
+              <a:cs typeface="Times New Roman"/>
+            </a:endParaRPr>
+          </a:p>
+        </p:txBody>
+      </p:sp>
+    </p:spTree>
+    <p:extLst>
+      <p:ext uri="{BB962C8B-B14F-4D97-AF65-F5344CB8AC3E}">
+        <p14:creationId xmlns:p14="http://schemas.microsoft.com/office/powerpoint/2010/main" val="4070125572"/>
+      </p:ext>
+    </p:extLst>
+  </p:cSld>
+  <p:clrMapOvr>
+    <a:masterClrMapping/>
+  </p:clrMapOvr>
+</p:sld>
+</file>
+
+<file path=ppt/slides/slide4.xml><?xml version="1.0" encoding="utf-8"?>
 <p:sld xmlns:a="http://schemas.openxmlformats.org/drawingml/2006/main" xmlns:r="http://schemas.openxmlformats.org/officeDocument/2006/relationships" xmlns:p="http://schemas.openxmlformats.org/presentationml/2006/main">
   <p:cSld>
     <p:spTree>
@@ -5654,7 +5817,7 @@
             </a:pPr>
             <a:fld id="{81D60167-4931-47E6-BA6A-407CBD079E47}" type="slidenum">
               <a:rPr dirty="0"/>
-              <a:t>3</a:t>
+              <a:t>4</a:t>
             </a:fld>
             <a:endParaRPr dirty="0"/>
           </a:p>
@@ -5752,7 +5915,7 @@
 </p:sld>
 </file>
 
-<file path=ppt/slides/slide4.xml><?xml version="1.0" encoding="utf-8"?>
+<file path=ppt/slides/slide5.xml><?xml version="1.0" encoding="utf-8"?>
 <p:sld xmlns:a="http://schemas.openxmlformats.org/drawingml/2006/main" xmlns:r="http://schemas.openxmlformats.org/officeDocument/2006/relationships" xmlns:p="http://schemas.openxmlformats.org/presentationml/2006/main">
   <p:cSld>
     <p:spTree>
@@ -6041,7 +6204,7 @@
 </p:sld>
 </file>
 
-<file path=ppt/slides/slide5.xml><?xml version="1.0" encoding="utf-8"?>
+<file path=ppt/slides/slide6.xml><?xml version="1.0" encoding="utf-8"?>
 <p:sld xmlns:a="http://schemas.openxmlformats.org/drawingml/2006/main" xmlns:r="http://schemas.openxmlformats.org/officeDocument/2006/relationships" xmlns:p="http://schemas.openxmlformats.org/presentationml/2006/main">
   <p:cSld>
     <p:spTree>
@@ -6544,7 +6707,7 @@
 </p:sld>
 </file>
 
-<file path=ppt/slides/slide6.xml><?xml version="1.0" encoding="utf-8"?>
+<file path=ppt/slides/slide7.xml><?xml version="1.0" encoding="utf-8"?>
 <p:sld xmlns:a="http://schemas.openxmlformats.org/drawingml/2006/main" xmlns:r="http://schemas.openxmlformats.org/officeDocument/2006/relationships" xmlns:p="http://schemas.openxmlformats.org/presentationml/2006/main">
   <p:cSld>
     <p:spTree>
@@ -6636,7 +6799,7 @@
             </a:pPr>
             <a:fld id="{81D60167-4931-47E6-BA6A-407CBD079E47}" type="slidenum">
               <a:rPr dirty="0"/>
-              <a:t>6</a:t>
+              <a:t>7</a:t>
             </a:fld>
             <a:endParaRPr dirty="0"/>
           </a:p>
@@ -6878,7 +7041,7 @@
 </p:sld>
 </file>
 
-<file path=ppt/slides/slide7.xml><?xml version="1.0" encoding="utf-8"?>
+<file path=ppt/slides/slide8.xml><?xml version="1.0" encoding="utf-8"?>
 <p:sld xmlns:a="http://schemas.openxmlformats.org/drawingml/2006/main" xmlns:r="http://schemas.openxmlformats.org/officeDocument/2006/relationships" xmlns:p="http://schemas.openxmlformats.org/presentationml/2006/main">
   <p:cSld>
     <p:spTree>
@@ -6970,7 +7133,7 @@
             </a:pPr>
             <a:fld id="{81D60167-4931-47E6-BA6A-407CBD079E47}" type="slidenum">
               <a:rPr dirty="0"/>
-              <a:t>7</a:t>
+              <a:t>8</a:t>
             </a:fld>
             <a:endParaRPr dirty="0"/>
           </a:p>
@@ -7181,7 +7344,7 @@
 </p:sld>
 </file>
 
-<file path=ppt/slides/slide8.xml><?xml version="1.0" encoding="utf-8"?>
+<file path=ppt/slides/slide9.xml><?xml version="1.0" encoding="utf-8"?>
 <p:sld xmlns:a="http://schemas.openxmlformats.org/drawingml/2006/main" xmlns:r="http://schemas.openxmlformats.org/officeDocument/2006/relationships" xmlns:p="http://schemas.openxmlformats.org/presentationml/2006/main">
   <p:cSld>
     <p:spTree>
@@ -7352,126 +7515,6 @@
     <p:extLst>
       <p:ext uri="{BB962C8B-B14F-4D97-AF65-F5344CB8AC3E}">
         <p14:creationId xmlns:p14="http://schemas.microsoft.com/office/powerpoint/2010/main" val="2180046696"/>
-      </p:ext>
-    </p:extLst>
-  </p:cSld>
-  <p:clrMapOvr>
-    <a:masterClrMapping/>
-  </p:clrMapOvr>
-</p:sld>
-</file>
-
-<file path=ppt/slides/slide9.xml><?xml version="1.0" encoding="utf-8"?>
-<p:sld xmlns:a="http://schemas.openxmlformats.org/drawingml/2006/main" xmlns:r="http://schemas.openxmlformats.org/officeDocument/2006/relationships" xmlns:p="http://schemas.openxmlformats.org/presentationml/2006/main">
-  <p:cSld>
-    <p:spTree>
-      <p:nvGrpSpPr>
-        <p:cNvPr id="1" name=""/>
-        <p:cNvGrpSpPr/>
-        <p:nvPr/>
-      </p:nvGrpSpPr>
-      <p:grpSpPr>
-        <a:xfrm>
-          <a:off x="0" y="0"/>
-          <a:ext cx="0" cy="0"/>
-          <a:chOff x="0" y="0"/>
-          <a:chExt cx="0" cy="0"/>
-        </a:xfrm>
-      </p:grpSpPr>
-      <p:sp>
-        <p:nvSpPr>
-          <p:cNvPr id="2" name="Title 1">
-            <a:extLst>
-              <a:ext uri="{FF2B5EF4-FFF2-40B4-BE49-F238E27FC236}">
-                <a16:creationId xmlns:a16="http://schemas.microsoft.com/office/drawing/2014/main" id="{F8C352ED-626E-EE26-0FBA-B804392B2EF8}"/>
-              </a:ext>
-            </a:extLst>
-          </p:cNvPr>
-          <p:cNvSpPr>
-            <a:spLocks noGrp="1"/>
-          </p:cNvSpPr>
-          <p:nvPr>
-            <p:ph type="title"/>
-          </p:nvPr>
-        </p:nvSpPr>
-        <p:spPr>
-          <a:xfrm>
-            <a:off x="444500" y="1676400"/>
-            <a:ext cx="8255000" cy="400110"/>
-          </a:xfrm>
-        </p:spPr>
-        <p:txBody>
-          <a:bodyPr/>
-          <a:lstStyle/>
-          <a:p>
-            <a:r>
-              <a:rPr lang="en-US" sz="2600" b="1" dirty="0">
-                <a:solidFill>
-                  <a:schemeClr val="tx1"/>
-                </a:solidFill>
-                <a:latin typeface="Times New Roman" panose="02020603050405020304" pitchFamily="18" charset="0"/>
-                <a:cs typeface="Times New Roman" panose="02020603050405020304" pitchFamily="18" charset="0"/>
-              </a:rPr>
-              <a:t>Architecture Diagram</a:t>
-            </a:r>
-            <a:endParaRPr lang="en-IN" sz="2600" dirty="0"/>
-          </a:p>
-        </p:txBody>
-      </p:sp>
-      <p:sp>
-        <p:nvSpPr>
-          <p:cNvPr id="5" name="TextBox 4">
-            <a:extLst>
-              <a:ext uri="{FF2B5EF4-FFF2-40B4-BE49-F238E27FC236}">
-                <a16:creationId xmlns:a16="http://schemas.microsoft.com/office/drawing/2014/main" id="{00143D6A-1400-3565-9CF5-1F8FABB41F35}"/>
-              </a:ext>
-            </a:extLst>
-          </p:cNvPr>
-          <p:cNvSpPr txBox="1"/>
-          <p:nvPr/>
-        </p:nvSpPr>
-        <p:spPr>
-          <a:xfrm>
-            <a:off x="1600200" y="685800"/>
-            <a:ext cx="6176912" cy="584775"/>
-          </a:xfrm>
-          <a:prstGeom prst="rect">
-            <a:avLst/>
-          </a:prstGeom>
-          <a:noFill/>
-        </p:spPr>
-        <p:txBody>
-          <a:bodyPr wrap="square">
-            <a:spAutoFit/>
-          </a:bodyPr>
-          <a:lstStyle/>
-          <a:p>
-            <a:r>
-              <a:rPr lang="en-US" sz="3200" dirty="0">
-                <a:solidFill>
-                  <a:srgbClr val="04617A"/>
-                </a:solidFill>
-                <a:latin typeface="Times New Roman"/>
-                <a:ea typeface="+mj-ea"/>
-                <a:cs typeface="Times New Roman"/>
-              </a:rPr>
-              <a:t>ASSET MANAGEMENT SYSTEM</a:t>
-            </a:r>
-            <a:endParaRPr lang="en-IN" sz="3200" dirty="0">
-              <a:solidFill>
-                <a:srgbClr val="04617A"/>
-              </a:solidFill>
-              <a:latin typeface="Times New Roman"/>
-              <a:ea typeface="+mj-ea"/>
-              <a:cs typeface="Times New Roman"/>
-            </a:endParaRPr>
-          </a:p>
-        </p:txBody>
-      </p:sp>
-    </p:spTree>
-    <p:extLst>
-      <p:ext uri="{BB962C8B-B14F-4D97-AF65-F5344CB8AC3E}">
-        <p14:creationId xmlns:p14="http://schemas.microsoft.com/office/powerpoint/2010/main" val="2255007126"/>
       </p:ext>
     </p:extLst>
   </p:cSld>

--- a/reports/ppt final.pptx
+++ b/reports/ppt final.pptx
@@ -281,7 +281,7 @@
           <a:p>
             <a:fld id="{1D8BD707-D9CF-40AE-B4C6-C98DA3205C09}" type="datetimeFigureOut">
               <a:rPr lang="en-US"/>
-              <a:t>11/15/2023</a:t>
+              <a:t>11/18/2023</a:t>
             </a:fld>
             <a:endParaRPr lang="en-US"/>
           </a:p>
@@ -462,7 +462,7 @@
           <a:p>
             <a:fld id="{1D8BD707-D9CF-40AE-B4C6-C98DA3205C09}" type="datetimeFigureOut">
               <a:rPr lang="en-US"/>
-              <a:t>11/15/2023</a:t>
+              <a:t>11/18/2023</a:t>
             </a:fld>
             <a:endParaRPr lang="en-US"/>
           </a:p>
@@ -682,7 +682,7 @@
           <a:p>
             <a:fld id="{1D8BD707-D9CF-40AE-B4C6-C98DA3205C09}" type="datetimeFigureOut">
               <a:rPr lang="en-US"/>
-              <a:t>11/15/2023</a:t>
+              <a:t>11/18/2023</a:t>
             </a:fld>
             <a:endParaRPr lang="en-US"/>
           </a:p>
@@ -836,7 +836,7 @@
           <a:p>
             <a:fld id="{1D8BD707-D9CF-40AE-B4C6-C98DA3205C09}" type="datetimeFigureOut">
               <a:rPr lang="en-US"/>
-              <a:t>11/15/2023</a:t>
+              <a:t>11/18/2023</a:t>
             </a:fld>
             <a:endParaRPr lang="en-US"/>
           </a:p>
@@ -961,7 +961,7 @@
           <a:p>
             <a:fld id="{1D8BD707-D9CF-40AE-B4C6-C98DA3205C09}" type="datetimeFigureOut">
               <a:rPr lang="en-US"/>
-              <a:t>11/15/2023</a:t>
+              <a:t>11/18/2023</a:t>
             </a:fld>
             <a:endParaRPr lang="en-US"/>
           </a:p>
@@ -2393,7 +2393,7 @@
           <a:p>
             <a:fld id="{1D8BD707-D9CF-40AE-B4C6-C98DA3205C09}" type="datetimeFigureOut">
               <a:rPr lang="en-US"/>
-              <a:t>11/15/2023</a:t>
+              <a:t>11/18/2023</a:t>
             </a:fld>
             <a:endParaRPr lang="en-US"/>
           </a:p>
@@ -4809,8 +4809,8 @@
         </p:nvSpPr>
         <p:spPr>
           <a:xfrm>
-            <a:off x="478865" y="685800"/>
-            <a:ext cx="8255000" cy="787400"/>
+            <a:off x="355600" y="1155428"/>
+            <a:ext cx="8255000" cy="505267"/>
           </a:xfrm>
           <a:prstGeom prst="rect">
             <a:avLst/>
@@ -4831,7 +4831,13 @@
               </a:spcBef>
             </a:pPr>
             <a:r>
-              <a:rPr spc="-5" dirty="0"/>
+              <a:rPr sz="3200" b="1" spc="-5" dirty="0">
+                <a:solidFill>
+                  <a:schemeClr val="tx1"/>
+                </a:solidFill>
+                <a:latin typeface="Times New Roman" panose="02020603050405020304" pitchFamily="18" charset="0"/>
+                <a:cs typeface="Times New Roman" panose="02020603050405020304" pitchFamily="18" charset="0"/>
+              </a:rPr>
               <a:t>Results</a:t>
             </a:r>
           </a:p>
@@ -4861,7 +4867,7 @@
         </p:blipFill>
         <p:spPr>
           <a:xfrm>
-            <a:off x="4708525" y="1577340"/>
+            <a:off x="4680963" y="1888852"/>
             <a:ext cx="4359275" cy="4526279"/>
           </a:xfrm>
           <a:prstGeom prst="rect">
@@ -4869,40 +4875,6 @@
           </a:prstGeom>
         </p:spPr>
       </p:pic>
-      <p:sp>
-        <p:nvSpPr>
-          <p:cNvPr id="3" name="object 3"/>
-          <p:cNvSpPr txBox="1">
-            <a:spLocks noGrp="1"/>
-          </p:cNvSpPr>
-          <p:nvPr>
-            <p:ph type="sldNum" sz="quarter" idx="7"/>
-          </p:nvPr>
-        </p:nvSpPr>
-        <p:spPr>
-          <a:xfrm>
-            <a:off x="8496300" y="6536393"/>
-            <a:ext cx="228600" cy="179536"/>
-          </a:xfrm>
-          <a:prstGeom prst="rect">
-            <a:avLst/>
-          </a:prstGeom>
-        </p:spPr>
-        <p:txBody>
-          <a:bodyPr vert="horz" wrap="square" lIns="0" tIns="0" rIns="0" bIns="0" rtlCol="0">
-            <a:spAutoFit/>
-          </a:bodyPr>
-          <a:lstStyle/>
-          <a:p>
-            <a:pPr marL="38100">
-              <a:lnSpc>
-                <a:spcPts val="1410"/>
-              </a:lnSpc>
-            </a:pPr>
-            <a:endParaRPr dirty="0"/>
-          </a:p>
-        </p:txBody>
-      </p:sp>
       <p:pic>
         <p:nvPicPr>
           <p:cNvPr id="6" name="Content Placeholder 5">
@@ -4933,7 +4905,7 @@
         </p:blipFill>
         <p:spPr>
           <a:xfrm>
-            <a:off x="228600" y="1577340"/>
+            <a:off x="201038" y="1893602"/>
             <a:ext cx="4479925" cy="4526280"/>
           </a:xfrm>
           <a:prstGeom prst="rect">
@@ -4941,6 +4913,60 @@
           </a:prstGeom>
         </p:spPr>
       </p:pic>
+      <p:sp>
+        <p:nvSpPr>
+          <p:cNvPr id="4" name="Title 1">
+            <a:extLst>
+              <a:ext uri="{FF2B5EF4-FFF2-40B4-BE49-F238E27FC236}">
+                <a16:creationId xmlns:a16="http://schemas.microsoft.com/office/drawing/2014/main" id="{1E5B840A-70BC-DF61-7E32-A1C108818D1A}"/>
+              </a:ext>
+            </a:extLst>
+          </p:cNvPr>
+          <p:cNvSpPr txBox="1">
+            <a:spLocks/>
+          </p:cNvSpPr>
+          <p:nvPr/>
+        </p:nvSpPr>
+        <p:spPr>
+          <a:xfrm>
+            <a:off x="1524000" y="439577"/>
+            <a:ext cx="8255000" cy="492443"/>
+          </a:xfrm>
+          <a:prstGeom prst="rect">
+            <a:avLst/>
+          </a:prstGeom>
+        </p:spPr>
+        <p:txBody>
+          <a:bodyPr wrap="square" lIns="0" tIns="0" rIns="0" bIns="0">
+            <a:spAutoFit/>
+          </a:bodyPr>
+          <a:lstStyle>
+            <a:lvl1pPr>
+              <a:defRPr sz="5000" b="0" i="0">
+                <a:solidFill>
+                  <a:srgbClr val="04617A"/>
+                </a:solidFill>
+                <a:latin typeface="Calibri"/>
+                <a:ea typeface="+mj-ea"/>
+                <a:cs typeface="Calibri"/>
+              </a:defRPr>
+            </a:lvl1pPr>
+          </a:lstStyle>
+          <a:p>
+            <a:r>
+              <a:rPr lang="en-US" sz="3200" kern="0">
+                <a:latin typeface="Times New Roman"/>
+                <a:cs typeface="Times New Roman"/>
+              </a:rPr>
+              <a:t>ASSET MANAGEMENT SYSTEM</a:t>
+            </a:r>
+            <a:endParaRPr lang="en-IN" sz="3200" kern="0" dirty="0">
+              <a:latin typeface="Times New Roman"/>
+              <a:cs typeface="Times New Roman"/>
+            </a:endParaRPr>
+          </a:p>
+        </p:txBody>
+      </p:sp>
     </p:spTree>
   </p:cSld>
   <p:clrMapOvr>
@@ -5064,6 +5090,46 @@
           </a:p>
         </p:txBody>
       </p:sp>
+      <p:sp>
+        <p:nvSpPr>
+          <p:cNvPr id="2" name="Title 1">
+            <a:extLst>
+              <a:ext uri="{FF2B5EF4-FFF2-40B4-BE49-F238E27FC236}">
+                <a16:creationId xmlns:a16="http://schemas.microsoft.com/office/drawing/2014/main" id="{FC3DE36D-C1FD-AEFF-E7F7-F6724A82C33E}"/>
+              </a:ext>
+            </a:extLst>
+          </p:cNvPr>
+          <p:cNvSpPr>
+            <a:spLocks noGrp="1"/>
+          </p:cNvSpPr>
+          <p:nvPr>
+            <p:ph type="title"/>
+          </p:nvPr>
+        </p:nvSpPr>
+        <p:spPr>
+          <a:xfrm>
+            <a:off x="1600200" y="515779"/>
+            <a:ext cx="8255000" cy="492443"/>
+          </a:xfrm>
+        </p:spPr>
+        <p:txBody>
+          <a:bodyPr/>
+          <a:lstStyle/>
+          <a:p>
+            <a:r>
+              <a:rPr lang="en-US" sz="3200" dirty="0">
+                <a:latin typeface="Times New Roman"/>
+                <a:cs typeface="Times New Roman"/>
+              </a:rPr>
+              <a:t>ASSET MANAGEMENT SYSTEM</a:t>
+            </a:r>
+            <a:endParaRPr lang="en-IN" sz="3200" dirty="0">
+              <a:latin typeface="Times New Roman"/>
+              <a:cs typeface="Times New Roman"/>
+            </a:endParaRPr>
+          </a:p>
+        </p:txBody>
+      </p:sp>
     </p:spTree>
   </p:cSld>
   <p:clrMapOvr>
@@ -5101,8 +5167,8 @@
         </p:nvSpPr>
         <p:spPr>
           <a:xfrm>
-            <a:off x="444500" y="1047750"/>
-            <a:ext cx="2841625" cy="787400"/>
+            <a:off x="444500" y="1339175"/>
+            <a:ext cx="2841625" cy="505267"/>
           </a:xfrm>
           <a:prstGeom prst="rect">
             <a:avLst/>
@@ -5123,7 +5189,13 @@
               </a:spcBef>
             </a:pPr>
             <a:r>
-              <a:rPr spc="-5" dirty="0"/>
+              <a:rPr sz="3200" b="1" spc="-5" dirty="0">
+                <a:solidFill>
+                  <a:schemeClr val="tx1"/>
+                </a:solidFill>
+                <a:latin typeface="Times New Roman" panose="02020603050405020304" pitchFamily="18" charset="0"/>
+                <a:cs typeface="Times New Roman" panose="02020603050405020304" pitchFamily="18" charset="0"/>
+              </a:rPr>
               <a:t>Conclusion</a:t>
             </a:r>
           </a:p>
@@ -5170,6 +5242,60 @@
               <a:t> 	The Asset Management System project has successfully implemented a user-friendly solution using React.js, Node.js, Express, and MySQL. With modules for user authentication, asset and variant management and efficient search capabilities, the system provides a comprehensive platform for seamless asset tracking. The deployment-ready application showcases a modular design, data accuracy, and scalability. As we move towards implementation, the Asset Management System is poised to enhance operational efficiency, offering a robust solution to meet the evolving asset management needs of our organization.</a:t>
             </a:r>
             <a:endParaRPr lang="en-IN" sz="1600" spc="-5" dirty="0">
+              <a:latin typeface="Times New Roman"/>
+              <a:cs typeface="Times New Roman"/>
+            </a:endParaRPr>
+          </a:p>
+        </p:txBody>
+      </p:sp>
+      <p:sp>
+        <p:nvSpPr>
+          <p:cNvPr id="3" name="Title 1">
+            <a:extLst>
+              <a:ext uri="{FF2B5EF4-FFF2-40B4-BE49-F238E27FC236}">
+                <a16:creationId xmlns:a16="http://schemas.microsoft.com/office/drawing/2014/main" id="{FBA60B23-56E1-F7CD-6014-BBDD3FFA64C8}"/>
+              </a:ext>
+            </a:extLst>
+          </p:cNvPr>
+          <p:cNvSpPr txBox="1">
+            <a:spLocks/>
+          </p:cNvSpPr>
+          <p:nvPr/>
+        </p:nvSpPr>
+        <p:spPr>
+          <a:xfrm>
+            <a:off x="1730377" y="614088"/>
+            <a:ext cx="8255000" cy="492443"/>
+          </a:xfrm>
+          <a:prstGeom prst="rect">
+            <a:avLst/>
+          </a:prstGeom>
+        </p:spPr>
+        <p:txBody>
+          <a:bodyPr wrap="square" lIns="0" tIns="0" rIns="0" bIns="0">
+            <a:spAutoFit/>
+          </a:bodyPr>
+          <a:lstStyle>
+            <a:lvl1pPr>
+              <a:defRPr sz="5000" b="0" i="0">
+                <a:solidFill>
+                  <a:srgbClr val="04617A"/>
+                </a:solidFill>
+                <a:latin typeface="Calibri"/>
+                <a:ea typeface="+mj-ea"/>
+                <a:cs typeface="Calibri"/>
+              </a:defRPr>
+            </a:lvl1pPr>
+          </a:lstStyle>
+          <a:p>
+            <a:r>
+              <a:rPr lang="en-US" sz="3200" kern="0">
+                <a:latin typeface="Times New Roman"/>
+                <a:cs typeface="Times New Roman"/>
+              </a:rPr>
+              <a:t>ASSET MANAGEMENT SYSTEM</a:t>
+            </a:r>
+            <a:endParaRPr lang="en-IN" sz="3200" kern="0" dirty="0">
               <a:latin typeface="Times New Roman"/>
               <a:cs typeface="Times New Roman"/>
             </a:endParaRPr>
@@ -5491,8 +5617,8 @@
         </p:nvSpPr>
         <p:spPr>
           <a:xfrm>
-            <a:off x="444500" y="1047750"/>
-            <a:ext cx="5441950" cy="787400"/>
+            <a:off x="381000" y="1414621"/>
+            <a:ext cx="5441950" cy="505267"/>
           </a:xfrm>
           <a:prstGeom prst="rect">
             <a:avLst/>
@@ -5513,15 +5639,33 @@
               </a:spcBef>
             </a:pPr>
             <a:r>
-              <a:rPr spc="-5" dirty="0"/>
+              <a:rPr sz="3200" b="1" spc="-5" dirty="0">
+                <a:solidFill>
+                  <a:schemeClr val="tx1"/>
+                </a:solidFill>
+                <a:latin typeface="Times New Roman" panose="02020603050405020304" pitchFamily="18" charset="0"/>
+                <a:cs typeface="Times New Roman" panose="02020603050405020304" pitchFamily="18" charset="0"/>
+              </a:rPr>
               <a:t>Future</a:t>
             </a:r>
             <a:r>
-              <a:rPr spc="-95" dirty="0"/>
+              <a:rPr sz="3200" b="1" spc="-95" dirty="0">
+                <a:solidFill>
+                  <a:schemeClr val="tx1"/>
+                </a:solidFill>
+                <a:latin typeface="Times New Roman" panose="02020603050405020304" pitchFamily="18" charset="0"/>
+                <a:cs typeface="Times New Roman" panose="02020603050405020304" pitchFamily="18" charset="0"/>
+              </a:rPr>
               <a:t> </a:t>
             </a:r>
             <a:r>
-              <a:rPr spc="-5" dirty="0"/>
+              <a:rPr sz="3200" b="1" spc="-5" dirty="0">
+                <a:solidFill>
+                  <a:schemeClr val="tx1"/>
+                </a:solidFill>
+                <a:latin typeface="Times New Roman" panose="02020603050405020304" pitchFamily="18" charset="0"/>
+                <a:cs typeface="Times New Roman" panose="02020603050405020304" pitchFamily="18" charset="0"/>
+              </a:rPr>
               <a:t>Enhancement</a:t>
             </a:r>
           </a:p>
@@ -5577,6 +5721,60 @@
             <a:endParaRPr lang="en-IN" sz="1600" dirty="0">
               <a:latin typeface="Times New Roman" panose="02020603050405020304" pitchFamily="18" charset="0"/>
               <a:cs typeface="Times New Roman" panose="02020603050405020304" pitchFamily="18" charset="0"/>
+            </a:endParaRPr>
+          </a:p>
+        </p:txBody>
+      </p:sp>
+      <p:sp>
+        <p:nvSpPr>
+          <p:cNvPr id="3" name="Title 1">
+            <a:extLst>
+              <a:ext uri="{FF2B5EF4-FFF2-40B4-BE49-F238E27FC236}">
+                <a16:creationId xmlns:a16="http://schemas.microsoft.com/office/drawing/2014/main" id="{C6C2D5C2-3321-3D4B-7E80-76ABC2106B48}"/>
+              </a:ext>
+            </a:extLst>
+          </p:cNvPr>
+          <p:cNvSpPr txBox="1">
+            <a:spLocks/>
+          </p:cNvSpPr>
+          <p:nvPr/>
+        </p:nvSpPr>
+        <p:spPr>
+          <a:xfrm>
+            <a:off x="1828800" y="609599"/>
+            <a:ext cx="8255000" cy="492443"/>
+          </a:xfrm>
+          <a:prstGeom prst="rect">
+            <a:avLst/>
+          </a:prstGeom>
+        </p:spPr>
+        <p:txBody>
+          <a:bodyPr wrap="square" lIns="0" tIns="0" rIns="0" bIns="0">
+            <a:spAutoFit/>
+          </a:bodyPr>
+          <a:lstStyle>
+            <a:lvl1pPr>
+              <a:defRPr sz="5000" b="0" i="0">
+                <a:solidFill>
+                  <a:srgbClr val="04617A"/>
+                </a:solidFill>
+                <a:latin typeface="Calibri"/>
+                <a:ea typeface="+mj-ea"/>
+                <a:cs typeface="Calibri"/>
+              </a:defRPr>
+            </a:lvl1pPr>
+          </a:lstStyle>
+          <a:p>
+            <a:r>
+              <a:rPr lang="en-US" sz="3200" kern="0" dirty="0">
+                <a:latin typeface="Times New Roman"/>
+                <a:cs typeface="Times New Roman"/>
+              </a:rPr>
+              <a:t>ASSET MANAGEMENT SYSTEM</a:t>
+            </a:r>
+            <a:endParaRPr lang="en-IN" sz="3200" kern="0" dirty="0">
+              <a:latin typeface="Times New Roman"/>
+              <a:cs typeface="Times New Roman"/>
             </a:endParaRPr>
           </a:p>
         </p:txBody>
@@ -5624,7 +5822,7 @@
         </p:nvSpPr>
         <p:spPr>
           <a:xfrm>
-            <a:off x="2133600" y="838200"/>
+            <a:off x="1524000" y="762000"/>
             <a:ext cx="8255000" cy="492443"/>
           </a:xfrm>
         </p:spPr>

--- a/reports/ppt final.pptx
+++ b/reports/ppt final.pptx
@@ -281,7 +281,7 @@
           <a:p>
             <a:fld id="{1D8BD707-D9CF-40AE-B4C6-C98DA3205C09}" type="datetimeFigureOut">
               <a:rPr lang="en-US"/>
-              <a:t>11/18/2023</a:t>
+              <a:t>11/20/2023</a:t>
             </a:fld>
             <a:endParaRPr lang="en-US"/>
           </a:p>
@@ -462,7 +462,7 @@
           <a:p>
             <a:fld id="{1D8BD707-D9CF-40AE-B4C6-C98DA3205C09}" type="datetimeFigureOut">
               <a:rPr lang="en-US"/>
-              <a:t>11/18/2023</a:t>
+              <a:t>11/20/2023</a:t>
             </a:fld>
             <a:endParaRPr lang="en-US"/>
           </a:p>
@@ -682,7 +682,7 @@
           <a:p>
             <a:fld id="{1D8BD707-D9CF-40AE-B4C6-C98DA3205C09}" type="datetimeFigureOut">
               <a:rPr lang="en-US"/>
-              <a:t>11/18/2023</a:t>
+              <a:t>11/20/2023</a:t>
             </a:fld>
             <a:endParaRPr lang="en-US"/>
           </a:p>
@@ -836,7 +836,7 @@
           <a:p>
             <a:fld id="{1D8BD707-D9CF-40AE-B4C6-C98DA3205C09}" type="datetimeFigureOut">
               <a:rPr lang="en-US"/>
-              <a:t>11/18/2023</a:t>
+              <a:t>11/20/2023</a:t>
             </a:fld>
             <a:endParaRPr lang="en-US"/>
           </a:p>
@@ -961,7 +961,7 @@
           <a:p>
             <a:fld id="{1D8BD707-D9CF-40AE-B4C6-C98DA3205C09}" type="datetimeFigureOut">
               <a:rPr lang="en-US"/>
-              <a:t>11/18/2023</a:t>
+              <a:t>11/20/2023</a:t>
             </a:fld>
             <a:endParaRPr lang="en-US"/>
           </a:p>
@@ -2393,7 +2393,7 @@
           <a:p>
             <a:fld id="{1D8BD707-D9CF-40AE-B4C6-C98DA3205C09}" type="datetimeFigureOut">
               <a:rPr lang="en-US"/>
-              <a:t>11/18/2023</a:t>
+              <a:t>11/20/2023</a:t>
             </a:fld>
             <a:endParaRPr lang="en-US"/>
           </a:p>

--- a/reports/ppt final.pptx
+++ b/reports/ppt final.pptx
@@ -281,7 +281,7 @@
           <a:p>
             <a:fld id="{1D8BD707-D9CF-40AE-B4C6-C98DA3205C09}" type="datetimeFigureOut">
               <a:rPr lang="en-US"/>
-              <a:t>11/20/2023</a:t>
+              <a:t>11/23/2023</a:t>
             </a:fld>
             <a:endParaRPr lang="en-US"/>
           </a:p>
@@ -462,7 +462,7 @@
           <a:p>
             <a:fld id="{1D8BD707-D9CF-40AE-B4C6-C98DA3205C09}" type="datetimeFigureOut">
               <a:rPr lang="en-US"/>
-              <a:t>11/20/2023</a:t>
+              <a:t>11/23/2023</a:t>
             </a:fld>
             <a:endParaRPr lang="en-US"/>
           </a:p>
@@ -682,7 +682,7 @@
           <a:p>
             <a:fld id="{1D8BD707-D9CF-40AE-B4C6-C98DA3205C09}" type="datetimeFigureOut">
               <a:rPr lang="en-US"/>
-              <a:t>11/20/2023</a:t>
+              <a:t>11/23/2023</a:t>
             </a:fld>
             <a:endParaRPr lang="en-US"/>
           </a:p>
@@ -836,7 +836,7 @@
           <a:p>
             <a:fld id="{1D8BD707-D9CF-40AE-B4C6-C98DA3205C09}" type="datetimeFigureOut">
               <a:rPr lang="en-US"/>
-              <a:t>11/20/2023</a:t>
+              <a:t>11/23/2023</a:t>
             </a:fld>
             <a:endParaRPr lang="en-US"/>
           </a:p>
@@ -961,7 +961,7 @@
           <a:p>
             <a:fld id="{1D8BD707-D9CF-40AE-B4C6-C98DA3205C09}" type="datetimeFigureOut">
               <a:rPr lang="en-US"/>
-              <a:t>11/20/2023</a:t>
+              <a:t>11/23/2023</a:t>
             </a:fld>
             <a:endParaRPr lang="en-US"/>
           </a:p>
@@ -2393,7 +2393,7 @@
           <a:p>
             <a:fld id="{1D8BD707-D9CF-40AE-B4C6-C98DA3205C09}" type="datetimeFigureOut">
               <a:rPr lang="en-US"/>
-              <a:t>11/20/2023</a:t>
+              <a:t>11/23/2023</a:t>
             </a:fld>
             <a:endParaRPr lang="en-US"/>
           </a:p>
@@ -2909,7 +2909,9 @@
             <a:r>
               <a:rPr sz="3200" spc="-10" dirty="0">
                 <a:solidFill>
-                  <a:srgbClr val="7BCA62"/>
+                  <a:schemeClr val="accent3">
+                    <a:lumMod val="50000"/>
+                  </a:schemeClr>
                 </a:solidFill>
                 <a:latin typeface="Arial MT"/>
                 <a:cs typeface="Arial MT"/>
@@ -2919,7 +2921,9 @@
             <a:r>
               <a:rPr sz="3200" spc="40" dirty="0">
                 <a:solidFill>
-                  <a:srgbClr val="7BCA62"/>
+                  <a:schemeClr val="accent3">
+                    <a:lumMod val="50000"/>
+                  </a:schemeClr>
                 </a:solidFill>
                 <a:latin typeface="Arial MT"/>
                 <a:cs typeface="Arial MT"/>
@@ -2929,7 +2933,9 @@
             <a:r>
               <a:rPr sz="3200" dirty="0">
                 <a:solidFill>
-                  <a:srgbClr val="92D050"/>
+                  <a:schemeClr val="accent3">
+                    <a:lumMod val="50000"/>
+                  </a:schemeClr>
                 </a:solidFill>
                 <a:latin typeface="Arial MT"/>
                 <a:cs typeface="Arial MT"/>
@@ -2939,7 +2945,9 @@
             <a:r>
               <a:rPr sz="3200" spc="-15" dirty="0">
                 <a:solidFill>
-                  <a:srgbClr val="92D050"/>
+                  <a:schemeClr val="accent3">
+                    <a:lumMod val="50000"/>
+                  </a:schemeClr>
                 </a:solidFill>
                 <a:latin typeface="Arial MT"/>
                 <a:cs typeface="Arial MT"/>
@@ -2949,7 +2957,9 @@
             <a:r>
               <a:rPr sz="3200" spc="-10" dirty="0">
                 <a:solidFill>
-                  <a:srgbClr val="92D050"/>
+                  <a:schemeClr val="accent3">
+                    <a:lumMod val="50000"/>
+                  </a:schemeClr>
                 </a:solidFill>
                 <a:latin typeface="Arial MT"/>
                 <a:cs typeface="Arial MT"/>
@@ -2959,7 +2969,9 @@
             <a:r>
               <a:rPr sz="3200" spc="-20" dirty="0">
                 <a:solidFill>
-                  <a:srgbClr val="92D050"/>
+                  <a:schemeClr val="accent3">
+                    <a:lumMod val="50000"/>
+                  </a:schemeClr>
                 </a:solidFill>
                 <a:latin typeface="Arial MT"/>
                 <a:cs typeface="Arial MT"/>
@@ -2969,7 +2981,9 @@
             <a:r>
               <a:rPr sz="3200" spc="-10" dirty="0">
                 <a:solidFill>
-                  <a:srgbClr val="92D050"/>
+                  <a:schemeClr val="accent3">
+                    <a:lumMod val="50000"/>
+                  </a:schemeClr>
                 </a:solidFill>
                 <a:latin typeface="Arial MT"/>
                 <a:cs typeface="Arial MT"/>
@@ -2979,7 +2993,9 @@
             <a:r>
               <a:rPr sz="3200" spc="-20" dirty="0">
                 <a:solidFill>
-                  <a:srgbClr val="92D050"/>
+                  <a:schemeClr val="accent3">
+                    <a:lumMod val="50000"/>
+                  </a:schemeClr>
                 </a:solidFill>
                 <a:latin typeface="Arial MT"/>
                 <a:cs typeface="Arial MT"/>
@@ -2989,7 +3005,9 @@
             <a:r>
               <a:rPr sz="3200" dirty="0">
                 <a:solidFill>
-                  <a:srgbClr val="92D050"/>
+                  <a:schemeClr val="accent3">
+                    <a:lumMod val="50000"/>
+                  </a:schemeClr>
                 </a:solidFill>
                 <a:latin typeface="Arial MT"/>
                 <a:cs typeface="Arial MT"/>
@@ -2999,7 +3017,9 @@
             <a:r>
               <a:rPr sz="3200" spc="-15" dirty="0">
                 <a:solidFill>
-                  <a:srgbClr val="92D050"/>
+                  <a:schemeClr val="accent3">
+                    <a:lumMod val="50000"/>
+                  </a:schemeClr>
                 </a:solidFill>
                 <a:latin typeface="Arial MT"/>
                 <a:cs typeface="Arial MT"/>
@@ -3009,7 +3029,9 @@
             <a:r>
               <a:rPr sz="3200" spc="-10" dirty="0">
                 <a:solidFill>
-                  <a:srgbClr val="92D050"/>
+                  <a:schemeClr val="accent3">
+                    <a:lumMod val="50000"/>
+                  </a:schemeClr>
                 </a:solidFill>
                 <a:latin typeface="Arial MT"/>
                 <a:cs typeface="Arial MT"/>
@@ -3019,7 +3041,9 @@
             <a:r>
               <a:rPr sz="3200" spc="-20" dirty="0">
                 <a:solidFill>
-                  <a:srgbClr val="92D050"/>
+                  <a:schemeClr val="accent3">
+                    <a:lumMod val="50000"/>
+                  </a:schemeClr>
                 </a:solidFill>
                 <a:latin typeface="Arial MT"/>
                 <a:cs typeface="Arial MT"/>
@@ -3029,17 +3053,15 @@
             <a:r>
               <a:rPr sz="3200" dirty="0">
                 <a:solidFill>
-                  <a:srgbClr val="92D050"/>
+                  <a:schemeClr val="accent3">
+                    <a:lumMod val="50000"/>
+                  </a:schemeClr>
                 </a:solidFill>
                 <a:latin typeface="Arial MT"/>
                 <a:cs typeface="Arial MT"/>
               </a:rPr>
               <a:t>I</a:t>
             </a:r>
-            <a:endParaRPr sz="3200" dirty="0">
-              <a:latin typeface="Arial MT"/>
-              <a:cs typeface="Arial MT"/>
-            </a:endParaRPr>
           </a:p>
           <a:p>
             <a:pPr marL="539115" algn="ctr">
@@ -3275,7 +3297,7 @@
                 <a:latin typeface="Arial MT"/>
                 <a:cs typeface="Arial MT"/>
               </a:rPr>
-              <a:t>20/11/2024</a:t>
+              <a:t>23/11/2024</a:t>
             </a:r>
             <a:endParaRPr sz="2400" dirty="0">
               <a:solidFill>
@@ -4359,7 +4381,7 @@
         <p:spPr>
           <a:xfrm>
             <a:off x="434975" y="1752600"/>
-            <a:ext cx="8686800" cy="4941737"/>
+            <a:ext cx="8686800" cy="4618572"/>
           </a:xfrm>
           <a:prstGeom prst="rect">
             <a:avLst/>
@@ -4393,18 +4415,32 @@
               </a:lnSpc>
             </a:pPr>
             <a:r>
+              <a:rPr lang="en-US" sz="1600" b="1" spc="-5" dirty="0">
+                <a:latin typeface="Times New Roman"/>
+                <a:cs typeface="Times New Roman"/>
+              </a:rPr>
+              <a:t>	</a:t>
+            </a:r>
+            <a:r>
+              <a:rPr lang="en-US" sz="1600" spc="-5" dirty="0">
+                <a:latin typeface="Times New Roman"/>
+                <a:cs typeface="Times New Roman"/>
+              </a:rPr>
+              <a:t>Clearly define the goals and functionalities of the Asset Management System.</a:t>
+            </a:r>
+            <a:r>
               <a:rPr lang="en-US" sz="1600" b="1" dirty="0">
                 <a:latin typeface="Times New Roman"/>
                 <a:cs typeface="Times New Roman"/>
               </a:rPr>
-              <a:t>Objective: </a:t>
+              <a:t> </a:t>
             </a:r>
             <a:r>
               <a:rPr lang="en-US" sz="1600" spc="-5" dirty="0">
                 <a:latin typeface="Times New Roman"/>
                 <a:cs typeface="Times New Roman"/>
               </a:rPr>
-              <a:t>Clearly define the goals and functionalities of the Asset Management System.</a:t>
+              <a:t>Engage with stakeholders to gather and document detailed requirements. Identify key features, user roles, and system constraints.</a:t>
             </a:r>
           </a:p>
           <a:p>
@@ -4414,18 +4450,46 @@
               </a:lnSpc>
             </a:pPr>
             <a:r>
+              <a:rPr lang="en-US" b="1" dirty="0">
+                <a:latin typeface="Times New Roman"/>
+                <a:cs typeface="Times New Roman"/>
+              </a:rPr>
+              <a:t>2.    System Design:</a:t>
+            </a:r>
+          </a:p>
+          <a:p>
+            <a:pPr algn="just">
+              <a:lnSpc>
+                <a:spcPct val="150000"/>
+              </a:lnSpc>
+            </a:pPr>
+            <a:r>
               <a:rPr lang="en-US" sz="1600" b="1" dirty="0">
                 <a:latin typeface="Times New Roman"/>
                 <a:cs typeface="Times New Roman"/>
               </a:rPr>
-              <a:t>Activities: </a:t>
+              <a:t>	 </a:t>
             </a:r>
             <a:r>
               <a:rPr lang="en-US" sz="1600" spc="-5" dirty="0">
                 <a:latin typeface="Times New Roman"/>
                 <a:cs typeface="Times New Roman"/>
               </a:rPr>
-              <a:t>Engage with stakeholders to gather and document detailed requirements. Identify key features, user roles, and system constraints.</a:t>
+              <a:t>Create a blueprint of the system architecture and design the database </a:t>
+            </a:r>
+            <a:r>
+              <a:rPr lang="en-US" sz="1600" spc="-5" dirty="0" err="1">
+                <a:latin typeface="Times New Roman"/>
+                <a:cs typeface="Times New Roman"/>
+              </a:rPr>
+              <a:t>schema.Design</a:t>
+            </a:r>
+            <a:r>
+              <a:rPr lang="en-US" sz="1600" spc="-5" dirty="0">
+                <a:latin typeface="Times New Roman"/>
+                <a:cs typeface="Times New Roman"/>
+              </a:rPr>
+              <a:t> the user interface (UI) using wireframes or mockups. Plan the database structure, considering entities, relationships, and data flow.</a:t>
             </a:r>
           </a:p>
           <a:p>
@@ -4439,7 +4503,7 @@
                 <a:latin typeface="Times New Roman"/>
                 <a:cs typeface="Times New Roman"/>
               </a:rPr>
-              <a:t>2.    System Design:</a:t>
+              <a:t>3.    Technology Stack Selection:</a:t>
             </a:r>
           </a:p>
           <a:p>
@@ -4449,95 +4513,25 @@
               </a:lnSpc>
             </a:pPr>
             <a:r>
-              <a:rPr lang="en-US" sz="1600" b="1" dirty="0">
-                <a:latin typeface="Times New Roman"/>
-                <a:cs typeface="Times New Roman"/>
-              </a:rPr>
-              <a:t>Objective: </a:t>
-            </a:r>
-            <a:r>
               <a:rPr lang="en-US" sz="1600" spc="-5" dirty="0">
                 <a:latin typeface="Times New Roman"/>
                 <a:cs typeface="Times New Roman"/>
               </a:rPr>
-              <a:t>Create a blueprint of the system architecture and design the database schema.</a:t>
-            </a:r>
-          </a:p>
-          <a:p>
-            <a:pPr algn="just">
-              <a:lnSpc>
-                <a:spcPct val="150000"/>
-              </a:lnSpc>
-            </a:pPr>
-            <a:r>
-              <a:rPr lang="en-US" sz="1600" b="1" dirty="0">
-                <a:latin typeface="Times New Roman"/>
-                <a:cs typeface="Times New Roman"/>
-              </a:rPr>
-              <a:t>Activities: </a:t>
+              <a:t>	Choose the appropriate technologies for frontend, backend, and </a:t>
+            </a:r>
+            <a:r>
+              <a:rPr lang="en-US" sz="1600" spc="-5" dirty="0" err="1">
+                <a:latin typeface="Times New Roman"/>
+                <a:cs typeface="Times New Roman"/>
+              </a:rPr>
+              <a:t>database.Evaluate</a:t>
             </a:r>
             <a:r>
               <a:rPr lang="en-US" sz="1600" spc="-5" dirty="0">
                 <a:latin typeface="Times New Roman"/>
                 <a:cs typeface="Times New Roman"/>
               </a:rPr>
-              <a:t>Design the user interface (UI) using wireframes or mockups. Plan the database structure, considering entities, relationships, and data flow.</a:t>
-            </a:r>
-          </a:p>
-          <a:p>
-            <a:pPr algn="just">
-              <a:lnSpc>
-                <a:spcPct val="150000"/>
-              </a:lnSpc>
-            </a:pPr>
-            <a:r>
-              <a:rPr lang="en-US" b="1" dirty="0">
-                <a:latin typeface="Times New Roman"/>
-                <a:cs typeface="Times New Roman"/>
-              </a:rPr>
-              <a:t>3.    Technology Stack Selection:</a:t>
-            </a:r>
-          </a:p>
-          <a:p>
-            <a:pPr algn="just">
-              <a:lnSpc>
-                <a:spcPct val="150000"/>
-              </a:lnSpc>
-            </a:pPr>
-            <a:r>
-              <a:rPr lang="en-US" sz="1600" b="1" dirty="0">
-                <a:latin typeface="Times New Roman"/>
-                <a:cs typeface="Times New Roman"/>
-              </a:rPr>
-              <a:t>Objective: </a:t>
-            </a:r>
-            <a:r>
-              <a:rPr lang="en-US" sz="1600" spc="-5" dirty="0">
-                <a:latin typeface="Times New Roman"/>
-                <a:cs typeface="Times New Roman"/>
-              </a:rPr>
-              <a:t>Choose the appropriate technologies for frontend, backend, and database.</a:t>
-            </a:r>
-          </a:p>
-          <a:p>
-            <a:pPr algn="just">
-              <a:lnSpc>
-                <a:spcPct val="150000"/>
-              </a:lnSpc>
-            </a:pPr>
-            <a:r>
-              <a:rPr lang="en-US" sz="1600" b="1" dirty="0">
-                <a:latin typeface="Times New Roman"/>
-                <a:cs typeface="Times New Roman"/>
-              </a:rPr>
-              <a:t>Activities: </a:t>
-            </a:r>
-            <a:r>
-              <a:rPr lang="en-US" sz="1600" spc="-5" dirty="0">
-                <a:latin typeface="Times New Roman"/>
-                <a:cs typeface="Times New Roman"/>
-              </a:rPr>
-              <a:t>Evaluate and select technologies based on project requirements, scalability, and the development team's expertise.  React.js for the front end, Node.js, Express for the backend, and MySQL for the database.</a:t>
+              <a:t> and select technologies based on project requirements, scalability, and the development team's expertise.  React.js for the front end, Node.js, Express for the backend, and MySQL for the database.</a:t>
             </a:r>
           </a:p>
         </p:txBody>
@@ -4631,7 +4625,7 @@
         <p:spPr>
           <a:xfrm>
             <a:off x="685800" y="1600200"/>
-            <a:ext cx="8083550" cy="4278094"/>
+            <a:ext cx="8083550" cy="3539430"/>
           </a:xfrm>
         </p:spPr>
         <p:txBody>
@@ -4659,18 +4653,40 @@
               </a:lnSpc>
             </a:pPr>
             <a:r>
-              <a:rPr lang="en-US" sz="1600" b="1" kern="1200" dirty="0">
-                <a:latin typeface="Times New Roman"/>
-                <a:cs typeface="Times New Roman"/>
-              </a:rPr>
-              <a:t>Objective: </a:t>
-            </a:r>
-            <a:r>
               <a:rPr lang="en-US" sz="1600" kern="1200" spc="-5" dirty="0">
                 <a:latin typeface="Times New Roman"/>
                 <a:cs typeface="Times New Roman"/>
               </a:rPr>
-              <a:t>Develop the system according to the design and requirements.</a:t>
+              <a:t>	Develop the system according to the design and </a:t>
+            </a:r>
+            <a:r>
+              <a:rPr lang="en-US" sz="1600" kern="1200" spc="-5" dirty="0" err="1">
+                <a:latin typeface="Times New Roman"/>
+                <a:cs typeface="Times New Roman"/>
+              </a:rPr>
+              <a:t>requirements.Start</a:t>
+            </a:r>
+            <a:r>
+              <a:rPr lang="en-US" sz="1600" kern="1200" spc="-5" dirty="0">
+                <a:latin typeface="Times New Roman"/>
+                <a:cs typeface="Times New Roman"/>
+              </a:rPr>
+              <a:t> by setting up the project structure. Implement each module iteratively, beginning with user authentication, asset management, and so on. Regularly test and debug as new features are added.</a:t>
+            </a:r>
+          </a:p>
+          <a:p>
+            <a:pPr indent="-342900" algn="just" rtl="0">
+              <a:lnSpc>
+                <a:spcPct val="150000"/>
+              </a:lnSpc>
+              <a:buAutoNum type="arabicPeriod" startAt="5"/>
+            </a:pPr>
+            <a:r>
+              <a:rPr lang="en-US" b="1" kern="1200" spc="-5" dirty="0">
+                <a:latin typeface="Times New Roman"/>
+                <a:cs typeface="Times New Roman"/>
+              </a:rPr>
+              <a:t>Testing:</a:t>
             </a:r>
           </a:p>
           <a:p>
@@ -4680,75 +4696,25 @@
               </a:lnSpc>
             </a:pPr>
             <a:r>
-              <a:rPr lang="en-US" sz="1600" b="1" kern="1200" dirty="0">
-                <a:latin typeface="Times New Roman"/>
-                <a:cs typeface="Times New Roman"/>
-              </a:rPr>
-              <a:t>Activities: </a:t>
-            </a:r>
-            <a:r>
               <a:rPr lang="en-US" sz="1600" kern="1200" spc="-5" dirty="0">
                 <a:latin typeface="Times New Roman"/>
                 <a:cs typeface="Times New Roman"/>
               </a:rPr>
-              <a:t>Start by setting up the project structure. Implement each module iteratively, beginning with user authentication, asset management, and so on. Regularly test and debug as new features are added.</a:t>
-            </a:r>
-          </a:p>
-          <a:p>
-            <a:pPr indent="-342900" algn="just" rtl="0">
-              <a:lnSpc>
-                <a:spcPct val="150000"/>
-              </a:lnSpc>
-              <a:buAutoNum type="arabicPeriod" startAt="5"/>
-            </a:pPr>
-            <a:r>
-              <a:rPr lang="en-US" b="1" kern="1200" spc="-5" dirty="0">
-                <a:latin typeface="Times New Roman"/>
-                <a:cs typeface="Times New Roman"/>
-              </a:rPr>
-              <a:t>Testing:</a:t>
-            </a:r>
-          </a:p>
-          <a:p>
-            <a:pPr algn="just" rtl="0">
-              <a:lnSpc>
-                <a:spcPct val="150000"/>
-              </a:lnSpc>
-            </a:pPr>
-            <a:r>
-              <a:rPr lang="en-US" sz="1600" b="1" kern="1200" dirty="0">
-                <a:latin typeface="Times New Roman"/>
-                <a:cs typeface="Times New Roman"/>
-              </a:rPr>
-              <a:t> Objective: </a:t>
+              <a:t>	Ensure the system functions correctly and meets </a:t>
+            </a:r>
+            <a:r>
+              <a:rPr lang="en-US" sz="1600" kern="1200" spc="-5" dirty="0" err="1">
+                <a:latin typeface="Times New Roman"/>
+                <a:cs typeface="Times New Roman"/>
+              </a:rPr>
+              <a:t>requirements.Conduct</a:t>
             </a:r>
             <a:r>
               <a:rPr lang="en-US" sz="1600" kern="1200" spc="-5" dirty="0">
                 <a:latin typeface="Times New Roman"/>
                 <a:cs typeface="Times New Roman"/>
               </a:rPr>
-              <a:t>Ensure the system functions correctly and meets requirements.</a:t>
-            </a:r>
-          </a:p>
-          <a:p>
-            <a:pPr algn="just" rtl="0">
-              <a:lnSpc>
-                <a:spcPct val="150000"/>
-              </a:lnSpc>
-            </a:pPr>
-            <a:r>
-              <a:rPr lang="en-US" sz="1600" b="1" kern="1200" dirty="0">
-                <a:latin typeface="Times New Roman"/>
-                <a:cs typeface="Times New Roman"/>
-              </a:rPr>
-              <a:t>Activities: </a:t>
-            </a:r>
-            <a:r>
-              <a:rPr lang="en-US" sz="1600" kern="1200" spc="-5" dirty="0">
-                <a:latin typeface="Times New Roman"/>
-                <a:cs typeface="Times New Roman"/>
-              </a:rPr>
-              <a:t>Conduct unit testing for individual modules, integration testing to ensure components work together, and system testing to verify the entire application. Address any issues discovered during testing.</a:t>
+              <a:t> unit testing for individual modules, integration testing to ensure components work together, and system testing to verify the entire application. Address any issues discovered during testing.</a:t>
             </a:r>
             <a:endParaRPr lang="en-IN" sz="1600" kern="1200" spc="-5" dirty="0">
               <a:latin typeface="Times New Roman"/>
@@ -5239,7 +5205,7 @@
                 <a:latin typeface="Times New Roman"/>
                 <a:cs typeface="Times New Roman"/>
               </a:rPr>
-              <a:t> 	The Asset Management System project has successfully implemented a user-friendly solution using React.js, Node.js, Express, and MySQL. With modules for user authentication, asset and variant management and efficient search capabilities, the system provides a comprehensive platform for seamless asset tracking. The deployment-ready application showcases a modular design, data accuracy, and scalability. As we move towards implementation, the Asset Management System is poised to enhance operational efficiency, offering a robust solution to meet the evolving asset management needs of our organization.</a:t>
+              <a:t> 	The Asset Management System project has successfully implemented a user-friendly solution using React.js, Node.js, Express, and MySQL. With modules for user authentication, asset and variant management and efficient  automatic search capabilities, the system provides a comprehensive platform for seamless asset tracking. The deployment-ready application showcases a modular design, data accuracy, and scalability. As we move towards implementation, the Asset Management System is poised to enhance operational efficiency, offering a robust solution to meet the evolving asset management needs of our organization.</a:t>
             </a:r>
             <a:endParaRPr lang="en-IN" sz="1600" spc="-5" dirty="0">
               <a:latin typeface="Times New Roman"/>
@@ -6328,7 +6294,7 @@
                 <a:latin typeface="Times New Roman"/>
                 <a:cs typeface="Times New Roman"/>
               </a:rPr>
-              <a:t>Manual data Entry</a:t>
+              <a:t>Manual data Entry Without Proper Layout</a:t>
             </a:r>
           </a:p>
           <a:p>
